--- a/Mock Slides.pptx
+++ b/Mock Slides.pptx
@@ -108,6 +108,11 @@
       </a:defRPr>
     </a:lvl9pPr>
   </p:defaultTextStyle>
+  <p:extLst>
+    <p:ext uri="{EFAFB233-063F-42B5-8137-9DF3F51BA10A}">
+      <p15:sldGuideLst xmlns:p15="http://schemas.microsoft.com/office/powerpoint/2012/main"/>
+    </p:ext>
+  </p:extLst>
 </p:presentation>
 </file>
 
@@ -258,7 +263,7 @@
           <a:p>
             <a:fld id="{F30025CF-58C4-46C0-A704-FC20BC618B8C}" type="datetimeFigureOut">
               <a:rPr lang="en-US" smtClean="0"/>
-              <a:t>3/27/2024</a:t>
+              <a:t>3/28/2024</a:t>
             </a:fld>
             <a:endParaRPr lang="en-US"/>
           </a:p>
@@ -456,7 +461,7 @@
           <a:p>
             <a:fld id="{F30025CF-58C4-46C0-A704-FC20BC618B8C}" type="datetimeFigureOut">
               <a:rPr lang="en-US" smtClean="0"/>
-              <a:t>3/27/2024</a:t>
+              <a:t>3/28/2024</a:t>
             </a:fld>
             <a:endParaRPr lang="en-US"/>
           </a:p>
@@ -664,7 +669,7 @@
           <a:p>
             <a:fld id="{F30025CF-58C4-46C0-A704-FC20BC618B8C}" type="datetimeFigureOut">
               <a:rPr lang="en-US" smtClean="0"/>
-              <a:t>3/27/2024</a:t>
+              <a:t>3/28/2024</a:t>
             </a:fld>
             <a:endParaRPr lang="en-US"/>
           </a:p>
@@ -862,7 +867,7 @@
           <a:p>
             <a:fld id="{F30025CF-58C4-46C0-A704-FC20BC618B8C}" type="datetimeFigureOut">
               <a:rPr lang="en-US" smtClean="0"/>
-              <a:t>3/27/2024</a:t>
+              <a:t>3/28/2024</a:t>
             </a:fld>
             <a:endParaRPr lang="en-US"/>
           </a:p>
@@ -1137,7 +1142,7 @@
           <a:p>
             <a:fld id="{F30025CF-58C4-46C0-A704-FC20BC618B8C}" type="datetimeFigureOut">
               <a:rPr lang="en-US" smtClean="0"/>
-              <a:t>3/27/2024</a:t>
+              <a:t>3/28/2024</a:t>
             </a:fld>
             <a:endParaRPr lang="en-US"/>
           </a:p>
@@ -1402,7 +1407,7 @@
           <a:p>
             <a:fld id="{F30025CF-58C4-46C0-A704-FC20BC618B8C}" type="datetimeFigureOut">
               <a:rPr lang="en-US" smtClean="0"/>
-              <a:t>3/27/2024</a:t>
+              <a:t>3/28/2024</a:t>
             </a:fld>
             <a:endParaRPr lang="en-US"/>
           </a:p>
@@ -1814,7 +1819,7 @@
           <a:p>
             <a:fld id="{F30025CF-58C4-46C0-A704-FC20BC618B8C}" type="datetimeFigureOut">
               <a:rPr lang="en-US" smtClean="0"/>
-              <a:t>3/27/2024</a:t>
+              <a:t>3/28/2024</a:t>
             </a:fld>
             <a:endParaRPr lang="en-US"/>
           </a:p>
@@ -1955,7 +1960,7 @@
           <a:p>
             <a:fld id="{F30025CF-58C4-46C0-A704-FC20BC618B8C}" type="datetimeFigureOut">
               <a:rPr lang="en-US" smtClean="0"/>
-              <a:t>3/27/2024</a:t>
+              <a:t>3/28/2024</a:t>
             </a:fld>
             <a:endParaRPr lang="en-US"/>
           </a:p>
@@ -2068,7 +2073,7 @@
           <a:p>
             <a:fld id="{F30025CF-58C4-46C0-A704-FC20BC618B8C}" type="datetimeFigureOut">
               <a:rPr lang="en-US" smtClean="0"/>
-              <a:t>3/27/2024</a:t>
+              <a:t>3/28/2024</a:t>
             </a:fld>
             <a:endParaRPr lang="en-US"/>
           </a:p>
@@ -2379,7 +2384,7 @@
           <a:p>
             <a:fld id="{F30025CF-58C4-46C0-A704-FC20BC618B8C}" type="datetimeFigureOut">
               <a:rPr lang="en-US" smtClean="0"/>
-              <a:t>3/27/2024</a:t>
+              <a:t>3/28/2024</a:t>
             </a:fld>
             <a:endParaRPr lang="en-US"/>
           </a:p>
@@ -2667,7 +2672,7 @@
           <a:p>
             <a:fld id="{F30025CF-58C4-46C0-A704-FC20BC618B8C}" type="datetimeFigureOut">
               <a:rPr lang="en-US" smtClean="0"/>
-              <a:t>3/27/2024</a:t>
+              <a:t>3/28/2024</a:t>
             </a:fld>
             <a:endParaRPr lang="en-US"/>
           </a:p>
@@ -2908,7 +2913,7 @@
           <a:p>
             <a:fld id="{F30025CF-58C4-46C0-A704-FC20BC618B8C}" type="datetimeFigureOut">
               <a:rPr lang="en-US" smtClean="0"/>
-              <a:t>3/27/2024</a:t>
+              <a:t>3/28/2024</a:t>
             </a:fld>
             <a:endParaRPr lang="en-US"/>
           </a:p>
@@ -3615,7 +3620,7 @@
         <p:spPr>
           <a:xfrm>
             <a:off x="1208314" y="3234502"/>
-            <a:ext cx="1556657" cy="1477328"/>
+            <a:ext cx="1556657" cy="2031325"/>
           </a:xfrm>
           <a:prstGeom prst="rect">
             <a:avLst/>
@@ -3662,7 +3667,17 @@
             </a:pPr>
             <a:r>
               <a:rPr lang="en-US" dirty="0"/>
-              <a:t>Facilities </a:t>
+              <a:t>Facilities</a:t>
+            </a:r>
+          </a:p>
+          <a:p>
+            <a:pPr marL="285750" indent="-285750">
+              <a:buFont typeface="Wingdings" panose="05000000000000000000" pitchFamily="2" charset="2"/>
+              <a:buChar char="q"/>
+            </a:pPr>
+            <a:r>
+              <a:rPr lang="en-US" dirty="0"/>
+              <a:t>Student Resources </a:t>
             </a:r>
           </a:p>
         </p:txBody>
@@ -4032,6 +4047,126 @@
           </a:p>
         </p:txBody>
       </p:sp>
+      <p:sp>
+        <p:nvSpPr>
+          <p:cNvPr id="3" name="TextBox 2">
+            <a:extLst>
+              <a:ext uri="{FF2B5EF4-FFF2-40B4-BE49-F238E27FC236}">
+                <a16:creationId xmlns:a16="http://schemas.microsoft.com/office/drawing/2014/main" id="{7D7DC4D6-9D2C-AC13-6A5F-CFD77442C199}"/>
+              </a:ext>
+            </a:extLst>
+          </p:cNvPr>
+          <p:cNvSpPr txBox="1"/>
+          <p:nvPr/>
+        </p:nvSpPr>
+        <p:spPr>
+          <a:xfrm>
+            <a:off x="5744412" y="5871831"/>
+            <a:ext cx="2373085" cy="369332"/>
+          </a:xfrm>
+          <a:prstGeom prst="rect">
+            <a:avLst/>
+          </a:prstGeom>
+          <a:noFill/>
+        </p:spPr>
+        <p:txBody>
+          <a:bodyPr wrap="square" rtlCol="0">
+            <a:spAutoFit/>
+          </a:bodyPr>
+          <a:lstStyle/>
+          <a:p>
+            <a:r>
+              <a:rPr lang="en-US" dirty="0"/>
+              <a:t>Resources 1-12</a:t>
+            </a:r>
+          </a:p>
+        </p:txBody>
+      </p:sp>
+      <p:sp>
+        <p:nvSpPr>
+          <p:cNvPr id="5" name="Rectangle 4">
+            <a:extLst>
+              <a:ext uri="{FF2B5EF4-FFF2-40B4-BE49-F238E27FC236}">
+                <a16:creationId xmlns:a16="http://schemas.microsoft.com/office/drawing/2014/main" id="{E7669FA3-B478-BD03-FA40-259F8399DE3D}"/>
+              </a:ext>
+            </a:extLst>
+          </p:cNvPr>
+          <p:cNvSpPr/>
+          <p:nvPr/>
+        </p:nvSpPr>
+        <p:spPr>
+          <a:xfrm>
+            <a:off x="3522446" y="2595548"/>
+            <a:ext cx="883299" cy="285822"/>
+          </a:xfrm>
+          <a:prstGeom prst="rect">
+            <a:avLst/>
+          </a:prstGeom>
+        </p:spPr>
+        <p:style>
+          <a:lnRef idx="2">
+            <a:schemeClr val="accent1">
+              <a:shade val="15000"/>
+            </a:schemeClr>
+          </a:lnRef>
+          <a:fillRef idx="1">
+            <a:schemeClr val="accent1"/>
+          </a:fillRef>
+          <a:effectRef idx="0">
+            <a:schemeClr val="accent1"/>
+          </a:effectRef>
+          <a:fontRef idx="minor">
+            <a:schemeClr val="lt1"/>
+          </a:fontRef>
+        </p:style>
+        <p:txBody>
+          <a:bodyPr rtlCol="0" anchor="ctr"/>
+          <a:lstStyle/>
+          <a:p>
+            <a:pPr algn="ctr"/>
+            <a:endParaRPr lang="en-US"/>
+          </a:p>
+        </p:txBody>
+      </p:sp>
+      <p:sp>
+        <p:nvSpPr>
+          <p:cNvPr id="7" name="TextBox 6">
+            <a:extLst>
+              <a:ext uri="{FF2B5EF4-FFF2-40B4-BE49-F238E27FC236}">
+                <a16:creationId xmlns:a16="http://schemas.microsoft.com/office/drawing/2014/main" id="{3C277B45-34E2-BEFF-8688-67E45C4995ED}"/>
+              </a:ext>
+            </a:extLst>
+          </p:cNvPr>
+          <p:cNvSpPr txBox="1"/>
+          <p:nvPr/>
+        </p:nvSpPr>
+        <p:spPr>
+          <a:xfrm>
+            <a:off x="3564154" y="2565680"/>
+            <a:ext cx="942532" cy="369332"/>
+          </a:xfrm>
+          <a:prstGeom prst="rect">
+            <a:avLst/>
+          </a:prstGeom>
+          <a:noFill/>
+        </p:spPr>
+        <p:txBody>
+          <a:bodyPr wrap="square" rtlCol="0">
+            <a:spAutoFit/>
+          </a:bodyPr>
+          <a:lstStyle/>
+          <a:p>
+            <a:r>
+              <a:rPr lang="en-US" dirty="0">
+                <a:solidFill>
+                  <a:schemeClr val="bg1"/>
+                </a:solidFill>
+              </a:rPr>
+              <a:t>Search</a:t>
+            </a:r>
+          </a:p>
+        </p:txBody>
+      </p:sp>
     </p:spTree>
     <p:extLst>
       <p:ext uri="{BB962C8B-B14F-4D97-AF65-F5344CB8AC3E}">
@@ -4357,7 +4492,7 @@
         <p:spPr>
           <a:xfrm>
             <a:off x="1208314" y="3234502"/>
-            <a:ext cx="1556657" cy="1477328"/>
+            <a:ext cx="1556657" cy="2031325"/>
           </a:xfrm>
           <a:prstGeom prst="rect">
             <a:avLst/>
@@ -4405,6 +4540,16 @@
             <a:r>
               <a:rPr lang="en-US" dirty="0"/>
               <a:t>Facilities </a:t>
+            </a:r>
+          </a:p>
+          <a:p>
+            <a:pPr marL="285750" indent="-285750">
+              <a:buFont typeface="Wingdings" panose="05000000000000000000" pitchFamily="2" charset="2"/>
+              <a:buChar char="q"/>
+            </a:pPr>
+            <a:r>
+              <a:rPr lang="en-US" dirty="0"/>
+              <a:t>Student Resources</a:t>
             </a:r>
           </a:p>
         </p:txBody>
@@ -4774,6 +4919,165 @@
           </a:p>
         </p:txBody>
       </p:sp>
+      <p:sp>
+        <p:nvSpPr>
+          <p:cNvPr id="3" name="TextBox 2">
+            <a:extLst>
+              <a:ext uri="{FF2B5EF4-FFF2-40B4-BE49-F238E27FC236}">
+                <a16:creationId xmlns:a16="http://schemas.microsoft.com/office/drawing/2014/main" id="{2EA2A7BB-AD8E-20A4-1C4F-F776BAB201F2}"/>
+              </a:ext>
+            </a:extLst>
+          </p:cNvPr>
+          <p:cNvSpPr txBox="1"/>
+          <p:nvPr/>
+        </p:nvSpPr>
+        <p:spPr>
+          <a:xfrm>
+            <a:off x="5744412" y="5871831"/>
+            <a:ext cx="2373085" cy="369332"/>
+          </a:xfrm>
+          <a:prstGeom prst="rect">
+            <a:avLst/>
+          </a:prstGeom>
+          <a:noFill/>
+        </p:spPr>
+        <p:txBody>
+          <a:bodyPr wrap="square" rtlCol="0">
+            <a:spAutoFit/>
+          </a:bodyPr>
+          <a:lstStyle/>
+          <a:p>
+            <a:r>
+              <a:rPr lang="en-US" dirty="0"/>
+              <a:t>Resources 1-12</a:t>
+            </a:r>
+          </a:p>
+        </p:txBody>
+      </p:sp>
+      <p:sp>
+        <p:nvSpPr>
+          <p:cNvPr id="5" name="Rectangle 4">
+            <a:extLst>
+              <a:ext uri="{FF2B5EF4-FFF2-40B4-BE49-F238E27FC236}">
+                <a16:creationId xmlns:a16="http://schemas.microsoft.com/office/drawing/2014/main" id="{750FB625-DA48-52E1-F9CE-4C85C13ACF7B}"/>
+              </a:ext>
+            </a:extLst>
+          </p:cNvPr>
+          <p:cNvSpPr/>
+          <p:nvPr/>
+        </p:nvSpPr>
+        <p:spPr>
+          <a:xfrm>
+            <a:off x="3522446" y="2595548"/>
+            <a:ext cx="883299" cy="285822"/>
+          </a:xfrm>
+          <a:prstGeom prst="rect">
+            <a:avLst/>
+          </a:prstGeom>
+        </p:spPr>
+        <p:style>
+          <a:lnRef idx="2">
+            <a:schemeClr val="accent1">
+              <a:shade val="15000"/>
+            </a:schemeClr>
+          </a:lnRef>
+          <a:fillRef idx="1">
+            <a:schemeClr val="accent1"/>
+          </a:fillRef>
+          <a:effectRef idx="0">
+            <a:schemeClr val="accent1"/>
+          </a:effectRef>
+          <a:fontRef idx="minor">
+            <a:schemeClr val="lt1"/>
+          </a:fontRef>
+        </p:style>
+        <p:txBody>
+          <a:bodyPr rtlCol="0" anchor="ctr"/>
+          <a:lstStyle/>
+          <a:p>
+            <a:pPr algn="ctr"/>
+            <a:endParaRPr lang="en-US"/>
+          </a:p>
+        </p:txBody>
+      </p:sp>
+      <p:sp>
+        <p:nvSpPr>
+          <p:cNvPr id="7" name="TextBox 6">
+            <a:extLst>
+              <a:ext uri="{FF2B5EF4-FFF2-40B4-BE49-F238E27FC236}">
+                <a16:creationId xmlns:a16="http://schemas.microsoft.com/office/drawing/2014/main" id="{E4973945-99FE-A2DE-FA4C-0DF284EF945D}"/>
+              </a:ext>
+            </a:extLst>
+          </p:cNvPr>
+          <p:cNvSpPr txBox="1"/>
+          <p:nvPr/>
+        </p:nvSpPr>
+        <p:spPr>
+          <a:xfrm>
+            <a:off x="3564154" y="2565680"/>
+            <a:ext cx="942532" cy="369332"/>
+          </a:xfrm>
+          <a:prstGeom prst="rect">
+            <a:avLst/>
+          </a:prstGeom>
+          <a:noFill/>
+        </p:spPr>
+        <p:txBody>
+          <a:bodyPr wrap="square" rtlCol="0">
+            <a:spAutoFit/>
+          </a:bodyPr>
+          <a:lstStyle/>
+          <a:p>
+            <a:r>
+              <a:rPr lang="en-US" dirty="0">
+                <a:solidFill>
+                  <a:schemeClr val="bg1"/>
+                </a:solidFill>
+              </a:rPr>
+              <a:t>Search</a:t>
+            </a:r>
+          </a:p>
+        </p:txBody>
+      </p:sp>
+      <p:pic>
+        <p:nvPicPr>
+          <p:cNvPr id="23" name="Picture 22" descr="A black check mark on a white background&#10;&#10;Description automatically generated">
+            <a:extLst>
+              <a:ext uri="{FF2B5EF4-FFF2-40B4-BE49-F238E27FC236}">
+                <a16:creationId xmlns:a16="http://schemas.microsoft.com/office/drawing/2014/main" id="{EC871C08-1602-5EDE-1A96-5997A873EC11}"/>
+              </a:ext>
+            </a:extLst>
+          </p:cNvPr>
+          <p:cNvPicPr>
+            <a:picLocks noChangeAspect="1"/>
+          </p:cNvPicPr>
+          <p:nvPr/>
+        </p:nvPicPr>
+        <p:blipFill>
+          <a:blip r:embed="rId4">
+            <a:extLst>
+              <a:ext uri="{28A0092B-C50C-407E-A947-70E740481C1C}">
+                <a14:useLocalDpi xmlns:a14="http://schemas.microsoft.com/office/drawing/2010/main" val="0"/>
+              </a:ext>
+              <a:ext uri="{837473B0-CC2E-450A-ABE3-18F120FF3D39}">
+                <a1611:picAttrSrcUrl xmlns:a1611="http://schemas.microsoft.com/office/drawing/2016/11/main" r:id="rId5"/>
+              </a:ext>
+            </a:extLst>
+          </a:blip>
+          <a:stretch>
+            <a:fillRect/>
+          </a:stretch>
+        </p:blipFill>
+        <p:spPr>
+          <a:xfrm>
+            <a:off x="1312347" y="3575700"/>
+            <a:ext cx="162046" cy="162046"/>
+          </a:xfrm>
+          <a:prstGeom prst="rect">
+            <a:avLst/>
+          </a:prstGeom>
+        </p:spPr>
+      </p:pic>
     </p:spTree>
     <p:extLst>
       <p:ext uri="{BB962C8B-B14F-4D97-AF65-F5344CB8AC3E}">
@@ -5099,7 +5403,7 @@
         <p:spPr>
           <a:xfrm>
             <a:off x="1208314" y="3234502"/>
-            <a:ext cx="1556657" cy="1477328"/>
+            <a:ext cx="1556657" cy="2031325"/>
           </a:xfrm>
           <a:prstGeom prst="rect">
             <a:avLst/>
@@ -5146,7 +5450,17 @@
             </a:pPr>
             <a:r>
               <a:rPr lang="en-US" dirty="0"/>
-              <a:t>Facilities </a:t>
+              <a:t>Facilities</a:t>
+            </a:r>
+          </a:p>
+          <a:p>
+            <a:pPr marL="285750" indent="-285750">
+              <a:buFont typeface="Wingdings" panose="05000000000000000000" pitchFamily="2" charset="2"/>
+              <a:buChar char="q"/>
+            </a:pPr>
+            <a:r>
+              <a:rPr lang="en-US" dirty="0"/>
+              <a:t>Student Resources </a:t>
             </a:r>
           </a:p>
         </p:txBody>
@@ -5516,6 +5830,165 @@
           </a:p>
         </p:txBody>
       </p:sp>
+      <p:sp>
+        <p:nvSpPr>
+          <p:cNvPr id="3" name="TextBox 2">
+            <a:extLst>
+              <a:ext uri="{FF2B5EF4-FFF2-40B4-BE49-F238E27FC236}">
+                <a16:creationId xmlns:a16="http://schemas.microsoft.com/office/drawing/2014/main" id="{AF30728C-1362-F55D-C473-5D3E022A8196}"/>
+              </a:ext>
+            </a:extLst>
+          </p:cNvPr>
+          <p:cNvSpPr txBox="1"/>
+          <p:nvPr/>
+        </p:nvSpPr>
+        <p:spPr>
+          <a:xfrm>
+            <a:off x="5744412" y="5871831"/>
+            <a:ext cx="2373085" cy="369332"/>
+          </a:xfrm>
+          <a:prstGeom prst="rect">
+            <a:avLst/>
+          </a:prstGeom>
+          <a:noFill/>
+        </p:spPr>
+        <p:txBody>
+          <a:bodyPr wrap="square" rtlCol="0">
+            <a:spAutoFit/>
+          </a:bodyPr>
+          <a:lstStyle/>
+          <a:p>
+            <a:r>
+              <a:rPr lang="en-US" dirty="0"/>
+              <a:t>Resources 1-12</a:t>
+            </a:r>
+          </a:p>
+        </p:txBody>
+      </p:sp>
+      <p:sp>
+        <p:nvSpPr>
+          <p:cNvPr id="5" name="Rectangle 4">
+            <a:extLst>
+              <a:ext uri="{FF2B5EF4-FFF2-40B4-BE49-F238E27FC236}">
+                <a16:creationId xmlns:a16="http://schemas.microsoft.com/office/drawing/2014/main" id="{DAA5D8A0-7C18-5984-C5F9-1A152AD12693}"/>
+              </a:ext>
+            </a:extLst>
+          </p:cNvPr>
+          <p:cNvSpPr/>
+          <p:nvPr/>
+        </p:nvSpPr>
+        <p:spPr>
+          <a:xfrm>
+            <a:off x="3522446" y="2595548"/>
+            <a:ext cx="883299" cy="285822"/>
+          </a:xfrm>
+          <a:prstGeom prst="rect">
+            <a:avLst/>
+          </a:prstGeom>
+        </p:spPr>
+        <p:style>
+          <a:lnRef idx="2">
+            <a:schemeClr val="accent1">
+              <a:shade val="15000"/>
+            </a:schemeClr>
+          </a:lnRef>
+          <a:fillRef idx="1">
+            <a:schemeClr val="accent1"/>
+          </a:fillRef>
+          <a:effectRef idx="0">
+            <a:schemeClr val="accent1"/>
+          </a:effectRef>
+          <a:fontRef idx="minor">
+            <a:schemeClr val="lt1"/>
+          </a:fontRef>
+        </p:style>
+        <p:txBody>
+          <a:bodyPr rtlCol="0" anchor="ctr"/>
+          <a:lstStyle/>
+          <a:p>
+            <a:pPr algn="ctr"/>
+            <a:endParaRPr lang="en-US"/>
+          </a:p>
+        </p:txBody>
+      </p:sp>
+      <p:sp>
+        <p:nvSpPr>
+          <p:cNvPr id="7" name="TextBox 6">
+            <a:extLst>
+              <a:ext uri="{FF2B5EF4-FFF2-40B4-BE49-F238E27FC236}">
+                <a16:creationId xmlns:a16="http://schemas.microsoft.com/office/drawing/2014/main" id="{9EF691E2-F7B7-5DD1-4EBE-568D30D0C3DE}"/>
+              </a:ext>
+            </a:extLst>
+          </p:cNvPr>
+          <p:cNvSpPr txBox="1"/>
+          <p:nvPr/>
+        </p:nvSpPr>
+        <p:spPr>
+          <a:xfrm>
+            <a:off x="3564154" y="2565680"/>
+            <a:ext cx="942532" cy="369332"/>
+          </a:xfrm>
+          <a:prstGeom prst="rect">
+            <a:avLst/>
+          </a:prstGeom>
+          <a:noFill/>
+        </p:spPr>
+        <p:txBody>
+          <a:bodyPr wrap="square" rtlCol="0">
+            <a:spAutoFit/>
+          </a:bodyPr>
+          <a:lstStyle/>
+          <a:p>
+            <a:r>
+              <a:rPr lang="en-US" dirty="0">
+                <a:solidFill>
+                  <a:schemeClr val="bg1"/>
+                </a:solidFill>
+              </a:rPr>
+              <a:t>Search</a:t>
+            </a:r>
+          </a:p>
+        </p:txBody>
+      </p:sp>
+      <p:pic>
+        <p:nvPicPr>
+          <p:cNvPr id="17" name="Picture 16" descr="A black check mark on a white background&#10;&#10;Description automatically generated">
+            <a:extLst>
+              <a:ext uri="{FF2B5EF4-FFF2-40B4-BE49-F238E27FC236}">
+                <a16:creationId xmlns:a16="http://schemas.microsoft.com/office/drawing/2014/main" id="{872938A6-948B-82EA-8CED-2116E4383D11}"/>
+              </a:ext>
+            </a:extLst>
+          </p:cNvPr>
+          <p:cNvPicPr>
+            <a:picLocks noChangeAspect="1"/>
+          </p:cNvPicPr>
+          <p:nvPr/>
+        </p:nvPicPr>
+        <p:blipFill>
+          <a:blip r:embed="rId4">
+            <a:extLst>
+              <a:ext uri="{28A0092B-C50C-407E-A947-70E740481C1C}">
+                <a14:useLocalDpi xmlns:a14="http://schemas.microsoft.com/office/drawing/2010/main" val="0"/>
+              </a:ext>
+              <a:ext uri="{837473B0-CC2E-450A-ABE3-18F120FF3D39}">
+                <a1611:picAttrSrcUrl xmlns:a1611="http://schemas.microsoft.com/office/drawing/2016/11/main" r:id="rId5"/>
+              </a:ext>
+            </a:extLst>
+          </a:blip>
+          <a:stretch>
+            <a:fillRect/>
+          </a:stretch>
+        </p:blipFill>
+        <p:spPr>
+          <a:xfrm>
+            <a:off x="1312347" y="4118934"/>
+            <a:ext cx="162046" cy="162046"/>
+          </a:xfrm>
+          <a:prstGeom prst="rect">
+            <a:avLst/>
+          </a:prstGeom>
+        </p:spPr>
+      </p:pic>
     </p:spTree>
     <p:extLst>
       <p:ext uri="{BB962C8B-B14F-4D97-AF65-F5344CB8AC3E}">
@@ -5841,7 +6314,7 @@
         <p:spPr>
           <a:xfrm>
             <a:off x="1208314" y="3234502"/>
-            <a:ext cx="1556657" cy="1477328"/>
+            <a:ext cx="1556657" cy="2031325"/>
           </a:xfrm>
           <a:prstGeom prst="rect">
             <a:avLst/>
@@ -5889,6 +6362,16 @@
             <a:r>
               <a:rPr lang="en-US" dirty="0"/>
               <a:t>Facilities </a:t>
+            </a:r>
+          </a:p>
+          <a:p>
+            <a:pPr marL="285750" indent="-285750">
+              <a:buFont typeface="Wingdings" panose="05000000000000000000" pitchFamily="2" charset="2"/>
+              <a:buChar char="q"/>
+            </a:pPr>
+            <a:r>
+              <a:rPr lang="en-US" dirty="0"/>
+              <a:t>Student Resources</a:t>
             </a:r>
           </a:p>
         </p:txBody>
@@ -6258,6 +6741,165 @@
           </a:p>
         </p:txBody>
       </p:sp>
+      <p:sp>
+        <p:nvSpPr>
+          <p:cNvPr id="3" name="TextBox 2">
+            <a:extLst>
+              <a:ext uri="{FF2B5EF4-FFF2-40B4-BE49-F238E27FC236}">
+                <a16:creationId xmlns:a16="http://schemas.microsoft.com/office/drawing/2014/main" id="{72B178FD-CC5B-B217-7B4E-9D641AC84E74}"/>
+              </a:ext>
+            </a:extLst>
+          </p:cNvPr>
+          <p:cNvSpPr txBox="1"/>
+          <p:nvPr/>
+        </p:nvSpPr>
+        <p:spPr>
+          <a:xfrm>
+            <a:off x="5744412" y="5871831"/>
+            <a:ext cx="2373085" cy="369332"/>
+          </a:xfrm>
+          <a:prstGeom prst="rect">
+            <a:avLst/>
+          </a:prstGeom>
+          <a:noFill/>
+        </p:spPr>
+        <p:txBody>
+          <a:bodyPr wrap="square" rtlCol="0">
+            <a:spAutoFit/>
+          </a:bodyPr>
+          <a:lstStyle/>
+          <a:p>
+            <a:r>
+              <a:rPr lang="en-US" dirty="0"/>
+              <a:t>Resources 1-12</a:t>
+            </a:r>
+          </a:p>
+        </p:txBody>
+      </p:sp>
+      <p:sp>
+        <p:nvSpPr>
+          <p:cNvPr id="5" name="Rectangle 4">
+            <a:extLst>
+              <a:ext uri="{FF2B5EF4-FFF2-40B4-BE49-F238E27FC236}">
+                <a16:creationId xmlns:a16="http://schemas.microsoft.com/office/drawing/2014/main" id="{2CE0AA1F-588F-715A-0DE9-8A9A49FA4DD3}"/>
+              </a:ext>
+            </a:extLst>
+          </p:cNvPr>
+          <p:cNvSpPr/>
+          <p:nvPr/>
+        </p:nvSpPr>
+        <p:spPr>
+          <a:xfrm>
+            <a:off x="3522446" y="2595548"/>
+            <a:ext cx="883299" cy="285822"/>
+          </a:xfrm>
+          <a:prstGeom prst="rect">
+            <a:avLst/>
+          </a:prstGeom>
+        </p:spPr>
+        <p:style>
+          <a:lnRef idx="2">
+            <a:schemeClr val="accent1">
+              <a:shade val="15000"/>
+            </a:schemeClr>
+          </a:lnRef>
+          <a:fillRef idx="1">
+            <a:schemeClr val="accent1"/>
+          </a:fillRef>
+          <a:effectRef idx="0">
+            <a:schemeClr val="accent1"/>
+          </a:effectRef>
+          <a:fontRef idx="minor">
+            <a:schemeClr val="lt1"/>
+          </a:fontRef>
+        </p:style>
+        <p:txBody>
+          <a:bodyPr rtlCol="0" anchor="ctr"/>
+          <a:lstStyle/>
+          <a:p>
+            <a:pPr algn="ctr"/>
+            <a:endParaRPr lang="en-US"/>
+          </a:p>
+        </p:txBody>
+      </p:sp>
+      <p:sp>
+        <p:nvSpPr>
+          <p:cNvPr id="7" name="TextBox 6">
+            <a:extLst>
+              <a:ext uri="{FF2B5EF4-FFF2-40B4-BE49-F238E27FC236}">
+                <a16:creationId xmlns:a16="http://schemas.microsoft.com/office/drawing/2014/main" id="{2F84E5DD-2891-2111-651C-E20EA89B6B71}"/>
+              </a:ext>
+            </a:extLst>
+          </p:cNvPr>
+          <p:cNvSpPr txBox="1"/>
+          <p:nvPr/>
+        </p:nvSpPr>
+        <p:spPr>
+          <a:xfrm>
+            <a:off x="3564154" y="2565680"/>
+            <a:ext cx="942532" cy="369332"/>
+          </a:xfrm>
+          <a:prstGeom prst="rect">
+            <a:avLst/>
+          </a:prstGeom>
+          <a:noFill/>
+        </p:spPr>
+        <p:txBody>
+          <a:bodyPr wrap="square" rtlCol="0">
+            <a:spAutoFit/>
+          </a:bodyPr>
+          <a:lstStyle/>
+          <a:p>
+            <a:r>
+              <a:rPr lang="en-US" dirty="0">
+                <a:solidFill>
+                  <a:schemeClr val="bg1"/>
+                </a:solidFill>
+              </a:rPr>
+              <a:t>Search</a:t>
+            </a:r>
+          </a:p>
+        </p:txBody>
+      </p:sp>
+      <p:pic>
+        <p:nvPicPr>
+          <p:cNvPr id="17" name="Picture 16" descr="A black check mark on a white background&#10;&#10;Description automatically generated">
+            <a:extLst>
+              <a:ext uri="{FF2B5EF4-FFF2-40B4-BE49-F238E27FC236}">
+                <a16:creationId xmlns:a16="http://schemas.microsoft.com/office/drawing/2014/main" id="{3BB524BE-9707-224F-AC6D-BBB30E256924}"/>
+              </a:ext>
+            </a:extLst>
+          </p:cNvPr>
+          <p:cNvPicPr>
+            <a:picLocks noChangeAspect="1"/>
+          </p:cNvPicPr>
+          <p:nvPr/>
+        </p:nvPicPr>
+        <p:blipFill>
+          <a:blip r:embed="rId4">
+            <a:extLst>
+              <a:ext uri="{28A0092B-C50C-407E-A947-70E740481C1C}">
+                <a14:useLocalDpi xmlns:a14="http://schemas.microsoft.com/office/drawing/2010/main" val="0"/>
+              </a:ext>
+              <a:ext uri="{837473B0-CC2E-450A-ABE3-18F120FF3D39}">
+                <a1611:picAttrSrcUrl xmlns:a1611="http://schemas.microsoft.com/office/drawing/2016/11/main" r:id="rId5"/>
+              </a:ext>
+            </a:extLst>
+          </a:blip>
+          <a:stretch>
+            <a:fillRect/>
+          </a:stretch>
+        </p:blipFill>
+        <p:spPr>
+          <a:xfrm>
+            <a:off x="1312347" y="4390877"/>
+            <a:ext cx="162046" cy="162046"/>
+          </a:xfrm>
+          <a:prstGeom prst="rect">
+            <a:avLst/>
+          </a:prstGeom>
+        </p:spPr>
+      </p:pic>
     </p:spTree>
     <p:extLst>
       <p:ext uri="{BB962C8B-B14F-4D97-AF65-F5344CB8AC3E}">
@@ -6496,7 +7138,7 @@
         </p:nvSpPr>
         <p:spPr>
           <a:xfrm>
-            <a:off x="1262743" y="2773819"/>
+            <a:off x="1148443" y="2575324"/>
             <a:ext cx="9895114" cy="369332"/>
           </a:xfrm>
           <a:prstGeom prst="rect">
@@ -6513,6 +7155,324 @@
             <a:r>
               <a:rPr lang="en-US" dirty="0"/>
               <a:t>What type of resource do you want to submit?</a:t>
+            </a:r>
+          </a:p>
+        </p:txBody>
+      </p:sp>
+      <p:sp>
+        <p:nvSpPr>
+          <p:cNvPr id="7" name="Rectangle 6">
+            <a:extLst>
+              <a:ext uri="{FF2B5EF4-FFF2-40B4-BE49-F238E27FC236}">
+                <a16:creationId xmlns:a16="http://schemas.microsoft.com/office/drawing/2014/main" id="{50153D0C-E696-4DE9-486F-D57DC3390C62}"/>
+              </a:ext>
+            </a:extLst>
+          </p:cNvPr>
+          <p:cNvSpPr/>
+          <p:nvPr/>
+        </p:nvSpPr>
+        <p:spPr>
+          <a:xfrm>
+            <a:off x="1241329" y="3044728"/>
+            <a:ext cx="3298372" cy="446315"/>
+          </a:xfrm>
+          <a:prstGeom prst="rect">
+            <a:avLst/>
+          </a:prstGeom>
+          <a:solidFill>
+            <a:schemeClr val="bg1"/>
+          </a:solidFill>
+        </p:spPr>
+        <p:style>
+          <a:lnRef idx="2">
+            <a:schemeClr val="accent1">
+              <a:shade val="15000"/>
+            </a:schemeClr>
+          </a:lnRef>
+          <a:fillRef idx="1">
+            <a:schemeClr val="accent1"/>
+          </a:fillRef>
+          <a:effectRef idx="0">
+            <a:schemeClr val="accent1"/>
+          </a:effectRef>
+          <a:fontRef idx="minor">
+            <a:schemeClr val="lt1"/>
+          </a:fontRef>
+        </p:style>
+        <p:txBody>
+          <a:bodyPr rtlCol="0" anchor="ctr"/>
+          <a:lstStyle/>
+          <a:p>
+            <a:pPr algn="ctr"/>
+            <a:endParaRPr lang="en-US" dirty="0"/>
+          </a:p>
+        </p:txBody>
+      </p:sp>
+      <p:sp>
+        <p:nvSpPr>
+          <p:cNvPr id="8" name="TextBox 7">
+            <a:extLst>
+              <a:ext uri="{FF2B5EF4-FFF2-40B4-BE49-F238E27FC236}">
+                <a16:creationId xmlns:a16="http://schemas.microsoft.com/office/drawing/2014/main" id="{C1B478F8-D918-4974-83B7-494472637168}"/>
+              </a:ext>
+            </a:extLst>
+          </p:cNvPr>
+          <p:cNvSpPr txBox="1"/>
+          <p:nvPr/>
+        </p:nvSpPr>
+        <p:spPr>
+          <a:xfrm>
+            <a:off x="1306744" y="3091883"/>
+            <a:ext cx="2057402" cy="369332"/>
+          </a:xfrm>
+          <a:prstGeom prst="rect">
+            <a:avLst/>
+          </a:prstGeom>
+          <a:solidFill>
+            <a:schemeClr val="bg1"/>
+          </a:solidFill>
+        </p:spPr>
+        <p:txBody>
+          <a:bodyPr wrap="square" rtlCol="0">
+            <a:spAutoFit/>
+          </a:bodyPr>
+          <a:lstStyle/>
+          <a:p>
+            <a:r>
+              <a:rPr lang="en-US" dirty="0"/>
+              <a:t>Search Resources</a:t>
+            </a:r>
+          </a:p>
+        </p:txBody>
+      </p:sp>
+      <p:sp>
+        <p:nvSpPr>
+          <p:cNvPr id="11" name="Rectangle 10">
+            <a:extLst>
+              <a:ext uri="{FF2B5EF4-FFF2-40B4-BE49-F238E27FC236}">
+                <a16:creationId xmlns:a16="http://schemas.microsoft.com/office/drawing/2014/main" id="{4A325397-ED75-0FAE-C493-4EFB0726B218}"/>
+              </a:ext>
+            </a:extLst>
+          </p:cNvPr>
+          <p:cNvSpPr/>
+          <p:nvPr/>
+        </p:nvSpPr>
+        <p:spPr>
+          <a:xfrm>
+            <a:off x="3571332" y="3118032"/>
+            <a:ext cx="883299" cy="285822"/>
+          </a:xfrm>
+          <a:prstGeom prst="rect">
+            <a:avLst/>
+          </a:prstGeom>
+        </p:spPr>
+        <p:style>
+          <a:lnRef idx="2">
+            <a:schemeClr val="accent1">
+              <a:shade val="15000"/>
+            </a:schemeClr>
+          </a:lnRef>
+          <a:fillRef idx="1">
+            <a:schemeClr val="accent1"/>
+          </a:fillRef>
+          <a:effectRef idx="0">
+            <a:schemeClr val="accent1"/>
+          </a:effectRef>
+          <a:fontRef idx="minor">
+            <a:schemeClr val="lt1"/>
+          </a:fontRef>
+        </p:style>
+        <p:txBody>
+          <a:bodyPr rtlCol="0" anchor="ctr"/>
+          <a:lstStyle/>
+          <a:p>
+            <a:pPr algn="ctr"/>
+            <a:endParaRPr lang="en-US"/>
+          </a:p>
+        </p:txBody>
+      </p:sp>
+      <p:sp>
+        <p:nvSpPr>
+          <p:cNvPr id="10" name="TextBox 9">
+            <a:extLst>
+              <a:ext uri="{FF2B5EF4-FFF2-40B4-BE49-F238E27FC236}">
+                <a16:creationId xmlns:a16="http://schemas.microsoft.com/office/drawing/2014/main" id="{3285B259-8C35-EFE1-42AD-47FF24C4C84E}"/>
+              </a:ext>
+            </a:extLst>
+          </p:cNvPr>
+          <p:cNvSpPr txBox="1"/>
+          <p:nvPr/>
+        </p:nvSpPr>
+        <p:spPr>
+          <a:xfrm>
+            <a:off x="3597169" y="3076277"/>
+            <a:ext cx="942532" cy="369332"/>
+          </a:xfrm>
+          <a:prstGeom prst="rect">
+            <a:avLst/>
+          </a:prstGeom>
+          <a:noFill/>
+        </p:spPr>
+        <p:txBody>
+          <a:bodyPr wrap="square" rtlCol="0">
+            <a:spAutoFit/>
+          </a:bodyPr>
+          <a:lstStyle/>
+          <a:p>
+            <a:r>
+              <a:rPr lang="en-US" dirty="0">
+                <a:solidFill>
+                  <a:schemeClr val="bg1"/>
+                </a:solidFill>
+              </a:rPr>
+              <a:t>Search</a:t>
+            </a:r>
+          </a:p>
+        </p:txBody>
+      </p:sp>
+      <p:sp>
+        <p:nvSpPr>
+          <p:cNvPr id="14" name="TextBox 13">
+            <a:extLst>
+              <a:ext uri="{FF2B5EF4-FFF2-40B4-BE49-F238E27FC236}">
+                <a16:creationId xmlns:a16="http://schemas.microsoft.com/office/drawing/2014/main" id="{05C40C7D-BCF5-0DD3-E3D1-DCFE195D975F}"/>
+              </a:ext>
+            </a:extLst>
+          </p:cNvPr>
+          <p:cNvSpPr txBox="1"/>
+          <p:nvPr/>
+        </p:nvSpPr>
+        <p:spPr>
+          <a:xfrm>
+            <a:off x="2306828" y="3577010"/>
+            <a:ext cx="961271" cy="369332"/>
+          </a:xfrm>
+          <a:prstGeom prst="rect">
+            <a:avLst/>
+          </a:prstGeom>
+          <a:noFill/>
+        </p:spPr>
+        <p:txBody>
+          <a:bodyPr wrap="square" rtlCol="0">
+            <a:spAutoFit/>
+          </a:bodyPr>
+          <a:lstStyle/>
+          <a:p>
+            <a:r>
+              <a:rPr lang="en-US" dirty="0">
+                <a:solidFill>
+                  <a:schemeClr val="bg1"/>
+                </a:solidFill>
+              </a:rPr>
+              <a:t>Search</a:t>
+            </a:r>
+          </a:p>
+        </p:txBody>
+      </p:sp>
+      <p:sp>
+        <p:nvSpPr>
+          <p:cNvPr id="16" name="Rectangle 15">
+            <a:extLst>
+              <a:ext uri="{FF2B5EF4-FFF2-40B4-BE49-F238E27FC236}">
+                <a16:creationId xmlns:a16="http://schemas.microsoft.com/office/drawing/2014/main" id="{4A5D7CC8-E940-DC9A-A5AF-051BCA4C0A3C}"/>
+              </a:ext>
+            </a:extLst>
+          </p:cNvPr>
+          <p:cNvSpPr/>
+          <p:nvPr/>
+        </p:nvSpPr>
+        <p:spPr>
+          <a:xfrm>
+            <a:off x="1241329" y="3577010"/>
+            <a:ext cx="4922190" cy="2499699"/>
+          </a:xfrm>
+          <a:prstGeom prst="rect">
+            <a:avLst/>
+          </a:prstGeom>
+          <a:solidFill>
+            <a:schemeClr val="bg1"/>
+          </a:solidFill>
+        </p:spPr>
+        <p:style>
+          <a:lnRef idx="2">
+            <a:schemeClr val="accent1">
+              <a:shade val="15000"/>
+            </a:schemeClr>
+          </a:lnRef>
+          <a:fillRef idx="1">
+            <a:schemeClr val="accent1"/>
+          </a:fillRef>
+          <a:effectRef idx="0">
+            <a:schemeClr val="accent1"/>
+          </a:effectRef>
+          <a:fontRef idx="minor">
+            <a:schemeClr val="lt1"/>
+          </a:fontRef>
+        </p:style>
+        <p:txBody>
+          <a:bodyPr rtlCol="0" anchor="ctr"/>
+          <a:lstStyle/>
+          <a:p>
+            <a:pPr algn="ctr"/>
+            <a:endParaRPr lang="en-US"/>
+          </a:p>
+        </p:txBody>
+      </p:sp>
+      <p:sp>
+        <p:nvSpPr>
+          <p:cNvPr id="17" name="TextBox 16">
+            <a:extLst>
+              <a:ext uri="{FF2B5EF4-FFF2-40B4-BE49-F238E27FC236}">
+                <a16:creationId xmlns:a16="http://schemas.microsoft.com/office/drawing/2014/main" id="{74610DF2-1102-D3FC-194F-3D05B1A47ED9}"/>
+              </a:ext>
+            </a:extLst>
+          </p:cNvPr>
+          <p:cNvSpPr txBox="1"/>
+          <p:nvPr/>
+        </p:nvSpPr>
+        <p:spPr>
+          <a:xfrm>
+            <a:off x="1377387" y="3704368"/>
+            <a:ext cx="4718613" cy="923330"/>
+          </a:xfrm>
+          <a:prstGeom prst="rect">
+            <a:avLst/>
+          </a:prstGeom>
+          <a:noFill/>
+        </p:spPr>
+        <p:txBody>
+          <a:bodyPr wrap="square" rtlCol="0">
+            <a:spAutoFit/>
+          </a:bodyPr>
+          <a:lstStyle/>
+          <a:p>
+            <a:pPr marL="285750" indent="-285750">
+              <a:buFont typeface="Wingdings" panose="05000000000000000000" pitchFamily="2" charset="2"/>
+              <a:buChar char="q"/>
+            </a:pPr>
+            <a:r>
+              <a:rPr lang="en-US" dirty="0"/>
+              <a:t>Therapist</a:t>
+            </a:r>
+          </a:p>
+          <a:p>
+            <a:pPr marL="285750" indent="-285750">
+              <a:buFont typeface="Wingdings" panose="05000000000000000000" pitchFamily="2" charset="2"/>
+              <a:buChar char="q"/>
+            </a:pPr>
+            <a:r>
+              <a:rPr lang="en-US" dirty="0"/>
+              <a:t>Medication Management </a:t>
+            </a:r>
+          </a:p>
+          <a:p>
+            <a:pPr marL="285750" indent="-285750">
+              <a:buFont typeface="Wingdings" panose="05000000000000000000" pitchFamily="2" charset="2"/>
+              <a:buChar char="q"/>
+            </a:pPr>
+            <a:r>
+              <a:rPr lang="en-US" dirty="0"/>
+              <a:t>Facility</a:t>
             </a:r>
           </a:p>
         </p:txBody>

--- a/Mock Slides.pptx
+++ b/Mock Slides.pptx
@@ -9,7 +9,8 @@
     <p:sldId id="258" r:id="rId3"/>
     <p:sldId id="259" r:id="rId4"/>
     <p:sldId id="260" r:id="rId5"/>
-    <p:sldId id="261" r:id="rId6"/>
+    <p:sldId id="262" r:id="rId6"/>
+    <p:sldId id="261" r:id="rId7"/>
   </p:sldIdLst>
   <p:sldSz cx="12192000" cy="6858000"/>
   <p:notesSz cx="6858000" cy="9144000"/>
@@ -7070,17 +7071,17 @@
           <a:p>
             <a:r>
               <a:rPr lang="en-US" sz="2400" dirty="0"/>
-              <a:t>Submit a New Resource</a:t>
-            </a:r>
-          </a:p>
-        </p:txBody>
-      </p:sp>
-      <p:sp>
-        <p:nvSpPr>
-          <p:cNvPr id="3" name="Rectangle 2">
-            <a:extLst>
-              <a:ext uri="{FF2B5EF4-FFF2-40B4-BE49-F238E27FC236}">
-                <a16:creationId xmlns:a16="http://schemas.microsoft.com/office/drawing/2014/main" id="{10D42734-9C0E-75DF-3C27-71FC3DDF96B5}"/>
+              <a:t>Therapists</a:t>
+            </a:r>
+          </a:p>
+        </p:txBody>
+      </p:sp>
+      <p:sp>
+        <p:nvSpPr>
+          <p:cNvPr id="8" name="Rectangle 7">
+            <a:extLst>
+              <a:ext uri="{FF2B5EF4-FFF2-40B4-BE49-F238E27FC236}">
+                <a16:creationId xmlns:a16="http://schemas.microsoft.com/office/drawing/2014/main" id="{E51AED90-5109-98B2-6887-C376BA6F4407}"/>
               </a:ext>
             </a:extLst>
           </p:cNvPr>
@@ -7089,8 +7090,8 @@
         </p:nvSpPr>
         <p:spPr>
           <a:xfrm>
-            <a:off x="1034143" y="2460171"/>
-            <a:ext cx="10406743" cy="3788229"/>
+            <a:off x="1208314" y="2513164"/>
+            <a:ext cx="3298372" cy="446315"/>
           </a:xfrm>
           <a:prstGeom prst="rect">
             <a:avLst/>
@@ -7126,10 +7127,10 @@
       </p:sp>
       <p:sp>
         <p:nvSpPr>
-          <p:cNvPr id="5" name="TextBox 4">
-            <a:extLst>
-              <a:ext uri="{FF2B5EF4-FFF2-40B4-BE49-F238E27FC236}">
-                <a16:creationId xmlns:a16="http://schemas.microsoft.com/office/drawing/2014/main" id="{1FB10AA4-B667-CD10-BDFB-974BAA362B07}"/>
+          <p:cNvPr id="9" name="TextBox 8">
+            <a:extLst>
+              <a:ext uri="{FF2B5EF4-FFF2-40B4-BE49-F238E27FC236}">
+                <a16:creationId xmlns:a16="http://schemas.microsoft.com/office/drawing/2014/main" id="{1A92EC61-6962-9B9F-FF73-1B30DE4E4496}"/>
               </a:ext>
             </a:extLst>
           </p:cNvPr>
@@ -7138,13 +7139,15 @@
         </p:nvSpPr>
         <p:spPr>
           <a:xfrm>
-            <a:off x="1148443" y="2575324"/>
-            <a:ext cx="9895114" cy="369332"/>
+            <a:off x="1393370" y="2573679"/>
+            <a:ext cx="2057402" cy="369332"/>
           </a:xfrm>
           <a:prstGeom prst="rect">
             <a:avLst/>
           </a:prstGeom>
-          <a:noFill/>
+          <a:solidFill>
+            <a:schemeClr val="bg1"/>
+          </a:solidFill>
         </p:spPr>
         <p:txBody>
           <a:bodyPr wrap="square" rtlCol="0">
@@ -7154,17 +7157,17 @@
           <a:p>
             <a:r>
               <a:rPr lang="en-US" dirty="0"/>
-              <a:t>What type of resource do you want to submit?</a:t>
-            </a:r>
-          </a:p>
-        </p:txBody>
-      </p:sp>
-      <p:sp>
-        <p:nvSpPr>
-          <p:cNvPr id="7" name="Rectangle 6">
-            <a:extLst>
-              <a:ext uri="{FF2B5EF4-FFF2-40B4-BE49-F238E27FC236}">
-                <a16:creationId xmlns:a16="http://schemas.microsoft.com/office/drawing/2014/main" id="{50153D0C-E696-4DE9-486F-D57DC3390C62}"/>
+              <a:t>Search Resources</a:t>
+            </a:r>
+          </a:p>
+        </p:txBody>
+      </p:sp>
+      <p:sp>
+        <p:nvSpPr>
+          <p:cNvPr id="10" name="Rectangle 9">
+            <a:extLst>
+              <a:ext uri="{FF2B5EF4-FFF2-40B4-BE49-F238E27FC236}">
+                <a16:creationId xmlns:a16="http://schemas.microsoft.com/office/drawing/2014/main" id="{128C5A7E-F465-AE72-3529-8CCB924DA5D5}"/>
               </a:ext>
             </a:extLst>
           </p:cNvPr>
@@ -7173,8 +7176,8 @@
         </p:nvSpPr>
         <p:spPr>
           <a:xfrm>
-            <a:off x="1241329" y="3044728"/>
-            <a:ext cx="3298372" cy="446315"/>
+            <a:off x="1208314" y="3129006"/>
+            <a:ext cx="1556657" cy="2019938"/>
           </a:xfrm>
           <a:prstGeom prst="rect">
             <a:avLst/>
@@ -7204,16 +7207,16 @@
           <a:lstStyle/>
           <a:p>
             <a:pPr algn="ctr"/>
-            <a:endParaRPr lang="en-US" dirty="0"/>
-          </a:p>
-        </p:txBody>
-      </p:sp>
-      <p:sp>
-        <p:nvSpPr>
-          <p:cNvPr id="8" name="TextBox 7">
-            <a:extLst>
-              <a:ext uri="{FF2B5EF4-FFF2-40B4-BE49-F238E27FC236}">
-                <a16:creationId xmlns:a16="http://schemas.microsoft.com/office/drawing/2014/main" id="{C1B478F8-D918-4974-83B7-494472637168}"/>
+            <a:endParaRPr lang="en-US"/>
+          </a:p>
+        </p:txBody>
+      </p:sp>
+      <p:sp>
+        <p:nvSpPr>
+          <p:cNvPr id="11" name="TextBox 10">
+            <a:extLst>
+              <a:ext uri="{FF2B5EF4-FFF2-40B4-BE49-F238E27FC236}">
+                <a16:creationId xmlns:a16="http://schemas.microsoft.com/office/drawing/2014/main" id="{5EC0B1F4-163E-C389-3E6D-F21D487F26E7}"/>
               </a:ext>
             </a:extLst>
           </p:cNvPr>
@@ -7222,8 +7225,8 @@
         </p:nvSpPr>
         <p:spPr>
           <a:xfrm>
-            <a:off x="1306744" y="3091883"/>
-            <a:ext cx="2057402" cy="369332"/>
+            <a:off x="1208314" y="3234502"/>
+            <a:ext cx="1556657" cy="2031325"/>
           </a:xfrm>
           <a:prstGeom prst="rect">
             <a:avLst/>
@@ -7240,17 +7243,57 @@
           <a:p>
             <a:r>
               <a:rPr lang="en-US" dirty="0"/>
-              <a:t>Search Resources</a:t>
-            </a:r>
-          </a:p>
-        </p:txBody>
-      </p:sp>
-      <p:sp>
-        <p:nvSpPr>
-          <p:cNvPr id="11" name="Rectangle 10">
-            <a:extLst>
-              <a:ext uri="{FF2B5EF4-FFF2-40B4-BE49-F238E27FC236}">
-                <a16:creationId xmlns:a16="http://schemas.microsoft.com/office/drawing/2014/main" id="{4A325397-ED75-0FAE-C493-4EFB0726B218}"/>
+              <a:t>Filter</a:t>
+            </a:r>
+          </a:p>
+          <a:p>
+            <a:pPr marL="285750" indent="-285750">
+              <a:buFont typeface="Wingdings" panose="05000000000000000000" pitchFamily="2" charset="2"/>
+              <a:buChar char="q"/>
+            </a:pPr>
+            <a:r>
+              <a:rPr lang="en-US" dirty="0"/>
+              <a:t>Med MGMT</a:t>
+            </a:r>
+          </a:p>
+          <a:p>
+            <a:pPr marL="285750" indent="-285750">
+              <a:buFont typeface="Wingdings" panose="05000000000000000000" pitchFamily="2" charset="2"/>
+              <a:buChar char="q"/>
+            </a:pPr>
+            <a:r>
+              <a:rPr lang="en-US" dirty="0"/>
+              <a:t>Therapists</a:t>
+            </a:r>
+          </a:p>
+          <a:p>
+            <a:pPr marL="285750" indent="-285750">
+              <a:buFont typeface="Wingdings" panose="05000000000000000000" pitchFamily="2" charset="2"/>
+              <a:buChar char="q"/>
+            </a:pPr>
+            <a:r>
+              <a:rPr lang="en-US" dirty="0"/>
+              <a:t>Facilities </a:t>
+            </a:r>
+          </a:p>
+          <a:p>
+            <a:pPr marL="285750" indent="-285750">
+              <a:buFont typeface="Wingdings" panose="05000000000000000000" pitchFamily="2" charset="2"/>
+              <a:buChar char="q"/>
+            </a:pPr>
+            <a:r>
+              <a:rPr lang="en-US" dirty="0"/>
+              <a:t>Student Resources</a:t>
+            </a:r>
+          </a:p>
+        </p:txBody>
+      </p:sp>
+      <p:sp>
+        <p:nvSpPr>
+          <p:cNvPr id="12" name="Rectangle 11">
+            <a:extLst>
+              <a:ext uri="{FF2B5EF4-FFF2-40B4-BE49-F238E27FC236}">
+                <a16:creationId xmlns:a16="http://schemas.microsoft.com/office/drawing/2014/main" id="{485F5B08-8432-2BE9-36DF-C87FB4CFA3EF}"/>
               </a:ext>
             </a:extLst>
           </p:cNvPr>
@@ -7259,12 +7302,15 @@
         </p:nvSpPr>
         <p:spPr>
           <a:xfrm>
-            <a:off x="3571332" y="3118032"/>
-            <a:ext cx="883299" cy="285822"/>
+            <a:off x="3124201" y="3150992"/>
+            <a:ext cx="7859485" cy="3060503"/>
           </a:xfrm>
           <a:prstGeom prst="rect">
             <a:avLst/>
           </a:prstGeom>
+          <a:solidFill>
+            <a:schemeClr val="bg1"/>
+          </a:solidFill>
         </p:spPr>
         <p:style>
           <a:lnRef idx="2">
@@ -7287,16 +7333,16 @@
           <a:lstStyle/>
           <a:p>
             <a:pPr algn="ctr"/>
-            <a:endParaRPr lang="en-US"/>
-          </a:p>
-        </p:txBody>
-      </p:sp>
-      <p:sp>
-        <p:nvSpPr>
-          <p:cNvPr id="10" name="TextBox 9">
-            <a:extLst>
-              <a:ext uri="{FF2B5EF4-FFF2-40B4-BE49-F238E27FC236}">
-                <a16:creationId xmlns:a16="http://schemas.microsoft.com/office/drawing/2014/main" id="{3285B259-8C35-EFE1-42AD-47FF24C4C84E}"/>
+            <a:endParaRPr lang="en-US" dirty="0"/>
+          </a:p>
+        </p:txBody>
+      </p:sp>
+      <p:sp>
+        <p:nvSpPr>
+          <p:cNvPr id="20" name="TextBox 19">
+            <a:extLst>
+              <a:ext uri="{FF2B5EF4-FFF2-40B4-BE49-F238E27FC236}">
+                <a16:creationId xmlns:a16="http://schemas.microsoft.com/office/drawing/2014/main" id="{46403084-8C94-AC1A-F74E-01EDD65EBEB3}"/>
               </a:ext>
             </a:extLst>
           </p:cNvPr>
@@ -7305,86 +7351,8 @@
         </p:nvSpPr>
         <p:spPr>
           <a:xfrm>
-            <a:off x="3597169" y="3076277"/>
-            <a:ext cx="942532" cy="369332"/>
-          </a:xfrm>
-          <a:prstGeom prst="rect">
-            <a:avLst/>
-          </a:prstGeom>
-          <a:noFill/>
-        </p:spPr>
-        <p:txBody>
-          <a:bodyPr wrap="square" rtlCol="0">
-            <a:spAutoFit/>
-          </a:bodyPr>
-          <a:lstStyle/>
-          <a:p>
-            <a:r>
-              <a:rPr lang="en-US" dirty="0">
-                <a:solidFill>
-                  <a:schemeClr val="bg1"/>
-                </a:solidFill>
-              </a:rPr>
-              <a:t>Search</a:t>
-            </a:r>
-          </a:p>
-        </p:txBody>
-      </p:sp>
-      <p:sp>
-        <p:nvSpPr>
-          <p:cNvPr id="14" name="TextBox 13">
-            <a:extLst>
-              <a:ext uri="{FF2B5EF4-FFF2-40B4-BE49-F238E27FC236}">
-                <a16:creationId xmlns:a16="http://schemas.microsoft.com/office/drawing/2014/main" id="{05C40C7D-BCF5-0DD3-E3D1-DCFE195D975F}"/>
-              </a:ext>
-            </a:extLst>
-          </p:cNvPr>
-          <p:cNvSpPr txBox="1"/>
-          <p:nvPr/>
-        </p:nvSpPr>
-        <p:spPr>
-          <a:xfrm>
-            <a:off x="2306828" y="3577010"/>
-            <a:ext cx="961271" cy="369332"/>
-          </a:xfrm>
-          <a:prstGeom prst="rect">
-            <a:avLst/>
-          </a:prstGeom>
-          <a:noFill/>
-        </p:spPr>
-        <p:txBody>
-          <a:bodyPr wrap="square" rtlCol="0">
-            <a:spAutoFit/>
-          </a:bodyPr>
-          <a:lstStyle/>
-          <a:p>
-            <a:r>
-              <a:rPr lang="en-US" dirty="0">
-                <a:solidFill>
-                  <a:schemeClr val="bg1"/>
-                </a:solidFill>
-              </a:rPr>
-              <a:t>Search</a:t>
-            </a:r>
-          </a:p>
-        </p:txBody>
-      </p:sp>
-      <p:sp>
-        <p:nvSpPr>
-          <p:cNvPr id="16" name="Rectangle 15">
-            <a:extLst>
-              <a:ext uri="{FF2B5EF4-FFF2-40B4-BE49-F238E27FC236}">
-                <a16:creationId xmlns:a16="http://schemas.microsoft.com/office/drawing/2014/main" id="{4A5D7CC8-E940-DC9A-A5AF-051BCA4C0A3C}"/>
-              </a:ext>
-            </a:extLst>
-          </p:cNvPr>
-          <p:cNvSpPr/>
-          <p:nvPr/>
-        </p:nvSpPr>
-        <p:spPr>
-          <a:xfrm>
-            <a:off x="1241329" y="3577010"/>
-            <a:ext cx="4922190" cy="2499699"/>
+            <a:off x="1208314" y="5440435"/>
+            <a:ext cx="1600200" cy="646331"/>
           </a:xfrm>
           <a:prstGeom prst="rect">
             <a:avLst/>
@@ -7392,6 +7360,51 @@
           <a:solidFill>
             <a:schemeClr val="bg1"/>
           </a:solidFill>
+          <a:ln w="19050">
+            <a:solidFill>
+              <a:schemeClr val="tx1"/>
+            </a:solidFill>
+          </a:ln>
+        </p:spPr>
+        <p:txBody>
+          <a:bodyPr wrap="square" rtlCol="0">
+            <a:spAutoFit/>
+          </a:bodyPr>
+          <a:lstStyle/>
+          <a:p>
+            <a:r>
+              <a:rPr lang="en-US" dirty="0"/>
+              <a:t>Submit New</a:t>
+            </a:r>
+          </a:p>
+          <a:p>
+            <a:r>
+              <a:rPr lang="en-US" dirty="0"/>
+              <a:t>Resource </a:t>
+            </a:r>
+          </a:p>
+        </p:txBody>
+      </p:sp>
+      <p:sp>
+        <p:nvSpPr>
+          <p:cNvPr id="5" name="Rectangle 4">
+            <a:extLst>
+              <a:ext uri="{FF2B5EF4-FFF2-40B4-BE49-F238E27FC236}">
+                <a16:creationId xmlns:a16="http://schemas.microsoft.com/office/drawing/2014/main" id="{2CE0AA1F-588F-715A-0DE9-8A9A49FA4DD3}"/>
+              </a:ext>
+            </a:extLst>
+          </p:cNvPr>
+          <p:cNvSpPr/>
+          <p:nvPr/>
+        </p:nvSpPr>
+        <p:spPr>
+          <a:xfrm>
+            <a:off x="3522446" y="2595548"/>
+            <a:ext cx="883299" cy="285822"/>
+          </a:xfrm>
+          <a:prstGeom prst="rect">
+            <a:avLst/>
+          </a:prstGeom>
         </p:spPr>
         <p:style>
           <a:lnRef idx="2">
@@ -7420,10 +7433,10 @@
       </p:sp>
       <p:sp>
         <p:nvSpPr>
-          <p:cNvPr id="17" name="TextBox 16">
-            <a:extLst>
-              <a:ext uri="{FF2B5EF4-FFF2-40B4-BE49-F238E27FC236}">
-                <a16:creationId xmlns:a16="http://schemas.microsoft.com/office/drawing/2014/main" id="{74610DF2-1102-D3FC-194F-3D05B1A47ED9}"/>
+          <p:cNvPr id="7" name="TextBox 6">
+            <a:extLst>
+              <a:ext uri="{FF2B5EF4-FFF2-40B4-BE49-F238E27FC236}">
+                <a16:creationId xmlns:a16="http://schemas.microsoft.com/office/drawing/2014/main" id="{2F84E5DD-2891-2111-651C-E20EA89B6B71}"/>
               </a:ext>
             </a:extLst>
           </p:cNvPr>
@@ -7432,8 +7445,8 @@
         </p:nvSpPr>
         <p:spPr>
           <a:xfrm>
-            <a:off x="1377387" y="3704368"/>
-            <a:ext cx="4718613" cy="923330"/>
+            <a:off x="3564154" y="2565680"/>
+            <a:ext cx="942532" cy="369332"/>
           </a:xfrm>
           <a:prstGeom prst="rect">
             <a:avLst/>
@@ -7446,6 +7459,820 @@
           </a:bodyPr>
           <a:lstStyle/>
           <a:p>
+            <a:r>
+              <a:rPr lang="en-US" dirty="0">
+                <a:solidFill>
+                  <a:schemeClr val="bg1"/>
+                </a:solidFill>
+              </a:rPr>
+              <a:t>Search</a:t>
+            </a:r>
+          </a:p>
+        </p:txBody>
+      </p:sp>
+      <p:pic>
+        <p:nvPicPr>
+          <p:cNvPr id="17" name="Picture 16" descr="A black check mark on a white background&#10;&#10;Description automatically generated">
+            <a:extLst>
+              <a:ext uri="{FF2B5EF4-FFF2-40B4-BE49-F238E27FC236}">
+                <a16:creationId xmlns:a16="http://schemas.microsoft.com/office/drawing/2014/main" id="{3BB524BE-9707-224F-AC6D-BBB30E256924}"/>
+              </a:ext>
+            </a:extLst>
+          </p:cNvPr>
+          <p:cNvPicPr>
+            <a:picLocks noChangeAspect="1"/>
+          </p:cNvPicPr>
+          <p:nvPr/>
+        </p:nvPicPr>
+        <p:blipFill>
+          <a:blip r:embed="rId4">
+            <a:extLst>
+              <a:ext uri="{28A0092B-C50C-407E-A947-70E740481C1C}">
+                <a14:useLocalDpi xmlns:a14="http://schemas.microsoft.com/office/drawing/2010/main" val="0"/>
+              </a:ext>
+              <a:ext uri="{837473B0-CC2E-450A-ABE3-18F120FF3D39}">
+                <a1611:picAttrSrcUrl xmlns:a1611="http://schemas.microsoft.com/office/drawing/2016/11/main" r:id="rId5"/>
+              </a:ext>
+            </a:extLst>
+          </a:blip>
+          <a:stretch>
+            <a:fillRect/>
+          </a:stretch>
+        </p:blipFill>
+        <p:spPr>
+          <a:xfrm>
+            <a:off x="1316396" y="4103894"/>
+            <a:ext cx="162046" cy="162046"/>
+          </a:xfrm>
+          <a:prstGeom prst="rect">
+            <a:avLst/>
+          </a:prstGeom>
+        </p:spPr>
+      </p:pic>
+      <p:sp>
+        <p:nvSpPr>
+          <p:cNvPr id="22" name="TextBox 21">
+            <a:extLst>
+              <a:ext uri="{FF2B5EF4-FFF2-40B4-BE49-F238E27FC236}">
+                <a16:creationId xmlns:a16="http://schemas.microsoft.com/office/drawing/2014/main" id="{1EC668A4-01E2-AF7E-8A0A-DFF4D4918D8F}"/>
+              </a:ext>
+            </a:extLst>
+          </p:cNvPr>
+          <p:cNvSpPr txBox="1"/>
+          <p:nvPr/>
+        </p:nvSpPr>
+        <p:spPr>
+          <a:xfrm>
+            <a:off x="5275519" y="3312536"/>
+            <a:ext cx="5604134" cy="3031599"/>
+          </a:xfrm>
+          <a:prstGeom prst="rect">
+            <a:avLst/>
+          </a:prstGeom>
+          <a:noFill/>
+        </p:spPr>
+        <p:txBody>
+          <a:bodyPr wrap="square" rtlCol="0">
+            <a:spAutoFit/>
+          </a:bodyPr>
+          <a:lstStyle/>
+          <a:p>
+            <a:r>
+              <a:rPr lang="en-US" sz="2000" b="1" dirty="0"/>
+              <a:t>Janine Hinkley</a:t>
+            </a:r>
+          </a:p>
+          <a:p>
+            <a:r>
+              <a:rPr lang="en-US" sz="1500" dirty="0"/>
+              <a:t>Licensed Professional Counselor </a:t>
+            </a:r>
+          </a:p>
+          <a:p>
+            <a:r>
+              <a:rPr lang="en-US" sz="1500" b="1" dirty="0"/>
+              <a:t> </a:t>
+            </a:r>
+          </a:p>
+          <a:p>
+            <a:r>
+              <a:rPr lang="en-US" sz="1500" dirty="0"/>
+              <a:t>Associated Practice: Sunny Paths LLC. </a:t>
+            </a:r>
+          </a:p>
+          <a:p>
+            <a:r>
+              <a:rPr lang="en-US" sz="1500" dirty="0"/>
+              <a:t>123 Mockingbird Lane, Johnson City, Tennessee</a:t>
+            </a:r>
+          </a:p>
+          <a:p>
+            <a:endParaRPr lang="en-US" sz="1500" dirty="0"/>
+          </a:p>
+          <a:p>
+            <a:r>
+              <a:rPr lang="en-US" sz="1500" dirty="0"/>
+              <a:t>Accepts Insurance: Yes</a:t>
+            </a:r>
+          </a:p>
+          <a:p>
+            <a:r>
+              <a:rPr lang="en-US" sz="1500" dirty="0"/>
+              <a:t>Insurances Accepted: Cigna, Aetna, BlueCross BlueShield</a:t>
+            </a:r>
+          </a:p>
+          <a:p>
+            <a:endParaRPr lang="en-US" sz="1500" dirty="0"/>
+          </a:p>
+          <a:p>
+            <a:r>
+              <a:rPr lang="en-US" sz="1500" dirty="0"/>
+              <a:t>Phone: 555-555-5555</a:t>
+            </a:r>
+          </a:p>
+          <a:p>
+            <a:r>
+              <a:rPr lang="en-US" dirty="0"/>
+              <a:t> </a:t>
+            </a:r>
+          </a:p>
+          <a:p>
+            <a:r>
+              <a:rPr lang="en-US" dirty="0"/>
+              <a:t>	</a:t>
+            </a:r>
+          </a:p>
+        </p:txBody>
+      </p:sp>
+      <p:pic>
+        <p:nvPicPr>
+          <p:cNvPr id="24" name="Picture 23" descr="A close-up of a person smiling&#10;&#10;Description automatically generated">
+            <a:extLst>
+              <a:ext uri="{FF2B5EF4-FFF2-40B4-BE49-F238E27FC236}">
+                <a16:creationId xmlns:a16="http://schemas.microsoft.com/office/drawing/2014/main" id="{3D3AC603-028B-8D69-5EA2-F4697DA4A1E1}"/>
+              </a:ext>
+            </a:extLst>
+          </p:cNvPr>
+          <p:cNvPicPr>
+            <a:picLocks noChangeAspect="1"/>
+          </p:cNvPicPr>
+          <p:nvPr/>
+        </p:nvPicPr>
+        <p:blipFill>
+          <a:blip r:embed="rId6">
+            <a:extLst>
+              <a:ext uri="{28A0092B-C50C-407E-A947-70E740481C1C}">
+                <a14:useLocalDpi xmlns:a14="http://schemas.microsoft.com/office/drawing/2010/main" val="0"/>
+              </a:ext>
+              <a:ext uri="{837473B0-CC2E-450A-ABE3-18F120FF3D39}">
+                <a1611:picAttrSrcUrl xmlns:a1611="http://schemas.microsoft.com/office/drawing/2016/11/main" r:id="rId7"/>
+              </a:ext>
+            </a:extLst>
+          </a:blip>
+          <a:stretch>
+            <a:fillRect/>
+          </a:stretch>
+        </p:blipFill>
+        <p:spPr>
+          <a:xfrm>
+            <a:off x="3338623" y="3312536"/>
+            <a:ext cx="1722475" cy="1986588"/>
+          </a:xfrm>
+          <a:prstGeom prst="rect">
+            <a:avLst/>
+          </a:prstGeom>
+        </p:spPr>
+      </p:pic>
+      <p:sp>
+        <p:nvSpPr>
+          <p:cNvPr id="25" name="Rectangle 24">
+            <a:extLst>
+              <a:ext uri="{FF2B5EF4-FFF2-40B4-BE49-F238E27FC236}">
+                <a16:creationId xmlns:a16="http://schemas.microsoft.com/office/drawing/2014/main" id="{3CF345C9-64F9-5C98-D631-D75E57878B29}"/>
+              </a:ext>
+            </a:extLst>
+          </p:cNvPr>
+          <p:cNvSpPr/>
+          <p:nvPr/>
+        </p:nvSpPr>
+        <p:spPr>
+          <a:xfrm>
+            <a:off x="9293109" y="2530612"/>
+            <a:ext cx="1690577" cy="477139"/>
+          </a:xfrm>
+          <a:prstGeom prst="rect">
+            <a:avLst/>
+          </a:prstGeom>
+          <a:solidFill>
+            <a:schemeClr val="bg1"/>
+          </a:solidFill>
+        </p:spPr>
+        <p:style>
+          <a:lnRef idx="2">
+            <a:schemeClr val="accent1">
+              <a:shade val="15000"/>
+            </a:schemeClr>
+          </a:lnRef>
+          <a:fillRef idx="1">
+            <a:schemeClr val="accent1"/>
+          </a:fillRef>
+          <a:effectRef idx="0">
+            <a:schemeClr val="accent1"/>
+          </a:effectRef>
+          <a:fontRef idx="minor">
+            <a:schemeClr val="lt1"/>
+          </a:fontRef>
+        </p:style>
+        <p:txBody>
+          <a:bodyPr rtlCol="0" anchor="ctr"/>
+          <a:lstStyle/>
+          <a:p>
+            <a:pPr algn="ctr"/>
+            <a:endParaRPr lang="en-US" dirty="0"/>
+          </a:p>
+        </p:txBody>
+      </p:sp>
+      <p:sp>
+        <p:nvSpPr>
+          <p:cNvPr id="26" name="TextBox 25">
+            <a:extLst>
+              <a:ext uri="{FF2B5EF4-FFF2-40B4-BE49-F238E27FC236}">
+                <a16:creationId xmlns:a16="http://schemas.microsoft.com/office/drawing/2014/main" id="{19B79D01-0014-2456-F8FA-FFE1B95B555A}"/>
+              </a:ext>
+            </a:extLst>
+          </p:cNvPr>
+          <p:cNvSpPr txBox="1"/>
+          <p:nvPr/>
+        </p:nvSpPr>
+        <p:spPr>
+          <a:xfrm>
+            <a:off x="9293109" y="2596148"/>
+            <a:ext cx="1764260" cy="369332"/>
+          </a:xfrm>
+          <a:prstGeom prst="rect">
+            <a:avLst/>
+          </a:prstGeom>
+          <a:noFill/>
+        </p:spPr>
+        <p:txBody>
+          <a:bodyPr wrap="square" rtlCol="0">
+            <a:spAutoFit/>
+          </a:bodyPr>
+          <a:lstStyle/>
+          <a:p>
+            <a:r>
+              <a:rPr lang="en-US" dirty="0"/>
+              <a:t>Back to Search</a:t>
+            </a:r>
+          </a:p>
+        </p:txBody>
+      </p:sp>
+    </p:spTree>
+    <p:extLst>
+      <p:ext uri="{BB962C8B-B14F-4D97-AF65-F5344CB8AC3E}">
+        <p14:creationId xmlns:p14="http://schemas.microsoft.com/office/powerpoint/2010/main" val="4019497802"/>
+      </p:ext>
+    </p:extLst>
+  </p:cSld>
+  <p:clrMapOvr>
+    <a:masterClrMapping/>
+  </p:clrMapOvr>
+</p:sld>
+</file>
+
+<file path=ppt/slides/slide6.xml><?xml version="1.0" encoding="utf-8"?>
+<p:sld xmlns:a="http://schemas.openxmlformats.org/drawingml/2006/main" xmlns:r="http://schemas.openxmlformats.org/officeDocument/2006/relationships" xmlns:p="http://schemas.openxmlformats.org/presentationml/2006/main">
+  <p:cSld>
+    <p:bg>
+      <p:bgPr>
+        <a:blipFill dpi="0" rotWithShape="1">
+          <a:blip r:embed="rId2">
+            <a:lum/>
+            <a:extLst>
+              <a:ext uri="{837473B0-CC2E-450A-ABE3-18F120FF3D39}">
+                <a1611:picAttrSrcUrl xmlns:a1611="http://schemas.microsoft.com/office/drawing/2016/11/main" r:id="rId3"/>
+              </a:ext>
+            </a:extLst>
+          </a:blip>
+          <a:srcRect/>
+          <a:stretch>
+            <a:fillRect t="-6000" b="-6000"/>
+          </a:stretch>
+        </a:blipFill>
+        <a:effectLst/>
+      </p:bgPr>
+    </p:bg>
+    <p:spTree>
+      <p:nvGrpSpPr>
+        <p:cNvPr id="1" name=""/>
+        <p:cNvGrpSpPr/>
+        <p:nvPr/>
+      </p:nvGrpSpPr>
+      <p:grpSpPr>
+        <a:xfrm>
+          <a:off x="0" y="0"/>
+          <a:ext cx="0" cy="0"/>
+          <a:chOff x="0" y="0"/>
+          <a:chExt cx="0" cy="0"/>
+        </a:xfrm>
+      </p:grpSpPr>
+      <p:sp>
+        <p:nvSpPr>
+          <p:cNvPr id="2" name="Title 1">
+            <a:extLst>
+              <a:ext uri="{FF2B5EF4-FFF2-40B4-BE49-F238E27FC236}">
+                <a16:creationId xmlns:a16="http://schemas.microsoft.com/office/drawing/2014/main" id="{9F8FC6F8-2B1B-109C-0702-1B540C8E549A}"/>
+              </a:ext>
+            </a:extLst>
+          </p:cNvPr>
+          <p:cNvSpPr>
+            <a:spLocks noGrp="1"/>
+          </p:cNvSpPr>
+          <p:nvPr>
+            <p:ph type="title"/>
+          </p:nvPr>
+        </p:nvSpPr>
+        <p:spPr>
+          <a:xfrm>
+            <a:off x="751114" y="243160"/>
+            <a:ext cx="10515600" cy="1325563"/>
+          </a:xfrm>
+        </p:spPr>
+        <p:txBody>
+          <a:bodyPr/>
+          <a:lstStyle/>
+          <a:p>
+            <a:r>
+              <a:rPr lang="en-US" dirty="0"/>
+              <a:t>East Tennessee Mental Health Resources </a:t>
+            </a:r>
+          </a:p>
+        </p:txBody>
+      </p:sp>
+      <p:sp>
+        <p:nvSpPr>
+          <p:cNvPr id="4" name="Rectangle 3">
+            <a:extLst>
+              <a:ext uri="{FF2B5EF4-FFF2-40B4-BE49-F238E27FC236}">
+                <a16:creationId xmlns:a16="http://schemas.microsoft.com/office/drawing/2014/main" id="{BDD66A68-8711-09F8-190D-10839F9700DE}"/>
+              </a:ext>
+            </a:extLst>
+          </p:cNvPr>
+          <p:cNvSpPr/>
+          <p:nvPr/>
+        </p:nvSpPr>
+        <p:spPr>
+          <a:xfrm>
+            <a:off x="751114" y="2201412"/>
+            <a:ext cx="10929257" cy="4299856"/>
+          </a:xfrm>
+          <a:prstGeom prst="rect">
+            <a:avLst/>
+          </a:prstGeom>
+          <a:solidFill>
+            <a:schemeClr val="bg1">
+              <a:lumMod val="85000"/>
+            </a:schemeClr>
+          </a:solidFill>
+          <a:ln>
+            <a:solidFill>
+              <a:schemeClr val="bg1">
+                <a:lumMod val="85000"/>
+              </a:schemeClr>
+            </a:solidFill>
+          </a:ln>
+        </p:spPr>
+        <p:style>
+          <a:lnRef idx="2">
+            <a:schemeClr val="accent1">
+              <a:shade val="15000"/>
+            </a:schemeClr>
+          </a:lnRef>
+          <a:fillRef idx="1">
+            <a:schemeClr val="accent1"/>
+          </a:fillRef>
+          <a:effectRef idx="0">
+            <a:schemeClr val="accent1"/>
+          </a:effectRef>
+          <a:fontRef idx="minor">
+            <a:schemeClr val="lt1"/>
+          </a:fontRef>
+        </p:style>
+        <p:txBody>
+          <a:bodyPr rtlCol="0" anchor="ctr"/>
+          <a:lstStyle/>
+          <a:p>
+            <a:pPr algn="ctr"/>
+            <a:endParaRPr lang="en-US" dirty="0"/>
+          </a:p>
+        </p:txBody>
+      </p:sp>
+      <p:sp>
+        <p:nvSpPr>
+          <p:cNvPr id="6" name="TextBox 5">
+            <a:extLst>
+              <a:ext uri="{FF2B5EF4-FFF2-40B4-BE49-F238E27FC236}">
+                <a16:creationId xmlns:a16="http://schemas.microsoft.com/office/drawing/2014/main" id="{C08A4A4B-ECA8-DD96-7405-99351A505CB8}"/>
+              </a:ext>
+            </a:extLst>
+          </p:cNvPr>
+          <p:cNvSpPr txBox="1"/>
+          <p:nvPr/>
+        </p:nvSpPr>
+        <p:spPr>
+          <a:xfrm>
+            <a:off x="838201" y="1448256"/>
+            <a:ext cx="9361714" cy="461665"/>
+          </a:xfrm>
+          <a:prstGeom prst="rect">
+            <a:avLst/>
+          </a:prstGeom>
+          <a:noFill/>
+        </p:spPr>
+        <p:txBody>
+          <a:bodyPr wrap="square" rtlCol="0">
+            <a:spAutoFit/>
+          </a:bodyPr>
+          <a:lstStyle/>
+          <a:p>
+            <a:r>
+              <a:rPr lang="en-US" sz="2400" dirty="0"/>
+              <a:t>Submit a New Resource</a:t>
+            </a:r>
+          </a:p>
+        </p:txBody>
+      </p:sp>
+      <p:sp>
+        <p:nvSpPr>
+          <p:cNvPr id="3" name="Rectangle 2">
+            <a:extLst>
+              <a:ext uri="{FF2B5EF4-FFF2-40B4-BE49-F238E27FC236}">
+                <a16:creationId xmlns:a16="http://schemas.microsoft.com/office/drawing/2014/main" id="{10D42734-9C0E-75DF-3C27-71FC3DDF96B5}"/>
+              </a:ext>
+            </a:extLst>
+          </p:cNvPr>
+          <p:cNvSpPr/>
+          <p:nvPr/>
+        </p:nvSpPr>
+        <p:spPr>
+          <a:xfrm>
+            <a:off x="1034143" y="2460171"/>
+            <a:ext cx="10406743" cy="3788229"/>
+          </a:xfrm>
+          <a:prstGeom prst="rect">
+            <a:avLst/>
+          </a:prstGeom>
+          <a:solidFill>
+            <a:schemeClr val="bg1"/>
+          </a:solidFill>
+        </p:spPr>
+        <p:style>
+          <a:lnRef idx="2">
+            <a:schemeClr val="accent1">
+              <a:shade val="15000"/>
+            </a:schemeClr>
+          </a:lnRef>
+          <a:fillRef idx="1">
+            <a:schemeClr val="accent1"/>
+          </a:fillRef>
+          <a:effectRef idx="0">
+            <a:schemeClr val="accent1"/>
+          </a:effectRef>
+          <a:fontRef idx="minor">
+            <a:schemeClr val="lt1"/>
+          </a:fontRef>
+        </p:style>
+        <p:txBody>
+          <a:bodyPr rtlCol="0" anchor="ctr"/>
+          <a:lstStyle/>
+          <a:p>
+            <a:pPr algn="ctr"/>
+            <a:endParaRPr lang="en-US" dirty="0"/>
+          </a:p>
+        </p:txBody>
+      </p:sp>
+      <p:sp>
+        <p:nvSpPr>
+          <p:cNvPr id="5" name="TextBox 4">
+            <a:extLst>
+              <a:ext uri="{FF2B5EF4-FFF2-40B4-BE49-F238E27FC236}">
+                <a16:creationId xmlns:a16="http://schemas.microsoft.com/office/drawing/2014/main" id="{1FB10AA4-B667-CD10-BDFB-974BAA362B07}"/>
+              </a:ext>
+            </a:extLst>
+          </p:cNvPr>
+          <p:cNvSpPr txBox="1"/>
+          <p:nvPr/>
+        </p:nvSpPr>
+        <p:spPr>
+          <a:xfrm>
+            <a:off x="1148443" y="2575324"/>
+            <a:ext cx="9895114" cy="369332"/>
+          </a:xfrm>
+          <a:prstGeom prst="rect">
+            <a:avLst/>
+          </a:prstGeom>
+          <a:noFill/>
+        </p:spPr>
+        <p:txBody>
+          <a:bodyPr wrap="square" rtlCol="0">
+            <a:spAutoFit/>
+          </a:bodyPr>
+          <a:lstStyle/>
+          <a:p>
+            <a:r>
+              <a:rPr lang="en-US" dirty="0"/>
+              <a:t>What type of resource do you want to submit?</a:t>
+            </a:r>
+          </a:p>
+        </p:txBody>
+      </p:sp>
+      <p:sp>
+        <p:nvSpPr>
+          <p:cNvPr id="7" name="Rectangle 6">
+            <a:extLst>
+              <a:ext uri="{FF2B5EF4-FFF2-40B4-BE49-F238E27FC236}">
+                <a16:creationId xmlns:a16="http://schemas.microsoft.com/office/drawing/2014/main" id="{50153D0C-E696-4DE9-486F-D57DC3390C62}"/>
+              </a:ext>
+            </a:extLst>
+          </p:cNvPr>
+          <p:cNvSpPr/>
+          <p:nvPr/>
+        </p:nvSpPr>
+        <p:spPr>
+          <a:xfrm>
+            <a:off x="1241329" y="3044728"/>
+            <a:ext cx="3298372" cy="446315"/>
+          </a:xfrm>
+          <a:prstGeom prst="rect">
+            <a:avLst/>
+          </a:prstGeom>
+          <a:solidFill>
+            <a:schemeClr val="bg1"/>
+          </a:solidFill>
+        </p:spPr>
+        <p:style>
+          <a:lnRef idx="2">
+            <a:schemeClr val="accent1">
+              <a:shade val="15000"/>
+            </a:schemeClr>
+          </a:lnRef>
+          <a:fillRef idx="1">
+            <a:schemeClr val="accent1"/>
+          </a:fillRef>
+          <a:effectRef idx="0">
+            <a:schemeClr val="accent1"/>
+          </a:effectRef>
+          <a:fontRef idx="minor">
+            <a:schemeClr val="lt1"/>
+          </a:fontRef>
+        </p:style>
+        <p:txBody>
+          <a:bodyPr rtlCol="0" anchor="ctr"/>
+          <a:lstStyle/>
+          <a:p>
+            <a:pPr algn="ctr"/>
+            <a:endParaRPr lang="en-US" dirty="0"/>
+          </a:p>
+        </p:txBody>
+      </p:sp>
+      <p:sp>
+        <p:nvSpPr>
+          <p:cNvPr id="8" name="TextBox 7">
+            <a:extLst>
+              <a:ext uri="{FF2B5EF4-FFF2-40B4-BE49-F238E27FC236}">
+                <a16:creationId xmlns:a16="http://schemas.microsoft.com/office/drawing/2014/main" id="{C1B478F8-D918-4974-83B7-494472637168}"/>
+              </a:ext>
+            </a:extLst>
+          </p:cNvPr>
+          <p:cNvSpPr txBox="1"/>
+          <p:nvPr/>
+        </p:nvSpPr>
+        <p:spPr>
+          <a:xfrm>
+            <a:off x="1306744" y="3091883"/>
+            <a:ext cx="2057402" cy="369332"/>
+          </a:xfrm>
+          <a:prstGeom prst="rect">
+            <a:avLst/>
+          </a:prstGeom>
+          <a:solidFill>
+            <a:schemeClr val="bg1"/>
+          </a:solidFill>
+        </p:spPr>
+        <p:txBody>
+          <a:bodyPr wrap="square" rtlCol="0">
+            <a:spAutoFit/>
+          </a:bodyPr>
+          <a:lstStyle/>
+          <a:p>
+            <a:r>
+              <a:rPr lang="en-US" dirty="0"/>
+              <a:t>Search Resources</a:t>
+            </a:r>
+          </a:p>
+        </p:txBody>
+      </p:sp>
+      <p:sp>
+        <p:nvSpPr>
+          <p:cNvPr id="11" name="Rectangle 10">
+            <a:extLst>
+              <a:ext uri="{FF2B5EF4-FFF2-40B4-BE49-F238E27FC236}">
+                <a16:creationId xmlns:a16="http://schemas.microsoft.com/office/drawing/2014/main" id="{4A325397-ED75-0FAE-C493-4EFB0726B218}"/>
+              </a:ext>
+            </a:extLst>
+          </p:cNvPr>
+          <p:cNvSpPr/>
+          <p:nvPr/>
+        </p:nvSpPr>
+        <p:spPr>
+          <a:xfrm>
+            <a:off x="3571332" y="3118032"/>
+            <a:ext cx="883299" cy="285822"/>
+          </a:xfrm>
+          <a:prstGeom prst="rect">
+            <a:avLst/>
+          </a:prstGeom>
+        </p:spPr>
+        <p:style>
+          <a:lnRef idx="2">
+            <a:schemeClr val="accent1">
+              <a:shade val="15000"/>
+            </a:schemeClr>
+          </a:lnRef>
+          <a:fillRef idx="1">
+            <a:schemeClr val="accent1"/>
+          </a:fillRef>
+          <a:effectRef idx="0">
+            <a:schemeClr val="accent1"/>
+          </a:effectRef>
+          <a:fontRef idx="minor">
+            <a:schemeClr val="lt1"/>
+          </a:fontRef>
+        </p:style>
+        <p:txBody>
+          <a:bodyPr rtlCol="0" anchor="ctr"/>
+          <a:lstStyle/>
+          <a:p>
+            <a:pPr algn="ctr"/>
+            <a:endParaRPr lang="en-US"/>
+          </a:p>
+        </p:txBody>
+      </p:sp>
+      <p:sp>
+        <p:nvSpPr>
+          <p:cNvPr id="10" name="TextBox 9">
+            <a:extLst>
+              <a:ext uri="{FF2B5EF4-FFF2-40B4-BE49-F238E27FC236}">
+                <a16:creationId xmlns:a16="http://schemas.microsoft.com/office/drawing/2014/main" id="{3285B259-8C35-EFE1-42AD-47FF24C4C84E}"/>
+              </a:ext>
+            </a:extLst>
+          </p:cNvPr>
+          <p:cNvSpPr txBox="1"/>
+          <p:nvPr/>
+        </p:nvSpPr>
+        <p:spPr>
+          <a:xfrm>
+            <a:off x="3597169" y="3076277"/>
+            <a:ext cx="942532" cy="369332"/>
+          </a:xfrm>
+          <a:prstGeom prst="rect">
+            <a:avLst/>
+          </a:prstGeom>
+          <a:noFill/>
+        </p:spPr>
+        <p:txBody>
+          <a:bodyPr wrap="square" rtlCol="0">
+            <a:spAutoFit/>
+          </a:bodyPr>
+          <a:lstStyle/>
+          <a:p>
+            <a:r>
+              <a:rPr lang="en-US" dirty="0">
+                <a:solidFill>
+                  <a:schemeClr val="bg1"/>
+                </a:solidFill>
+              </a:rPr>
+              <a:t>Search</a:t>
+            </a:r>
+          </a:p>
+        </p:txBody>
+      </p:sp>
+      <p:sp>
+        <p:nvSpPr>
+          <p:cNvPr id="14" name="TextBox 13">
+            <a:extLst>
+              <a:ext uri="{FF2B5EF4-FFF2-40B4-BE49-F238E27FC236}">
+                <a16:creationId xmlns:a16="http://schemas.microsoft.com/office/drawing/2014/main" id="{05C40C7D-BCF5-0DD3-E3D1-DCFE195D975F}"/>
+              </a:ext>
+            </a:extLst>
+          </p:cNvPr>
+          <p:cNvSpPr txBox="1"/>
+          <p:nvPr/>
+        </p:nvSpPr>
+        <p:spPr>
+          <a:xfrm>
+            <a:off x="2306828" y="3577010"/>
+            <a:ext cx="961271" cy="369332"/>
+          </a:xfrm>
+          <a:prstGeom prst="rect">
+            <a:avLst/>
+          </a:prstGeom>
+          <a:noFill/>
+        </p:spPr>
+        <p:txBody>
+          <a:bodyPr wrap="square" rtlCol="0">
+            <a:spAutoFit/>
+          </a:bodyPr>
+          <a:lstStyle/>
+          <a:p>
+            <a:r>
+              <a:rPr lang="en-US" dirty="0">
+                <a:solidFill>
+                  <a:schemeClr val="bg1"/>
+                </a:solidFill>
+              </a:rPr>
+              <a:t>Search</a:t>
+            </a:r>
+          </a:p>
+        </p:txBody>
+      </p:sp>
+      <p:sp>
+        <p:nvSpPr>
+          <p:cNvPr id="16" name="Rectangle 15">
+            <a:extLst>
+              <a:ext uri="{FF2B5EF4-FFF2-40B4-BE49-F238E27FC236}">
+                <a16:creationId xmlns:a16="http://schemas.microsoft.com/office/drawing/2014/main" id="{4A5D7CC8-E940-DC9A-A5AF-051BCA4C0A3C}"/>
+              </a:ext>
+            </a:extLst>
+          </p:cNvPr>
+          <p:cNvSpPr/>
+          <p:nvPr/>
+        </p:nvSpPr>
+        <p:spPr>
+          <a:xfrm>
+            <a:off x="1241329" y="3577010"/>
+            <a:ext cx="4922190" cy="2499699"/>
+          </a:xfrm>
+          <a:prstGeom prst="rect">
+            <a:avLst/>
+          </a:prstGeom>
+          <a:solidFill>
+            <a:schemeClr val="bg1"/>
+          </a:solidFill>
+        </p:spPr>
+        <p:style>
+          <a:lnRef idx="2">
+            <a:schemeClr val="accent1">
+              <a:shade val="15000"/>
+            </a:schemeClr>
+          </a:lnRef>
+          <a:fillRef idx="1">
+            <a:schemeClr val="accent1"/>
+          </a:fillRef>
+          <a:effectRef idx="0">
+            <a:schemeClr val="accent1"/>
+          </a:effectRef>
+          <a:fontRef idx="minor">
+            <a:schemeClr val="lt1"/>
+          </a:fontRef>
+        </p:style>
+        <p:txBody>
+          <a:bodyPr rtlCol="0" anchor="ctr"/>
+          <a:lstStyle/>
+          <a:p>
+            <a:pPr algn="ctr"/>
+            <a:endParaRPr lang="en-US"/>
+          </a:p>
+        </p:txBody>
+      </p:sp>
+      <p:sp>
+        <p:nvSpPr>
+          <p:cNvPr id="17" name="TextBox 16">
+            <a:extLst>
+              <a:ext uri="{FF2B5EF4-FFF2-40B4-BE49-F238E27FC236}">
+                <a16:creationId xmlns:a16="http://schemas.microsoft.com/office/drawing/2014/main" id="{74610DF2-1102-D3FC-194F-3D05B1A47ED9}"/>
+              </a:ext>
+            </a:extLst>
+          </p:cNvPr>
+          <p:cNvSpPr txBox="1"/>
+          <p:nvPr/>
+        </p:nvSpPr>
+        <p:spPr>
+          <a:xfrm>
+            <a:off x="1377387" y="3704368"/>
+            <a:ext cx="4718613" cy="1200329"/>
+          </a:xfrm>
+          <a:prstGeom prst="rect">
+            <a:avLst/>
+          </a:prstGeom>
+          <a:noFill/>
+        </p:spPr>
+        <p:txBody>
+          <a:bodyPr wrap="square" rtlCol="0">
+            <a:spAutoFit/>
+          </a:bodyPr>
+          <a:lstStyle/>
+          <a:p>
             <a:pPr marL="285750" indent="-285750">
               <a:buFont typeface="Wingdings" panose="05000000000000000000" pitchFamily="2" charset="2"/>
               <a:buChar char="q"/>
@@ -7473,6 +8300,16 @@
             <a:r>
               <a:rPr lang="en-US" dirty="0"/>
               <a:t>Facility</a:t>
+            </a:r>
+          </a:p>
+          <a:p>
+            <a:pPr marL="285750" indent="-285750">
+              <a:buFont typeface="Wingdings" panose="05000000000000000000" pitchFamily="2" charset="2"/>
+              <a:buChar char="q"/>
+            </a:pPr>
+            <a:r>
+              <a:rPr lang="en-US" dirty="0"/>
+              <a:t>Student Related Resource</a:t>
             </a:r>
           </a:p>
         </p:txBody>

--- a/Mock Slides.pptx
+++ b/Mock Slides.pptx
@@ -7523,8 +7523,8 @@
         </p:nvSpPr>
         <p:spPr>
           <a:xfrm>
-            <a:off x="5275519" y="3312536"/>
-            <a:ext cx="5604134" cy="3031599"/>
+            <a:off x="5175327" y="3201326"/>
+            <a:ext cx="3506973" cy="3493264"/>
           </a:xfrm>
           <a:prstGeom prst="rect">
             <a:avLst/>
@@ -7727,6 +7727,42 @@
           </a:p>
         </p:txBody>
       </p:sp>
+      <p:pic>
+        <p:nvPicPr>
+          <p:cNvPr id="30" name="Picture 29" descr="A map with red and blue points&#10;&#10;Description automatically generated">
+            <a:extLst>
+              <a:ext uri="{FF2B5EF4-FFF2-40B4-BE49-F238E27FC236}">
+                <a16:creationId xmlns:a16="http://schemas.microsoft.com/office/drawing/2014/main" id="{C9F8A4B9-687E-7751-5B2C-2C3FAD5C52D7}"/>
+              </a:ext>
+            </a:extLst>
+          </p:cNvPr>
+          <p:cNvPicPr>
+            <a:picLocks noChangeAspect="1"/>
+          </p:cNvPicPr>
+          <p:nvPr/>
+        </p:nvPicPr>
+        <p:blipFill>
+          <a:blip r:embed="rId8">
+            <a:extLst>
+              <a:ext uri="{28A0092B-C50C-407E-A947-70E740481C1C}">
+                <a14:useLocalDpi xmlns:a14="http://schemas.microsoft.com/office/drawing/2010/main" val="0"/>
+              </a:ext>
+            </a:extLst>
+          </a:blip>
+          <a:stretch>
+            <a:fillRect/>
+          </a:stretch>
+        </p:blipFill>
+        <p:spPr>
+          <a:xfrm>
+            <a:off x="8710652" y="3299242"/>
+            <a:ext cx="2164952" cy="2647902"/>
+          </a:xfrm>
+          <a:prstGeom prst="rect">
+            <a:avLst/>
+          </a:prstGeom>
+        </p:spPr>
+      </p:pic>
     </p:spTree>
     <p:extLst>
       <p:ext uri="{BB962C8B-B14F-4D97-AF65-F5344CB8AC3E}">

--- a/Mock Slides.pptx
+++ b/Mock Slides.pptx
@@ -4,13 +4,18 @@
   <p:sldMasterIdLst>
     <p:sldMasterId id="2147483648" r:id="rId1"/>
   </p:sldMasterIdLst>
+  <p:notesMasterIdLst>
+    <p:notesMasterId r:id="rId10"/>
+  </p:notesMasterIdLst>
   <p:sldIdLst>
     <p:sldId id="257" r:id="rId2"/>
-    <p:sldId id="258" r:id="rId3"/>
-    <p:sldId id="259" r:id="rId4"/>
-    <p:sldId id="260" r:id="rId5"/>
-    <p:sldId id="262" r:id="rId6"/>
-    <p:sldId id="261" r:id="rId7"/>
+    <p:sldId id="263" r:id="rId3"/>
+    <p:sldId id="258" r:id="rId4"/>
+    <p:sldId id="259" r:id="rId5"/>
+    <p:sldId id="260" r:id="rId6"/>
+    <p:sldId id="262" r:id="rId7"/>
+    <p:sldId id="261" r:id="rId8"/>
+    <p:sldId id="264" r:id="rId9"/>
   </p:sldIdLst>
   <p:sldSz cx="12192000" cy="6858000"/>
   <p:notesSz cx="6858000" cy="9144000"/>
@@ -117,6 +122,439 @@
 </p:presentation>
 </file>
 
+<file path=ppt/notesMasters/notesMaster1.xml><?xml version="1.0" encoding="utf-8"?>
+<p:notesMaster xmlns:a="http://schemas.openxmlformats.org/drawingml/2006/main" xmlns:r="http://schemas.openxmlformats.org/officeDocument/2006/relationships" xmlns:p="http://schemas.openxmlformats.org/presentationml/2006/main">
+  <p:cSld>
+    <p:bg>
+      <p:bgRef idx="1001">
+        <a:schemeClr val="bg1"/>
+      </p:bgRef>
+    </p:bg>
+    <p:spTree>
+      <p:nvGrpSpPr>
+        <p:cNvPr id="1" name=""/>
+        <p:cNvGrpSpPr/>
+        <p:nvPr/>
+      </p:nvGrpSpPr>
+      <p:grpSpPr>
+        <a:xfrm>
+          <a:off x="0" y="0"/>
+          <a:ext cx="0" cy="0"/>
+          <a:chOff x="0" y="0"/>
+          <a:chExt cx="0" cy="0"/>
+        </a:xfrm>
+      </p:grpSpPr>
+      <p:sp>
+        <p:nvSpPr>
+          <p:cNvPr id="2" name="Header Placeholder 1"/>
+          <p:cNvSpPr>
+            <a:spLocks noGrp="1"/>
+          </p:cNvSpPr>
+          <p:nvPr>
+            <p:ph type="hdr" sz="quarter"/>
+          </p:nvPr>
+        </p:nvSpPr>
+        <p:spPr>
+          <a:xfrm>
+            <a:off x="0" y="0"/>
+            <a:ext cx="2971800" cy="458788"/>
+          </a:xfrm>
+          <a:prstGeom prst="rect">
+            <a:avLst/>
+          </a:prstGeom>
+        </p:spPr>
+        <p:txBody>
+          <a:bodyPr vert="horz" lIns="91440" tIns="45720" rIns="91440" bIns="45720" rtlCol="0"/>
+          <a:lstStyle>
+            <a:lvl1pPr algn="l">
+              <a:defRPr sz="1200"/>
+            </a:lvl1pPr>
+          </a:lstStyle>
+          <a:p>
+            <a:endParaRPr lang="en-US"/>
+          </a:p>
+        </p:txBody>
+      </p:sp>
+      <p:sp>
+        <p:nvSpPr>
+          <p:cNvPr id="3" name="Date Placeholder 2"/>
+          <p:cNvSpPr>
+            <a:spLocks noGrp="1"/>
+          </p:cNvSpPr>
+          <p:nvPr>
+            <p:ph type="dt" idx="1"/>
+          </p:nvPr>
+        </p:nvSpPr>
+        <p:spPr>
+          <a:xfrm>
+            <a:off x="3884613" y="0"/>
+            <a:ext cx="2971800" cy="458788"/>
+          </a:xfrm>
+          <a:prstGeom prst="rect">
+            <a:avLst/>
+          </a:prstGeom>
+        </p:spPr>
+        <p:txBody>
+          <a:bodyPr vert="horz" lIns="91440" tIns="45720" rIns="91440" bIns="45720" rtlCol="0"/>
+          <a:lstStyle>
+            <a:lvl1pPr algn="r">
+              <a:defRPr sz="1200"/>
+            </a:lvl1pPr>
+          </a:lstStyle>
+          <a:p>
+            <a:fld id="{8DB74BF5-19F2-4C6C-BAD6-1ECCD90E6A50}" type="datetimeFigureOut">
+              <a:rPr lang="en-US" smtClean="0"/>
+              <a:t>3/30/2024</a:t>
+            </a:fld>
+            <a:endParaRPr lang="en-US"/>
+          </a:p>
+        </p:txBody>
+      </p:sp>
+      <p:sp>
+        <p:nvSpPr>
+          <p:cNvPr id="4" name="Slide Image Placeholder 3"/>
+          <p:cNvSpPr>
+            <a:spLocks noGrp="1" noRot="1" noChangeAspect="1"/>
+          </p:cNvSpPr>
+          <p:nvPr>
+            <p:ph type="sldImg" idx="2"/>
+          </p:nvPr>
+        </p:nvSpPr>
+        <p:spPr>
+          <a:xfrm>
+            <a:off x="685800" y="1143000"/>
+            <a:ext cx="5486400" cy="3086100"/>
+          </a:xfrm>
+          <a:prstGeom prst="rect">
+            <a:avLst/>
+          </a:prstGeom>
+          <a:noFill/>
+          <a:ln w="12700">
+            <a:solidFill>
+              <a:prstClr val="black"/>
+            </a:solidFill>
+          </a:ln>
+        </p:spPr>
+        <p:txBody>
+          <a:bodyPr vert="horz" lIns="91440" tIns="45720" rIns="91440" bIns="45720" rtlCol="0" anchor="ctr"/>
+          <a:lstStyle/>
+          <a:p>
+            <a:endParaRPr lang="en-US"/>
+          </a:p>
+        </p:txBody>
+      </p:sp>
+      <p:sp>
+        <p:nvSpPr>
+          <p:cNvPr id="5" name="Notes Placeholder 4"/>
+          <p:cNvSpPr>
+            <a:spLocks noGrp="1"/>
+          </p:cNvSpPr>
+          <p:nvPr>
+            <p:ph type="body" sz="quarter" idx="3"/>
+          </p:nvPr>
+        </p:nvSpPr>
+        <p:spPr>
+          <a:xfrm>
+            <a:off x="685800" y="4400550"/>
+            <a:ext cx="5486400" cy="3600450"/>
+          </a:xfrm>
+          <a:prstGeom prst="rect">
+            <a:avLst/>
+          </a:prstGeom>
+        </p:spPr>
+        <p:txBody>
+          <a:bodyPr vert="horz" lIns="91440" tIns="45720" rIns="91440" bIns="45720" rtlCol="0"/>
+          <a:lstStyle/>
+          <a:p>
+            <a:pPr lvl="0"/>
+            <a:r>
+              <a:rPr lang="en-US"/>
+              <a:t>Click to edit Master text styles</a:t>
+            </a:r>
+          </a:p>
+          <a:p>
+            <a:pPr lvl="1"/>
+            <a:r>
+              <a:rPr lang="en-US"/>
+              <a:t>Second level</a:t>
+            </a:r>
+          </a:p>
+          <a:p>
+            <a:pPr lvl="2"/>
+            <a:r>
+              <a:rPr lang="en-US"/>
+              <a:t>Third level</a:t>
+            </a:r>
+          </a:p>
+          <a:p>
+            <a:pPr lvl="3"/>
+            <a:r>
+              <a:rPr lang="en-US"/>
+              <a:t>Fourth level</a:t>
+            </a:r>
+          </a:p>
+          <a:p>
+            <a:pPr lvl="4"/>
+            <a:r>
+              <a:rPr lang="en-US"/>
+              <a:t>Fifth level</a:t>
+            </a:r>
+          </a:p>
+        </p:txBody>
+      </p:sp>
+      <p:sp>
+        <p:nvSpPr>
+          <p:cNvPr id="6" name="Footer Placeholder 5"/>
+          <p:cNvSpPr>
+            <a:spLocks noGrp="1"/>
+          </p:cNvSpPr>
+          <p:nvPr>
+            <p:ph type="ftr" sz="quarter" idx="4"/>
+          </p:nvPr>
+        </p:nvSpPr>
+        <p:spPr>
+          <a:xfrm>
+            <a:off x="0" y="8685213"/>
+            <a:ext cx="2971800" cy="458787"/>
+          </a:xfrm>
+          <a:prstGeom prst="rect">
+            <a:avLst/>
+          </a:prstGeom>
+        </p:spPr>
+        <p:txBody>
+          <a:bodyPr vert="horz" lIns="91440" tIns="45720" rIns="91440" bIns="45720" rtlCol="0" anchor="b"/>
+          <a:lstStyle>
+            <a:lvl1pPr algn="l">
+              <a:defRPr sz="1200"/>
+            </a:lvl1pPr>
+          </a:lstStyle>
+          <a:p>
+            <a:endParaRPr lang="en-US"/>
+          </a:p>
+        </p:txBody>
+      </p:sp>
+      <p:sp>
+        <p:nvSpPr>
+          <p:cNvPr id="7" name="Slide Number Placeholder 6"/>
+          <p:cNvSpPr>
+            <a:spLocks noGrp="1"/>
+          </p:cNvSpPr>
+          <p:nvPr>
+            <p:ph type="sldNum" sz="quarter" idx="5"/>
+          </p:nvPr>
+        </p:nvSpPr>
+        <p:spPr>
+          <a:xfrm>
+            <a:off x="3884613" y="8685213"/>
+            <a:ext cx="2971800" cy="458787"/>
+          </a:xfrm>
+          <a:prstGeom prst="rect">
+            <a:avLst/>
+          </a:prstGeom>
+        </p:spPr>
+        <p:txBody>
+          <a:bodyPr vert="horz" lIns="91440" tIns="45720" rIns="91440" bIns="45720" rtlCol="0" anchor="b"/>
+          <a:lstStyle>
+            <a:lvl1pPr algn="r">
+              <a:defRPr sz="1200"/>
+            </a:lvl1pPr>
+          </a:lstStyle>
+          <a:p>
+            <a:fld id="{562A3C7A-AFD9-4F7E-B154-BB1BCBB800D0}" type="slidenum">
+              <a:rPr lang="en-US" smtClean="0"/>
+              <a:t>‹#›</a:t>
+            </a:fld>
+            <a:endParaRPr lang="en-US"/>
+          </a:p>
+        </p:txBody>
+      </p:sp>
+    </p:spTree>
+    <p:extLst>
+      <p:ext uri="{BB962C8B-B14F-4D97-AF65-F5344CB8AC3E}">
+        <p14:creationId xmlns:p14="http://schemas.microsoft.com/office/powerpoint/2010/main" val="268402102"/>
+      </p:ext>
+    </p:extLst>
+  </p:cSld>
+  <p:clrMap bg1="lt1" tx1="dk1" bg2="lt2" tx2="dk2" accent1="accent1" accent2="accent2" accent3="accent3" accent4="accent4" accent5="accent5" accent6="accent6" hlink="hlink" folHlink="folHlink"/>
+  <p:notesStyle>
+    <a:lvl1pPr marL="0" algn="l" defTabSz="914400" rtl="0" eaLnBrk="1" latinLnBrk="0" hangingPunct="1">
+      <a:defRPr sz="1200" kern="1200">
+        <a:solidFill>
+          <a:schemeClr val="tx1"/>
+        </a:solidFill>
+        <a:latin typeface="+mn-lt"/>
+        <a:ea typeface="+mn-ea"/>
+        <a:cs typeface="+mn-cs"/>
+      </a:defRPr>
+    </a:lvl1pPr>
+    <a:lvl2pPr marL="457200" algn="l" defTabSz="914400" rtl="0" eaLnBrk="1" latinLnBrk="0" hangingPunct="1">
+      <a:defRPr sz="1200" kern="1200">
+        <a:solidFill>
+          <a:schemeClr val="tx1"/>
+        </a:solidFill>
+        <a:latin typeface="+mn-lt"/>
+        <a:ea typeface="+mn-ea"/>
+        <a:cs typeface="+mn-cs"/>
+      </a:defRPr>
+    </a:lvl2pPr>
+    <a:lvl3pPr marL="914400" algn="l" defTabSz="914400" rtl="0" eaLnBrk="1" latinLnBrk="0" hangingPunct="1">
+      <a:defRPr sz="1200" kern="1200">
+        <a:solidFill>
+          <a:schemeClr val="tx1"/>
+        </a:solidFill>
+        <a:latin typeface="+mn-lt"/>
+        <a:ea typeface="+mn-ea"/>
+        <a:cs typeface="+mn-cs"/>
+      </a:defRPr>
+    </a:lvl3pPr>
+    <a:lvl4pPr marL="1371600" algn="l" defTabSz="914400" rtl="0" eaLnBrk="1" latinLnBrk="0" hangingPunct="1">
+      <a:defRPr sz="1200" kern="1200">
+        <a:solidFill>
+          <a:schemeClr val="tx1"/>
+        </a:solidFill>
+        <a:latin typeface="+mn-lt"/>
+        <a:ea typeface="+mn-ea"/>
+        <a:cs typeface="+mn-cs"/>
+      </a:defRPr>
+    </a:lvl4pPr>
+    <a:lvl5pPr marL="1828800" algn="l" defTabSz="914400" rtl="0" eaLnBrk="1" latinLnBrk="0" hangingPunct="1">
+      <a:defRPr sz="1200" kern="1200">
+        <a:solidFill>
+          <a:schemeClr val="tx1"/>
+        </a:solidFill>
+        <a:latin typeface="+mn-lt"/>
+        <a:ea typeface="+mn-ea"/>
+        <a:cs typeface="+mn-cs"/>
+      </a:defRPr>
+    </a:lvl5pPr>
+    <a:lvl6pPr marL="2286000" algn="l" defTabSz="914400" rtl="0" eaLnBrk="1" latinLnBrk="0" hangingPunct="1">
+      <a:defRPr sz="1200" kern="1200">
+        <a:solidFill>
+          <a:schemeClr val="tx1"/>
+        </a:solidFill>
+        <a:latin typeface="+mn-lt"/>
+        <a:ea typeface="+mn-ea"/>
+        <a:cs typeface="+mn-cs"/>
+      </a:defRPr>
+    </a:lvl6pPr>
+    <a:lvl7pPr marL="2743200" algn="l" defTabSz="914400" rtl="0" eaLnBrk="1" latinLnBrk="0" hangingPunct="1">
+      <a:defRPr sz="1200" kern="1200">
+        <a:solidFill>
+          <a:schemeClr val="tx1"/>
+        </a:solidFill>
+        <a:latin typeface="+mn-lt"/>
+        <a:ea typeface="+mn-ea"/>
+        <a:cs typeface="+mn-cs"/>
+      </a:defRPr>
+    </a:lvl7pPr>
+    <a:lvl8pPr marL="3200400" algn="l" defTabSz="914400" rtl="0" eaLnBrk="1" latinLnBrk="0" hangingPunct="1">
+      <a:defRPr sz="1200" kern="1200">
+        <a:solidFill>
+          <a:schemeClr val="tx1"/>
+        </a:solidFill>
+        <a:latin typeface="+mn-lt"/>
+        <a:ea typeface="+mn-ea"/>
+        <a:cs typeface="+mn-cs"/>
+      </a:defRPr>
+    </a:lvl8pPr>
+    <a:lvl9pPr marL="3657600" algn="l" defTabSz="914400" rtl="0" eaLnBrk="1" latinLnBrk="0" hangingPunct="1">
+      <a:defRPr sz="1200" kern="1200">
+        <a:solidFill>
+          <a:schemeClr val="tx1"/>
+        </a:solidFill>
+        <a:latin typeface="+mn-lt"/>
+        <a:ea typeface="+mn-ea"/>
+        <a:cs typeface="+mn-cs"/>
+      </a:defRPr>
+    </a:lvl9pPr>
+  </p:notesStyle>
+</p:notesMaster>
+</file>
+
+<file path=ppt/notesSlides/notesSlide1.xml><?xml version="1.0" encoding="utf-8"?>
+<p:notes xmlns:a="http://schemas.openxmlformats.org/drawingml/2006/main" xmlns:r="http://schemas.openxmlformats.org/officeDocument/2006/relationships" xmlns:p="http://schemas.openxmlformats.org/presentationml/2006/main">
+  <p:cSld>
+    <p:spTree>
+      <p:nvGrpSpPr>
+        <p:cNvPr id="1" name=""/>
+        <p:cNvGrpSpPr/>
+        <p:nvPr/>
+      </p:nvGrpSpPr>
+      <p:grpSpPr>
+        <a:xfrm>
+          <a:off x="0" y="0"/>
+          <a:ext cx="0" cy="0"/>
+          <a:chOff x="0" y="0"/>
+          <a:chExt cx="0" cy="0"/>
+        </a:xfrm>
+      </p:grpSpPr>
+      <p:sp>
+        <p:nvSpPr>
+          <p:cNvPr id="2" name="Slide Image Placeholder 1"/>
+          <p:cNvSpPr>
+            <a:spLocks noGrp="1" noRot="1" noChangeAspect="1"/>
+          </p:cNvSpPr>
+          <p:nvPr>
+            <p:ph type="sldImg"/>
+          </p:nvPr>
+        </p:nvSpPr>
+        <p:spPr/>
+      </p:sp>
+      <p:sp>
+        <p:nvSpPr>
+          <p:cNvPr id="3" name="Notes Placeholder 2"/>
+          <p:cNvSpPr>
+            <a:spLocks noGrp="1"/>
+          </p:cNvSpPr>
+          <p:nvPr>
+            <p:ph type="body" idx="1"/>
+          </p:nvPr>
+        </p:nvSpPr>
+        <p:spPr/>
+        <p:txBody>
+          <a:bodyPr/>
+          <a:lstStyle/>
+          <a:p>
+            <a:endParaRPr lang="en-US" dirty="0"/>
+          </a:p>
+        </p:txBody>
+      </p:sp>
+      <p:sp>
+        <p:nvSpPr>
+          <p:cNvPr id="4" name="Slide Number Placeholder 3"/>
+          <p:cNvSpPr>
+            <a:spLocks noGrp="1"/>
+          </p:cNvSpPr>
+          <p:nvPr>
+            <p:ph type="sldNum" sz="quarter" idx="5"/>
+          </p:nvPr>
+        </p:nvSpPr>
+        <p:spPr/>
+        <p:txBody>
+          <a:bodyPr/>
+          <a:lstStyle/>
+          <a:p>
+            <a:fld id="{562A3C7A-AFD9-4F7E-B154-BB1BCBB800D0}" type="slidenum">
+              <a:rPr lang="en-US" smtClean="0"/>
+              <a:t>6</a:t>
+            </a:fld>
+            <a:endParaRPr lang="en-US"/>
+          </a:p>
+        </p:txBody>
+      </p:sp>
+    </p:spTree>
+    <p:extLst>
+      <p:ext uri="{BB962C8B-B14F-4D97-AF65-F5344CB8AC3E}">
+        <p14:creationId xmlns:p14="http://schemas.microsoft.com/office/powerpoint/2010/main" val="2695613926"/>
+      </p:ext>
+    </p:extLst>
+  </p:cSld>
+  <p:clrMapOvr>
+    <a:masterClrMapping/>
+  </p:clrMapOvr>
+</p:notes>
+</file>
+
 <file path=ppt/slideLayouts/slideLayout1.xml><?xml version="1.0" encoding="utf-8"?>
 <p:sldLayout xmlns:a="http://schemas.openxmlformats.org/drawingml/2006/main" xmlns:r="http://schemas.openxmlformats.org/officeDocument/2006/relationships" xmlns:p="http://schemas.openxmlformats.org/presentationml/2006/main" type="title" preserve="1">
   <p:cSld name="Title Slide">
@@ -264,7 +702,7 @@
           <a:p>
             <a:fld id="{F30025CF-58C4-46C0-A704-FC20BC618B8C}" type="datetimeFigureOut">
               <a:rPr lang="en-US" smtClean="0"/>
-              <a:t>3/28/2024</a:t>
+              <a:t>3/30/2024</a:t>
             </a:fld>
             <a:endParaRPr lang="en-US"/>
           </a:p>
@@ -462,7 +900,7 @@
           <a:p>
             <a:fld id="{F30025CF-58C4-46C0-A704-FC20BC618B8C}" type="datetimeFigureOut">
               <a:rPr lang="en-US" smtClean="0"/>
-              <a:t>3/28/2024</a:t>
+              <a:t>3/30/2024</a:t>
             </a:fld>
             <a:endParaRPr lang="en-US"/>
           </a:p>
@@ -670,7 +1108,7 @@
           <a:p>
             <a:fld id="{F30025CF-58C4-46C0-A704-FC20BC618B8C}" type="datetimeFigureOut">
               <a:rPr lang="en-US" smtClean="0"/>
-              <a:t>3/28/2024</a:t>
+              <a:t>3/30/2024</a:t>
             </a:fld>
             <a:endParaRPr lang="en-US"/>
           </a:p>
@@ -868,7 +1306,7 @@
           <a:p>
             <a:fld id="{F30025CF-58C4-46C0-A704-FC20BC618B8C}" type="datetimeFigureOut">
               <a:rPr lang="en-US" smtClean="0"/>
-              <a:t>3/28/2024</a:t>
+              <a:t>3/30/2024</a:t>
             </a:fld>
             <a:endParaRPr lang="en-US"/>
           </a:p>
@@ -1143,7 +1581,7 @@
           <a:p>
             <a:fld id="{F30025CF-58C4-46C0-A704-FC20BC618B8C}" type="datetimeFigureOut">
               <a:rPr lang="en-US" smtClean="0"/>
-              <a:t>3/28/2024</a:t>
+              <a:t>3/30/2024</a:t>
             </a:fld>
             <a:endParaRPr lang="en-US"/>
           </a:p>
@@ -1408,7 +1846,7 @@
           <a:p>
             <a:fld id="{F30025CF-58C4-46C0-A704-FC20BC618B8C}" type="datetimeFigureOut">
               <a:rPr lang="en-US" smtClean="0"/>
-              <a:t>3/28/2024</a:t>
+              <a:t>3/30/2024</a:t>
             </a:fld>
             <a:endParaRPr lang="en-US"/>
           </a:p>
@@ -1820,7 +2258,7 @@
           <a:p>
             <a:fld id="{F30025CF-58C4-46C0-A704-FC20BC618B8C}" type="datetimeFigureOut">
               <a:rPr lang="en-US" smtClean="0"/>
-              <a:t>3/28/2024</a:t>
+              <a:t>3/30/2024</a:t>
             </a:fld>
             <a:endParaRPr lang="en-US"/>
           </a:p>
@@ -1961,7 +2399,7 @@
           <a:p>
             <a:fld id="{F30025CF-58C4-46C0-A704-FC20BC618B8C}" type="datetimeFigureOut">
               <a:rPr lang="en-US" smtClean="0"/>
-              <a:t>3/28/2024</a:t>
+              <a:t>3/30/2024</a:t>
             </a:fld>
             <a:endParaRPr lang="en-US"/>
           </a:p>
@@ -2074,7 +2512,7 @@
           <a:p>
             <a:fld id="{F30025CF-58C4-46C0-A704-FC20BC618B8C}" type="datetimeFigureOut">
               <a:rPr lang="en-US" smtClean="0"/>
-              <a:t>3/28/2024</a:t>
+              <a:t>3/30/2024</a:t>
             </a:fld>
             <a:endParaRPr lang="en-US"/>
           </a:p>
@@ -2385,7 +2823,7 @@
           <a:p>
             <a:fld id="{F30025CF-58C4-46C0-A704-FC20BC618B8C}" type="datetimeFigureOut">
               <a:rPr lang="en-US" smtClean="0"/>
-              <a:t>3/28/2024</a:t>
+              <a:t>3/30/2024</a:t>
             </a:fld>
             <a:endParaRPr lang="en-US"/>
           </a:p>
@@ -2673,7 +3111,7 @@
           <a:p>
             <a:fld id="{F30025CF-58C4-46C0-A704-FC20BC618B8C}" type="datetimeFigureOut">
               <a:rPr lang="en-US" smtClean="0"/>
-              <a:t>3/28/2024</a:t>
+              <a:t>3/30/2024</a:t>
             </a:fld>
             <a:endParaRPr lang="en-US"/>
           </a:p>
@@ -2914,7 +3352,7 @@
           <a:p>
             <a:fld id="{F30025CF-58C4-46C0-A704-FC20BC618B8C}" type="datetimeFigureOut">
               <a:rPr lang="en-US" smtClean="0"/>
-              <a:t>3/28/2024</a:t>
+              <a:t>3/30/2024</a:t>
             </a:fld>
             <a:endParaRPr lang="en-US"/>
           </a:p>
@@ -4014,7 +4452,7 @@
         </p:nvSpPr>
         <p:spPr>
           <a:xfrm>
-            <a:off x="1208314" y="5440435"/>
+            <a:off x="9383486" y="2344072"/>
             <a:ext cx="1600200" cy="646331"/>
           </a:xfrm>
           <a:prstGeom prst="rect">
@@ -4168,6 +4606,68 @@
           </a:p>
         </p:txBody>
       </p:sp>
+      <p:sp>
+        <p:nvSpPr>
+          <p:cNvPr id="17" name="Rectangle 16">
+            <a:extLst>
+              <a:ext uri="{FF2B5EF4-FFF2-40B4-BE49-F238E27FC236}">
+                <a16:creationId xmlns:a16="http://schemas.microsoft.com/office/drawing/2014/main" id="{6F722DB1-3661-B6CB-95FF-EA2FB333E0B9}"/>
+              </a:ext>
+            </a:extLst>
+          </p:cNvPr>
+          <p:cNvSpPr/>
+          <p:nvPr/>
+        </p:nvSpPr>
+        <p:spPr>
+          <a:xfrm>
+            <a:off x="1208314" y="5443871"/>
+            <a:ext cx="1556657" cy="687572"/>
+          </a:xfrm>
+          <a:prstGeom prst="rect">
+            <a:avLst/>
+          </a:prstGeom>
+          <a:solidFill>
+            <a:schemeClr val="bg1"/>
+          </a:solidFill>
+          <a:effectLst>
+            <a:outerShdw blurRad="50800" dist="38100" dir="13500000" algn="br" rotWithShape="0">
+              <a:prstClr val="black">
+                <a:alpha val="40000"/>
+              </a:prstClr>
+            </a:outerShdw>
+          </a:effectLst>
+        </p:spPr>
+        <p:style>
+          <a:lnRef idx="2">
+            <a:schemeClr val="accent1">
+              <a:shade val="15000"/>
+            </a:schemeClr>
+          </a:lnRef>
+          <a:fillRef idx="1">
+            <a:schemeClr val="accent1"/>
+          </a:fillRef>
+          <a:effectRef idx="0">
+            <a:schemeClr val="accent1"/>
+          </a:effectRef>
+          <a:fontRef idx="minor">
+            <a:schemeClr val="lt1"/>
+          </a:fontRef>
+        </p:style>
+        <p:txBody>
+          <a:bodyPr rtlCol="0" anchor="ctr"/>
+          <a:lstStyle/>
+          <a:p>
+            <a:r>
+              <a:rPr lang="en-US" dirty="0">
+                <a:solidFill>
+                  <a:schemeClr val="tx1"/>
+                </a:solidFill>
+              </a:rPr>
+              <a:t>Help Me Find What I Need!</a:t>
+            </a:r>
+          </a:p>
+        </p:txBody>
+      </p:sp>
     </p:spTree>
     <p:extLst>
       <p:ext uri="{BB962C8B-B14F-4D97-AF65-F5344CB8AC3E}">
@@ -4182,6 +4682,879 @@
 </file>
 
 <file path=ppt/slides/slide2.xml><?xml version="1.0" encoding="utf-8"?>
+<p:sld xmlns:a="http://schemas.openxmlformats.org/drawingml/2006/main" xmlns:r="http://schemas.openxmlformats.org/officeDocument/2006/relationships" xmlns:p="http://schemas.openxmlformats.org/presentationml/2006/main">
+  <p:cSld>
+    <p:bg>
+      <p:bgPr>
+        <a:blipFill dpi="0" rotWithShape="1">
+          <a:blip r:embed="rId2">
+            <a:lum/>
+            <a:extLst>
+              <a:ext uri="{837473B0-CC2E-450A-ABE3-18F120FF3D39}">
+                <a1611:picAttrSrcUrl xmlns:a1611="http://schemas.microsoft.com/office/drawing/2016/11/main" r:id="rId3"/>
+              </a:ext>
+            </a:extLst>
+          </a:blip>
+          <a:srcRect/>
+          <a:stretch>
+            <a:fillRect t="-6000" b="-6000"/>
+          </a:stretch>
+        </a:blipFill>
+        <a:effectLst/>
+      </p:bgPr>
+    </p:bg>
+    <p:spTree>
+      <p:nvGrpSpPr>
+        <p:cNvPr id="1" name=""/>
+        <p:cNvGrpSpPr/>
+        <p:nvPr/>
+      </p:nvGrpSpPr>
+      <p:grpSpPr>
+        <a:xfrm>
+          <a:off x="0" y="0"/>
+          <a:ext cx="0" cy="0"/>
+          <a:chOff x="0" y="0"/>
+          <a:chExt cx="0" cy="0"/>
+        </a:xfrm>
+      </p:grpSpPr>
+      <p:sp>
+        <p:nvSpPr>
+          <p:cNvPr id="2" name="Title 1">
+            <a:extLst>
+              <a:ext uri="{FF2B5EF4-FFF2-40B4-BE49-F238E27FC236}">
+                <a16:creationId xmlns:a16="http://schemas.microsoft.com/office/drawing/2014/main" id="{9F8FC6F8-2B1B-109C-0702-1B540C8E549A}"/>
+              </a:ext>
+            </a:extLst>
+          </p:cNvPr>
+          <p:cNvSpPr>
+            <a:spLocks noGrp="1"/>
+          </p:cNvSpPr>
+          <p:nvPr>
+            <p:ph type="title"/>
+          </p:nvPr>
+        </p:nvSpPr>
+        <p:spPr/>
+        <p:txBody>
+          <a:bodyPr/>
+          <a:lstStyle/>
+          <a:p>
+            <a:r>
+              <a:rPr lang="en-US" dirty="0"/>
+              <a:t>East Tennessee Mental Health Resources </a:t>
+            </a:r>
+          </a:p>
+        </p:txBody>
+      </p:sp>
+      <p:sp>
+        <p:nvSpPr>
+          <p:cNvPr id="4" name="Rectangle 3">
+            <a:extLst>
+              <a:ext uri="{FF2B5EF4-FFF2-40B4-BE49-F238E27FC236}">
+                <a16:creationId xmlns:a16="http://schemas.microsoft.com/office/drawing/2014/main" id="{BDD66A68-8711-09F8-190D-10839F9700DE}"/>
+              </a:ext>
+            </a:extLst>
+          </p:cNvPr>
+          <p:cNvSpPr/>
+          <p:nvPr/>
+        </p:nvSpPr>
+        <p:spPr>
+          <a:xfrm>
+            <a:off x="751114" y="2201412"/>
+            <a:ext cx="10929257" cy="4299856"/>
+          </a:xfrm>
+          <a:prstGeom prst="rect">
+            <a:avLst/>
+          </a:prstGeom>
+          <a:solidFill>
+            <a:schemeClr val="bg1">
+              <a:lumMod val="85000"/>
+            </a:schemeClr>
+          </a:solidFill>
+          <a:ln>
+            <a:solidFill>
+              <a:schemeClr val="bg1">
+                <a:lumMod val="85000"/>
+              </a:schemeClr>
+            </a:solidFill>
+          </a:ln>
+        </p:spPr>
+        <p:style>
+          <a:lnRef idx="2">
+            <a:schemeClr val="accent1">
+              <a:shade val="15000"/>
+            </a:schemeClr>
+          </a:lnRef>
+          <a:fillRef idx="1">
+            <a:schemeClr val="accent1"/>
+          </a:fillRef>
+          <a:effectRef idx="0">
+            <a:schemeClr val="accent1"/>
+          </a:effectRef>
+          <a:fontRef idx="minor">
+            <a:schemeClr val="lt1"/>
+          </a:fontRef>
+        </p:style>
+        <p:txBody>
+          <a:bodyPr rtlCol="0" anchor="ctr"/>
+          <a:lstStyle/>
+          <a:p>
+            <a:pPr marL="285750" indent="-285750" algn="ctr">
+              <a:buFont typeface="Arial" panose="020B0604020202020204" pitchFamily="34" charset="0"/>
+              <a:buChar char="•"/>
+            </a:pPr>
+            <a:endParaRPr lang="en-US" dirty="0"/>
+          </a:p>
+        </p:txBody>
+      </p:sp>
+      <p:sp>
+        <p:nvSpPr>
+          <p:cNvPr id="6" name="TextBox 5">
+            <a:extLst>
+              <a:ext uri="{FF2B5EF4-FFF2-40B4-BE49-F238E27FC236}">
+                <a16:creationId xmlns:a16="http://schemas.microsoft.com/office/drawing/2014/main" id="{C08A4A4B-ECA8-DD96-7405-99351A505CB8}"/>
+              </a:ext>
+            </a:extLst>
+          </p:cNvPr>
+          <p:cNvSpPr txBox="1"/>
+          <p:nvPr/>
+        </p:nvSpPr>
+        <p:spPr>
+          <a:xfrm>
+            <a:off x="925287" y="1570221"/>
+            <a:ext cx="9361714" cy="461665"/>
+          </a:xfrm>
+          <a:prstGeom prst="rect">
+            <a:avLst/>
+          </a:prstGeom>
+          <a:noFill/>
+        </p:spPr>
+        <p:txBody>
+          <a:bodyPr wrap="square" rtlCol="0">
+            <a:spAutoFit/>
+          </a:bodyPr>
+          <a:lstStyle/>
+          <a:p>
+            <a:r>
+              <a:rPr lang="en-US" sz="2400" dirty="0"/>
+              <a:t>Welcome to East Tennessee Mental Health Resources. </a:t>
+            </a:r>
+          </a:p>
+        </p:txBody>
+      </p:sp>
+      <p:grpSp>
+        <p:nvGrpSpPr>
+          <p:cNvPr id="29" name="Group 28">
+            <a:extLst>
+              <a:ext uri="{FF2B5EF4-FFF2-40B4-BE49-F238E27FC236}">
+                <a16:creationId xmlns:a16="http://schemas.microsoft.com/office/drawing/2014/main" id="{ADEC86B1-F3C9-B17C-8CC5-2543A446C3D5}"/>
+              </a:ext>
+            </a:extLst>
+          </p:cNvPr>
+          <p:cNvGrpSpPr/>
+          <p:nvPr/>
+        </p:nvGrpSpPr>
+        <p:grpSpPr>
+          <a:xfrm>
+            <a:off x="1223325" y="2565164"/>
+            <a:ext cx="2238512" cy="3927711"/>
+            <a:chOff x="1223325" y="2459547"/>
+            <a:chExt cx="2238512" cy="3927711"/>
+          </a:xfrm>
+        </p:grpSpPr>
+        <p:grpSp>
+          <p:nvGrpSpPr>
+            <p:cNvPr id="28" name="Group 27">
+              <a:extLst>
+                <a:ext uri="{FF2B5EF4-FFF2-40B4-BE49-F238E27FC236}">
+                  <a16:creationId xmlns:a16="http://schemas.microsoft.com/office/drawing/2014/main" id="{F0DB0BDD-2065-5E8D-CC42-70385A6C4E1A}"/>
+                </a:ext>
+              </a:extLst>
+            </p:cNvPr>
+            <p:cNvGrpSpPr/>
+            <p:nvPr/>
+          </p:nvGrpSpPr>
+          <p:grpSpPr>
+            <a:xfrm>
+              <a:off x="1223325" y="2459547"/>
+              <a:ext cx="2238512" cy="3927711"/>
+              <a:chOff x="1245101" y="2402957"/>
+              <a:chExt cx="2238512" cy="3927711"/>
+            </a:xfrm>
+          </p:grpSpPr>
+          <p:sp>
+            <p:nvSpPr>
+              <p:cNvPr id="10" name="Rectangle 9">
+                <a:extLst>
+                  <a:ext uri="{FF2B5EF4-FFF2-40B4-BE49-F238E27FC236}">
+                    <a16:creationId xmlns:a16="http://schemas.microsoft.com/office/drawing/2014/main" id="{128C5A7E-F465-AE72-3529-8CCB924DA5D5}"/>
+                  </a:ext>
+                </a:extLst>
+              </p:cNvPr>
+              <p:cNvSpPr/>
+              <p:nvPr/>
+            </p:nvSpPr>
+            <p:spPr>
+              <a:xfrm>
+                <a:off x="1245101" y="2402957"/>
+                <a:ext cx="2235290" cy="3927711"/>
+              </a:xfrm>
+              <a:prstGeom prst="rect">
+                <a:avLst/>
+              </a:prstGeom>
+              <a:solidFill>
+                <a:schemeClr val="bg1"/>
+              </a:solidFill>
+            </p:spPr>
+            <p:style>
+              <a:lnRef idx="2">
+                <a:schemeClr val="accent1">
+                  <a:shade val="15000"/>
+                </a:schemeClr>
+              </a:lnRef>
+              <a:fillRef idx="1">
+                <a:schemeClr val="accent1"/>
+              </a:fillRef>
+              <a:effectRef idx="0">
+                <a:schemeClr val="accent1"/>
+              </a:effectRef>
+              <a:fontRef idx="minor">
+                <a:schemeClr val="lt1"/>
+              </a:fontRef>
+            </p:style>
+            <p:txBody>
+              <a:bodyPr rtlCol="0" anchor="ctr"/>
+              <a:lstStyle/>
+              <a:p>
+                <a:pPr algn="ctr"/>
+                <a:endParaRPr lang="en-US" dirty="0"/>
+              </a:p>
+            </p:txBody>
+          </p:sp>
+          <p:sp>
+            <p:nvSpPr>
+              <p:cNvPr id="11" name="TextBox 10">
+                <a:extLst>
+                  <a:ext uri="{FF2B5EF4-FFF2-40B4-BE49-F238E27FC236}">
+                    <a16:creationId xmlns:a16="http://schemas.microsoft.com/office/drawing/2014/main" id="{5EC0B1F4-163E-C389-3E6D-F21D487F26E7}"/>
+                  </a:ext>
+                </a:extLst>
+              </p:cNvPr>
+              <p:cNvSpPr txBox="1"/>
+              <p:nvPr/>
+            </p:nvSpPr>
+            <p:spPr>
+              <a:xfrm>
+                <a:off x="1338744" y="2542610"/>
+                <a:ext cx="1909459" cy="3693319"/>
+              </a:xfrm>
+              <a:prstGeom prst="rect">
+                <a:avLst/>
+              </a:prstGeom>
+              <a:solidFill>
+                <a:schemeClr val="bg1"/>
+              </a:solidFill>
+            </p:spPr>
+            <p:txBody>
+              <a:bodyPr wrap="square" rtlCol="0">
+                <a:spAutoFit/>
+              </a:bodyPr>
+              <a:lstStyle/>
+              <a:p>
+                <a:r>
+                  <a:rPr lang="en-US" dirty="0"/>
+                  <a:t>Filter</a:t>
+                </a:r>
+              </a:p>
+              <a:p>
+                <a:pPr marL="285750" indent="-285750">
+                  <a:buFont typeface="Wingdings" panose="05000000000000000000" pitchFamily="2" charset="2"/>
+                  <a:buChar char="q"/>
+                </a:pPr>
+                <a:r>
+                  <a:rPr lang="en-US" dirty="0"/>
+                  <a:t>Student Resources</a:t>
+                </a:r>
+              </a:p>
+              <a:p>
+                <a:pPr marL="285750" indent="-285750">
+                  <a:buFont typeface="Wingdings" panose="05000000000000000000" pitchFamily="2" charset="2"/>
+                  <a:buChar char="q"/>
+                </a:pPr>
+                <a:r>
+                  <a:rPr lang="en-US" dirty="0"/>
+                  <a:t>Search Address</a:t>
+                </a:r>
+              </a:p>
+              <a:p>
+                <a:pPr marL="742950" lvl="1" indent="-285750">
+                  <a:buFont typeface="Wingdings" panose="05000000000000000000" pitchFamily="2" charset="2"/>
+                  <a:buChar char="q"/>
+                </a:pPr>
+                <a:endParaRPr lang="en-US" dirty="0"/>
+              </a:p>
+              <a:p>
+                <a:pPr marL="742950" lvl="1" indent="-285750">
+                  <a:buFont typeface="Wingdings" panose="05000000000000000000" pitchFamily="2" charset="2"/>
+                  <a:buChar char="q"/>
+                </a:pPr>
+                <a:endParaRPr lang="en-US" dirty="0"/>
+              </a:p>
+              <a:p>
+                <a:pPr marL="742950" lvl="1" indent="-285750">
+                  <a:buFont typeface="Wingdings" panose="05000000000000000000" pitchFamily="2" charset="2"/>
+                  <a:buChar char="q"/>
+                </a:pPr>
+                <a:r>
+                  <a:rPr lang="en-US" dirty="0"/>
+                  <a:t>Within 10 Miles</a:t>
+                </a:r>
+              </a:p>
+              <a:p>
+                <a:pPr marL="742950" lvl="1" indent="-285750">
+                  <a:buFont typeface="Wingdings" panose="05000000000000000000" pitchFamily="2" charset="2"/>
+                  <a:buChar char="q"/>
+                </a:pPr>
+                <a:r>
+                  <a:rPr lang="en-US" dirty="0"/>
+                  <a:t>Within 20 Miles</a:t>
+                </a:r>
+              </a:p>
+              <a:p>
+                <a:pPr marL="742950" lvl="1" indent="-285750">
+                  <a:buFont typeface="Wingdings" panose="05000000000000000000" pitchFamily="2" charset="2"/>
+                  <a:buChar char="q"/>
+                </a:pPr>
+                <a:r>
+                  <a:rPr lang="en-US" dirty="0"/>
+                  <a:t>Within 30 Miles</a:t>
+                </a:r>
+              </a:p>
+            </p:txBody>
+          </p:sp>
+          <p:sp>
+            <p:nvSpPr>
+              <p:cNvPr id="24" name="Rectangle 23">
+                <a:extLst>
+                  <a:ext uri="{FF2B5EF4-FFF2-40B4-BE49-F238E27FC236}">
+                    <a16:creationId xmlns:a16="http://schemas.microsoft.com/office/drawing/2014/main" id="{55B092CB-312B-43DF-707E-AC92F00AF2FD}"/>
+                  </a:ext>
+                </a:extLst>
+              </p:cNvPr>
+              <p:cNvSpPr/>
+              <p:nvPr/>
+            </p:nvSpPr>
+            <p:spPr>
+              <a:xfrm>
+                <a:off x="3341846" y="2402957"/>
+                <a:ext cx="141767" cy="3927711"/>
+              </a:xfrm>
+              <a:prstGeom prst="rect">
+                <a:avLst/>
+              </a:prstGeom>
+              <a:solidFill>
+                <a:schemeClr val="bg1"/>
+              </a:solidFill>
+            </p:spPr>
+            <p:style>
+              <a:lnRef idx="2">
+                <a:schemeClr val="accent1">
+                  <a:shade val="15000"/>
+                </a:schemeClr>
+              </a:lnRef>
+              <a:fillRef idx="1">
+                <a:schemeClr val="accent1"/>
+              </a:fillRef>
+              <a:effectRef idx="0">
+                <a:schemeClr val="accent1"/>
+              </a:effectRef>
+              <a:fontRef idx="minor">
+                <a:schemeClr val="lt1"/>
+              </a:fontRef>
+            </p:style>
+            <p:txBody>
+              <a:bodyPr rtlCol="0" anchor="ctr"/>
+              <a:lstStyle/>
+              <a:p>
+                <a:pPr algn="ctr"/>
+                <a:endParaRPr lang="en-US"/>
+              </a:p>
+            </p:txBody>
+          </p:sp>
+          <p:sp>
+            <p:nvSpPr>
+              <p:cNvPr id="23" name="Rectangle 22">
+                <a:extLst>
+                  <a:ext uri="{FF2B5EF4-FFF2-40B4-BE49-F238E27FC236}">
+                    <a16:creationId xmlns:a16="http://schemas.microsoft.com/office/drawing/2014/main" id="{50FE4D1D-43D4-1D6E-34C9-66F261175708}"/>
+                  </a:ext>
+                </a:extLst>
+              </p:cNvPr>
+              <p:cNvSpPr/>
+              <p:nvPr/>
+            </p:nvSpPr>
+            <p:spPr>
+              <a:xfrm>
+                <a:off x="3338624" y="2746400"/>
+                <a:ext cx="141767" cy="767660"/>
+              </a:xfrm>
+              <a:prstGeom prst="rect">
+                <a:avLst/>
+              </a:prstGeom>
+            </p:spPr>
+            <p:style>
+              <a:lnRef idx="2">
+                <a:schemeClr val="accent1">
+                  <a:shade val="15000"/>
+                </a:schemeClr>
+              </a:lnRef>
+              <a:fillRef idx="1">
+                <a:schemeClr val="accent1"/>
+              </a:fillRef>
+              <a:effectRef idx="0">
+                <a:schemeClr val="accent1"/>
+              </a:effectRef>
+              <a:fontRef idx="minor">
+                <a:schemeClr val="lt1"/>
+              </a:fontRef>
+            </p:style>
+            <p:txBody>
+              <a:bodyPr rtlCol="0" anchor="ctr"/>
+              <a:lstStyle/>
+              <a:p>
+                <a:pPr algn="ctr"/>
+                <a:endParaRPr lang="en-US"/>
+              </a:p>
+            </p:txBody>
+          </p:sp>
+        </p:grpSp>
+        <p:sp>
+          <p:nvSpPr>
+            <p:cNvPr id="22" name="Rectangle 21">
+              <a:extLst>
+                <a:ext uri="{FF2B5EF4-FFF2-40B4-BE49-F238E27FC236}">
+                  <a16:creationId xmlns:a16="http://schemas.microsoft.com/office/drawing/2014/main" id="{B13F3BD5-E6F8-C307-5C63-18A60D008A2E}"/>
+                </a:ext>
+              </a:extLst>
+            </p:cNvPr>
+            <p:cNvSpPr/>
+            <p:nvPr/>
+          </p:nvSpPr>
+          <p:spPr>
+            <a:xfrm>
+              <a:off x="1480064" y="4013613"/>
+              <a:ext cx="1762699" cy="495442"/>
+            </a:xfrm>
+            <a:prstGeom prst="rect">
+              <a:avLst/>
+            </a:prstGeom>
+            <a:solidFill>
+              <a:schemeClr val="bg1"/>
+            </a:solidFill>
+          </p:spPr>
+          <p:style>
+            <a:lnRef idx="2">
+              <a:schemeClr val="accent1">
+                <a:shade val="15000"/>
+              </a:schemeClr>
+            </a:lnRef>
+            <a:fillRef idx="1">
+              <a:schemeClr val="accent1"/>
+            </a:fillRef>
+            <a:effectRef idx="0">
+              <a:schemeClr val="accent1"/>
+            </a:effectRef>
+            <a:fontRef idx="minor">
+              <a:schemeClr val="lt1"/>
+            </a:fontRef>
+          </p:style>
+          <p:txBody>
+            <a:bodyPr rtlCol="0" anchor="ctr"/>
+            <a:lstStyle/>
+            <a:p>
+              <a:pPr algn="ctr"/>
+              <a:r>
+                <a:rPr lang="en-US" dirty="0">
+                  <a:solidFill>
+                    <a:schemeClr val="tx1"/>
+                  </a:solidFill>
+                </a:rPr>
+                <a:t>Enter Address</a:t>
+              </a:r>
+            </a:p>
+          </p:txBody>
+        </p:sp>
+      </p:grpSp>
+      <p:sp>
+        <p:nvSpPr>
+          <p:cNvPr id="25" name="TextBox 24">
+            <a:extLst>
+              <a:ext uri="{FF2B5EF4-FFF2-40B4-BE49-F238E27FC236}">
+                <a16:creationId xmlns:a16="http://schemas.microsoft.com/office/drawing/2014/main" id="{533478C6-9EA8-4DB7-8EE4-B4D335C73F69}"/>
+              </a:ext>
+            </a:extLst>
+          </p:cNvPr>
+          <p:cNvSpPr txBox="1"/>
+          <p:nvPr/>
+        </p:nvSpPr>
+        <p:spPr>
+          <a:xfrm>
+            <a:off x="7997605" y="2542610"/>
+            <a:ext cx="2450655" cy="3693319"/>
+          </a:xfrm>
+          <a:prstGeom prst="rect">
+            <a:avLst/>
+          </a:prstGeom>
+          <a:noFill/>
+        </p:spPr>
+        <p:txBody>
+          <a:bodyPr wrap="square" rtlCol="0">
+            <a:spAutoFit/>
+          </a:bodyPr>
+          <a:lstStyle/>
+          <a:p>
+            <a:pPr marL="285750" indent="-285750">
+              <a:buFont typeface="Arial" panose="020B0604020202020204" pitchFamily="34" charset="0"/>
+              <a:buChar char="•"/>
+            </a:pPr>
+            <a:r>
+              <a:rPr lang="en-US" dirty="0"/>
+              <a:t>The long rectangle to the right represents a toggle bar function. This toggle bar is slightly scrolled down to reveal a search by address functionality </a:t>
+            </a:r>
+          </a:p>
+          <a:p>
+            <a:pPr marL="285750" indent="-285750">
+              <a:buFont typeface="Arial" panose="020B0604020202020204" pitchFamily="34" charset="0"/>
+              <a:buChar char="•"/>
+            </a:pPr>
+            <a:r>
+              <a:rPr lang="en-US" dirty="0"/>
+              <a:t>If you toggle down more, you may search by a zip with a radius </a:t>
+            </a:r>
+          </a:p>
+        </p:txBody>
+      </p:sp>
+      <p:grpSp>
+        <p:nvGrpSpPr>
+          <p:cNvPr id="39" name="Group 38">
+            <a:extLst>
+              <a:ext uri="{FF2B5EF4-FFF2-40B4-BE49-F238E27FC236}">
+                <a16:creationId xmlns:a16="http://schemas.microsoft.com/office/drawing/2014/main" id="{3BF189A4-E18D-0B2D-11F2-661D7B44D04C}"/>
+              </a:ext>
+            </a:extLst>
+          </p:cNvPr>
+          <p:cNvGrpSpPr/>
+          <p:nvPr/>
+        </p:nvGrpSpPr>
+        <p:grpSpPr>
+          <a:xfrm>
+            <a:off x="4436104" y="2550752"/>
+            <a:ext cx="2238512" cy="3927711"/>
+            <a:chOff x="5522292" y="2650816"/>
+            <a:chExt cx="2238512" cy="3927711"/>
+          </a:xfrm>
+        </p:grpSpPr>
+        <p:sp>
+          <p:nvSpPr>
+            <p:cNvPr id="33" name="Rectangle 32">
+              <a:extLst>
+                <a:ext uri="{FF2B5EF4-FFF2-40B4-BE49-F238E27FC236}">
+                  <a16:creationId xmlns:a16="http://schemas.microsoft.com/office/drawing/2014/main" id="{438B427E-A14B-3134-D613-D827B0D57FCA}"/>
+                </a:ext>
+              </a:extLst>
+            </p:cNvPr>
+            <p:cNvSpPr/>
+            <p:nvPr/>
+          </p:nvSpPr>
+          <p:spPr>
+            <a:xfrm>
+              <a:off x="5522292" y="2650816"/>
+              <a:ext cx="2235290" cy="3927711"/>
+            </a:xfrm>
+            <a:prstGeom prst="rect">
+              <a:avLst/>
+            </a:prstGeom>
+            <a:solidFill>
+              <a:schemeClr val="bg1"/>
+            </a:solidFill>
+          </p:spPr>
+          <p:style>
+            <a:lnRef idx="2">
+              <a:schemeClr val="accent1">
+                <a:shade val="15000"/>
+              </a:schemeClr>
+            </a:lnRef>
+            <a:fillRef idx="1">
+              <a:schemeClr val="accent1"/>
+            </a:fillRef>
+            <a:effectRef idx="0">
+              <a:schemeClr val="accent1"/>
+            </a:effectRef>
+            <a:fontRef idx="minor">
+              <a:schemeClr val="lt1"/>
+            </a:fontRef>
+          </p:style>
+          <p:txBody>
+            <a:bodyPr rtlCol="0" anchor="ctr"/>
+            <a:lstStyle/>
+            <a:p>
+              <a:pPr algn="ctr"/>
+              <a:endParaRPr lang="en-US" dirty="0"/>
+            </a:p>
+          </p:txBody>
+        </p:sp>
+        <p:sp>
+          <p:nvSpPr>
+            <p:cNvPr id="34" name="TextBox 33">
+              <a:extLst>
+                <a:ext uri="{FF2B5EF4-FFF2-40B4-BE49-F238E27FC236}">
+                  <a16:creationId xmlns:a16="http://schemas.microsoft.com/office/drawing/2014/main" id="{643607A0-8F8B-3346-7468-E35B12006E5F}"/>
+                </a:ext>
+              </a:extLst>
+            </p:cNvPr>
+            <p:cNvSpPr txBox="1"/>
+            <p:nvPr/>
+          </p:nvSpPr>
+          <p:spPr>
+            <a:xfrm>
+              <a:off x="5615935" y="2790469"/>
+              <a:ext cx="1909459" cy="2862322"/>
+            </a:xfrm>
+            <a:prstGeom prst="rect">
+              <a:avLst/>
+            </a:prstGeom>
+            <a:solidFill>
+              <a:schemeClr val="bg1"/>
+            </a:solidFill>
+          </p:spPr>
+          <p:txBody>
+            <a:bodyPr wrap="square" rtlCol="0">
+              <a:spAutoFit/>
+            </a:bodyPr>
+            <a:lstStyle/>
+            <a:p>
+              <a:r>
+                <a:rPr lang="en-US" dirty="0"/>
+                <a:t>Filter</a:t>
+              </a:r>
+            </a:p>
+            <a:p>
+              <a:pPr marL="285750" indent="-285750">
+                <a:buFont typeface="Wingdings" panose="05000000000000000000" pitchFamily="2" charset="2"/>
+                <a:buChar char="q"/>
+              </a:pPr>
+              <a:r>
+                <a:rPr lang="en-US" dirty="0"/>
+                <a:t>Search Zip</a:t>
+              </a:r>
+            </a:p>
+            <a:p>
+              <a:endParaRPr lang="en-US" dirty="0"/>
+            </a:p>
+            <a:p>
+              <a:pPr marL="742950" lvl="1" indent="-285750">
+                <a:buFont typeface="Wingdings" panose="05000000000000000000" pitchFamily="2" charset="2"/>
+                <a:buChar char="q"/>
+              </a:pPr>
+              <a:r>
+                <a:rPr lang="en-US" dirty="0"/>
+                <a:t>Within 10 Miles</a:t>
+              </a:r>
+            </a:p>
+            <a:p>
+              <a:pPr marL="742950" lvl="1" indent="-285750">
+                <a:buFont typeface="Wingdings" panose="05000000000000000000" pitchFamily="2" charset="2"/>
+                <a:buChar char="q"/>
+              </a:pPr>
+              <a:r>
+                <a:rPr lang="en-US" dirty="0"/>
+                <a:t>Within 20 Miles</a:t>
+              </a:r>
+            </a:p>
+            <a:p>
+              <a:pPr marL="742950" lvl="1" indent="-285750">
+                <a:buFont typeface="Wingdings" panose="05000000000000000000" pitchFamily="2" charset="2"/>
+                <a:buChar char="q"/>
+              </a:pPr>
+              <a:r>
+                <a:rPr lang="en-US" dirty="0"/>
+                <a:t>Within 30 Miles</a:t>
+              </a:r>
+            </a:p>
+            <a:p>
+              <a:pPr marL="285750" indent="-285750">
+                <a:buFont typeface="Wingdings" panose="05000000000000000000" pitchFamily="2" charset="2"/>
+                <a:buChar char="q"/>
+              </a:pPr>
+              <a:endParaRPr lang="en-US" dirty="0"/>
+            </a:p>
+          </p:txBody>
+        </p:sp>
+        <p:sp>
+          <p:nvSpPr>
+            <p:cNvPr id="35" name="Rectangle 34">
+              <a:extLst>
+                <a:ext uri="{FF2B5EF4-FFF2-40B4-BE49-F238E27FC236}">
+                  <a16:creationId xmlns:a16="http://schemas.microsoft.com/office/drawing/2014/main" id="{15692420-F380-B3ED-FF63-580535E21490}"/>
+                </a:ext>
+              </a:extLst>
+            </p:cNvPr>
+            <p:cNvSpPr/>
+            <p:nvPr/>
+          </p:nvSpPr>
+          <p:spPr>
+            <a:xfrm>
+              <a:off x="7619037" y="2650816"/>
+              <a:ext cx="141767" cy="3927711"/>
+            </a:xfrm>
+            <a:prstGeom prst="rect">
+              <a:avLst/>
+            </a:prstGeom>
+            <a:solidFill>
+              <a:schemeClr val="bg1"/>
+            </a:solidFill>
+          </p:spPr>
+          <p:style>
+            <a:lnRef idx="2">
+              <a:schemeClr val="accent1">
+                <a:shade val="15000"/>
+              </a:schemeClr>
+            </a:lnRef>
+            <a:fillRef idx="1">
+              <a:schemeClr val="accent1"/>
+            </a:fillRef>
+            <a:effectRef idx="0">
+              <a:schemeClr val="accent1"/>
+            </a:effectRef>
+            <a:fontRef idx="minor">
+              <a:schemeClr val="lt1"/>
+            </a:fontRef>
+          </p:style>
+          <p:txBody>
+            <a:bodyPr rtlCol="0" anchor="ctr"/>
+            <a:lstStyle/>
+            <a:p>
+              <a:pPr algn="ctr"/>
+              <a:endParaRPr lang="en-US"/>
+            </a:p>
+          </p:txBody>
+        </p:sp>
+        <p:sp>
+          <p:nvSpPr>
+            <p:cNvPr id="36" name="Rectangle 35">
+              <a:extLst>
+                <a:ext uri="{FF2B5EF4-FFF2-40B4-BE49-F238E27FC236}">
+                  <a16:creationId xmlns:a16="http://schemas.microsoft.com/office/drawing/2014/main" id="{4655018D-8B82-67B2-314E-09C221DA2C54}"/>
+                </a:ext>
+              </a:extLst>
+            </p:cNvPr>
+            <p:cNvSpPr/>
+            <p:nvPr/>
+          </p:nvSpPr>
+          <p:spPr>
+            <a:xfrm>
+              <a:off x="7615815" y="3735400"/>
+              <a:ext cx="141767" cy="767660"/>
+            </a:xfrm>
+            <a:prstGeom prst="rect">
+              <a:avLst/>
+            </a:prstGeom>
+          </p:spPr>
+          <p:style>
+            <a:lnRef idx="2">
+              <a:schemeClr val="accent1">
+                <a:shade val="15000"/>
+              </a:schemeClr>
+            </a:lnRef>
+            <a:fillRef idx="1">
+              <a:schemeClr val="accent1"/>
+            </a:fillRef>
+            <a:effectRef idx="0">
+              <a:schemeClr val="accent1"/>
+            </a:effectRef>
+            <a:fontRef idx="minor">
+              <a:schemeClr val="lt1"/>
+            </a:fontRef>
+          </p:style>
+          <p:txBody>
+            <a:bodyPr rtlCol="0" anchor="ctr"/>
+            <a:lstStyle/>
+            <a:p>
+              <a:pPr algn="ctr"/>
+              <a:endParaRPr lang="en-US"/>
+            </a:p>
+          </p:txBody>
+        </p:sp>
+        <p:sp>
+          <p:nvSpPr>
+            <p:cNvPr id="37" name="Rectangle 36">
+              <a:extLst>
+                <a:ext uri="{FF2B5EF4-FFF2-40B4-BE49-F238E27FC236}">
+                  <a16:creationId xmlns:a16="http://schemas.microsoft.com/office/drawing/2014/main" id="{86F5684C-846B-C906-F265-9235D3CDF3A4}"/>
+                </a:ext>
+              </a:extLst>
+            </p:cNvPr>
+            <p:cNvSpPr/>
+            <p:nvPr/>
+          </p:nvSpPr>
+          <p:spPr>
+            <a:xfrm>
+              <a:off x="5935647" y="3368598"/>
+              <a:ext cx="1634957" cy="253560"/>
+            </a:xfrm>
+            <a:prstGeom prst="rect">
+              <a:avLst/>
+            </a:prstGeom>
+            <a:solidFill>
+              <a:schemeClr val="bg1"/>
+            </a:solidFill>
+          </p:spPr>
+          <p:style>
+            <a:lnRef idx="2">
+              <a:schemeClr val="accent1">
+                <a:shade val="15000"/>
+              </a:schemeClr>
+            </a:lnRef>
+            <a:fillRef idx="1">
+              <a:schemeClr val="accent1"/>
+            </a:fillRef>
+            <a:effectRef idx="0">
+              <a:schemeClr val="accent1"/>
+            </a:effectRef>
+            <a:fontRef idx="minor">
+              <a:schemeClr val="lt1"/>
+            </a:fontRef>
+          </p:style>
+          <p:txBody>
+            <a:bodyPr rtlCol="0" anchor="ctr"/>
+            <a:lstStyle/>
+            <a:p>
+              <a:pPr algn="ctr"/>
+              <a:r>
+                <a:rPr lang="en-US" dirty="0">
+                  <a:solidFill>
+                    <a:schemeClr val="tx1"/>
+                  </a:solidFill>
+                </a:rPr>
+                <a:t>Enter Zip</a:t>
+              </a:r>
+            </a:p>
+          </p:txBody>
+        </p:sp>
+      </p:grpSp>
+    </p:spTree>
+    <p:extLst>
+      <p:ext uri="{BB962C8B-B14F-4D97-AF65-F5344CB8AC3E}">
+        <p14:creationId xmlns:p14="http://schemas.microsoft.com/office/powerpoint/2010/main" val="2709279003"/>
+      </p:ext>
+    </p:extLst>
+  </p:cSld>
+  <p:clrMapOvr>
+    <a:masterClrMapping/>
+  </p:clrMapOvr>
+</p:sld>
+</file>
+
+<file path=ppt/slides/slide3.xml><?xml version="1.0" encoding="utf-8"?>
 <p:sld xmlns:a="http://schemas.openxmlformats.org/drawingml/2006/main" xmlns:r="http://schemas.openxmlformats.org/officeDocument/2006/relationships" xmlns:p="http://schemas.openxmlformats.org/presentationml/2006/main">
   <p:cSld>
     <p:bg>
@@ -4874,89 +6247,6 @@
       </p:grpSp>
       <p:sp>
         <p:nvSpPr>
-          <p:cNvPr id="20" name="TextBox 19">
-            <a:extLst>
-              <a:ext uri="{FF2B5EF4-FFF2-40B4-BE49-F238E27FC236}">
-                <a16:creationId xmlns:a16="http://schemas.microsoft.com/office/drawing/2014/main" id="{46403084-8C94-AC1A-F74E-01EDD65EBEB3}"/>
-              </a:ext>
-            </a:extLst>
-          </p:cNvPr>
-          <p:cNvSpPr txBox="1"/>
-          <p:nvPr/>
-        </p:nvSpPr>
-        <p:spPr>
-          <a:xfrm>
-            <a:off x="1208314" y="5440435"/>
-            <a:ext cx="1600200" cy="646331"/>
-          </a:xfrm>
-          <a:prstGeom prst="rect">
-            <a:avLst/>
-          </a:prstGeom>
-          <a:solidFill>
-            <a:schemeClr val="bg1"/>
-          </a:solidFill>
-          <a:ln w="19050">
-            <a:solidFill>
-              <a:schemeClr val="tx1"/>
-            </a:solidFill>
-          </a:ln>
-        </p:spPr>
-        <p:txBody>
-          <a:bodyPr wrap="square" rtlCol="0">
-            <a:spAutoFit/>
-          </a:bodyPr>
-          <a:lstStyle/>
-          <a:p>
-            <a:r>
-              <a:rPr lang="en-US" dirty="0"/>
-              <a:t>Submit New</a:t>
-            </a:r>
-          </a:p>
-          <a:p>
-            <a:r>
-              <a:rPr lang="en-US" dirty="0"/>
-              <a:t>Resource </a:t>
-            </a:r>
-          </a:p>
-        </p:txBody>
-      </p:sp>
-      <p:sp>
-        <p:nvSpPr>
-          <p:cNvPr id="3" name="TextBox 2">
-            <a:extLst>
-              <a:ext uri="{FF2B5EF4-FFF2-40B4-BE49-F238E27FC236}">
-                <a16:creationId xmlns:a16="http://schemas.microsoft.com/office/drawing/2014/main" id="{2EA2A7BB-AD8E-20A4-1C4F-F776BAB201F2}"/>
-              </a:ext>
-            </a:extLst>
-          </p:cNvPr>
-          <p:cNvSpPr txBox="1"/>
-          <p:nvPr/>
-        </p:nvSpPr>
-        <p:spPr>
-          <a:xfrm>
-            <a:off x="5744412" y="5871831"/>
-            <a:ext cx="2373085" cy="369332"/>
-          </a:xfrm>
-          <a:prstGeom prst="rect">
-            <a:avLst/>
-          </a:prstGeom>
-          <a:noFill/>
-        </p:spPr>
-        <p:txBody>
-          <a:bodyPr wrap="square" rtlCol="0">
-            <a:spAutoFit/>
-          </a:bodyPr>
-          <a:lstStyle/>
-          <a:p>
-            <a:r>
-              <a:rPr lang="en-US" dirty="0"/>
-              <a:t>Resources 1-12</a:t>
-            </a:r>
-          </a:p>
-        </p:txBody>
-      </p:sp>
-      <p:sp>
-        <p:nvSpPr>
           <p:cNvPr id="5" name="Rectangle 4">
             <a:extLst>
               <a:ext uri="{FF2B5EF4-FFF2-40B4-BE49-F238E27FC236}">
@@ -5079,6 +6369,242 @@
           </a:prstGeom>
         </p:spPr>
       </p:pic>
+      <p:sp>
+        <p:nvSpPr>
+          <p:cNvPr id="24" name="TextBox 23">
+            <a:extLst>
+              <a:ext uri="{FF2B5EF4-FFF2-40B4-BE49-F238E27FC236}">
+                <a16:creationId xmlns:a16="http://schemas.microsoft.com/office/drawing/2014/main" id="{1AD978F6-1533-56C1-A627-CB47E01C8C57}"/>
+              </a:ext>
+            </a:extLst>
+          </p:cNvPr>
+          <p:cNvSpPr txBox="1"/>
+          <p:nvPr/>
+        </p:nvSpPr>
+        <p:spPr>
+          <a:xfrm>
+            <a:off x="9383486" y="2344072"/>
+            <a:ext cx="1600200" cy="646331"/>
+          </a:xfrm>
+          <a:prstGeom prst="rect">
+            <a:avLst/>
+          </a:prstGeom>
+          <a:solidFill>
+            <a:schemeClr val="bg1"/>
+          </a:solidFill>
+          <a:ln w="19050">
+            <a:solidFill>
+              <a:schemeClr val="tx1"/>
+            </a:solidFill>
+          </a:ln>
+        </p:spPr>
+        <p:txBody>
+          <a:bodyPr wrap="square" rtlCol="0">
+            <a:spAutoFit/>
+          </a:bodyPr>
+          <a:lstStyle/>
+          <a:p>
+            <a:r>
+              <a:rPr lang="en-US" dirty="0"/>
+              <a:t>Submit New</a:t>
+            </a:r>
+          </a:p>
+          <a:p>
+            <a:r>
+              <a:rPr lang="en-US" dirty="0"/>
+              <a:t>Resource </a:t>
+            </a:r>
+          </a:p>
+        </p:txBody>
+      </p:sp>
+      <p:sp>
+        <p:nvSpPr>
+          <p:cNvPr id="25" name="Rectangle 24">
+            <a:extLst>
+              <a:ext uri="{FF2B5EF4-FFF2-40B4-BE49-F238E27FC236}">
+                <a16:creationId xmlns:a16="http://schemas.microsoft.com/office/drawing/2014/main" id="{11F9C3F8-C98A-B0BD-F1C8-C8A772FE4AC0}"/>
+              </a:ext>
+            </a:extLst>
+          </p:cNvPr>
+          <p:cNvSpPr/>
+          <p:nvPr/>
+        </p:nvSpPr>
+        <p:spPr>
+          <a:xfrm>
+            <a:off x="1208314" y="5443871"/>
+            <a:ext cx="1556657" cy="687572"/>
+          </a:xfrm>
+          <a:prstGeom prst="rect">
+            <a:avLst/>
+          </a:prstGeom>
+          <a:solidFill>
+            <a:schemeClr val="bg1"/>
+          </a:solidFill>
+          <a:effectLst>
+            <a:outerShdw blurRad="50800" dist="38100" dir="13500000" algn="br" rotWithShape="0">
+              <a:prstClr val="black">
+                <a:alpha val="40000"/>
+              </a:prstClr>
+            </a:outerShdw>
+          </a:effectLst>
+        </p:spPr>
+        <p:style>
+          <a:lnRef idx="2">
+            <a:schemeClr val="accent1">
+              <a:shade val="15000"/>
+            </a:schemeClr>
+          </a:lnRef>
+          <a:fillRef idx="1">
+            <a:schemeClr val="accent1"/>
+          </a:fillRef>
+          <a:effectRef idx="0">
+            <a:schemeClr val="accent1"/>
+          </a:effectRef>
+          <a:fontRef idx="minor">
+            <a:schemeClr val="lt1"/>
+          </a:fontRef>
+        </p:style>
+        <p:txBody>
+          <a:bodyPr rtlCol="0" anchor="ctr"/>
+          <a:lstStyle/>
+          <a:p>
+            <a:r>
+              <a:rPr lang="en-US" dirty="0">
+                <a:solidFill>
+                  <a:schemeClr val="tx1"/>
+                </a:solidFill>
+              </a:rPr>
+              <a:t>Help Me Find What I Need!</a:t>
+            </a:r>
+          </a:p>
+        </p:txBody>
+      </p:sp>
+      <p:grpSp>
+        <p:nvGrpSpPr>
+          <p:cNvPr id="22" name="Group 21">
+            <a:extLst>
+              <a:ext uri="{FF2B5EF4-FFF2-40B4-BE49-F238E27FC236}">
+                <a16:creationId xmlns:a16="http://schemas.microsoft.com/office/drawing/2014/main" id="{0C26FB60-8536-58AF-C74C-407D9B7FC4C7}"/>
+              </a:ext>
+            </a:extLst>
+          </p:cNvPr>
+          <p:cNvGrpSpPr/>
+          <p:nvPr/>
+        </p:nvGrpSpPr>
+        <p:grpSpPr>
+          <a:xfrm>
+            <a:off x="4378911" y="5877590"/>
+            <a:ext cx="5004575" cy="369332"/>
+            <a:chOff x="4378911" y="5877590"/>
+            <a:chExt cx="5004575" cy="369332"/>
+          </a:xfrm>
+        </p:grpSpPr>
+        <p:sp>
+          <p:nvSpPr>
+            <p:cNvPr id="3" name="TextBox 2">
+              <a:extLst>
+                <a:ext uri="{FF2B5EF4-FFF2-40B4-BE49-F238E27FC236}">
+                  <a16:creationId xmlns:a16="http://schemas.microsoft.com/office/drawing/2014/main" id="{2EA2A7BB-AD8E-20A4-1C4F-F776BAB201F2}"/>
+                </a:ext>
+              </a:extLst>
+            </p:cNvPr>
+            <p:cNvSpPr txBox="1"/>
+            <p:nvPr/>
+          </p:nvSpPr>
+          <p:spPr>
+            <a:xfrm>
+              <a:off x="6008914" y="5877590"/>
+              <a:ext cx="2373085" cy="369332"/>
+            </a:xfrm>
+            <a:prstGeom prst="rect">
+              <a:avLst/>
+            </a:prstGeom>
+            <a:noFill/>
+          </p:spPr>
+          <p:txBody>
+            <a:bodyPr wrap="square" rtlCol="0">
+              <a:spAutoFit/>
+            </a:bodyPr>
+            <a:lstStyle/>
+            <a:p>
+              <a:r>
+                <a:rPr lang="en-US" dirty="0"/>
+                <a:t>Resources 1-12</a:t>
+              </a:r>
+            </a:p>
+          </p:txBody>
+        </p:sp>
+        <p:sp>
+          <p:nvSpPr>
+            <p:cNvPr id="17" name="TextBox 16">
+              <a:extLst>
+                <a:ext uri="{FF2B5EF4-FFF2-40B4-BE49-F238E27FC236}">
+                  <a16:creationId xmlns:a16="http://schemas.microsoft.com/office/drawing/2014/main" id="{43E9B47C-B39E-CC0D-0A7A-28998C377812}"/>
+                </a:ext>
+              </a:extLst>
+            </p:cNvPr>
+            <p:cNvSpPr txBox="1"/>
+            <p:nvPr/>
+          </p:nvSpPr>
+          <p:spPr>
+            <a:xfrm>
+              <a:off x="7886321" y="5906377"/>
+              <a:ext cx="1497165" cy="307777"/>
+            </a:xfrm>
+            <a:prstGeom prst="rect">
+              <a:avLst/>
+            </a:prstGeom>
+            <a:noFill/>
+          </p:spPr>
+          <p:txBody>
+            <a:bodyPr wrap="square" rtlCol="0">
+              <a:spAutoFit/>
+            </a:bodyPr>
+            <a:lstStyle/>
+            <a:p>
+              <a:r>
+                <a:rPr lang="en-US" sz="1400" dirty="0"/>
+                <a:t>Next Page</a:t>
+              </a:r>
+            </a:p>
+          </p:txBody>
+        </p:sp>
+        <p:sp>
+          <p:nvSpPr>
+            <p:cNvPr id="20" name="TextBox 19">
+              <a:extLst>
+                <a:ext uri="{FF2B5EF4-FFF2-40B4-BE49-F238E27FC236}">
+                  <a16:creationId xmlns:a16="http://schemas.microsoft.com/office/drawing/2014/main" id="{BDF6DE8E-65E1-C15E-CBCE-2A3C0EE60663}"/>
+                </a:ext>
+              </a:extLst>
+            </p:cNvPr>
+            <p:cNvSpPr txBox="1"/>
+            <p:nvPr/>
+          </p:nvSpPr>
+          <p:spPr>
+            <a:xfrm>
+              <a:off x="4378911" y="5891514"/>
+              <a:ext cx="1497165" cy="307777"/>
+            </a:xfrm>
+            <a:prstGeom prst="rect">
+              <a:avLst/>
+            </a:prstGeom>
+            <a:noFill/>
+          </p:spPr>
+          <p:txBody>
+            <a:bodyPr wrap="square" rtlCol="0">
+              <a:spAutoFit/>
+            </a:bodyPr>
+            <a:lstStyle/>
+            <a:p>
+              <a:r>
+                <a:rPr lang="en-US" sz="1400" dirty="0"/>
+                <a:t>Previous Page</a:t>
+              </a:r>
+            </a:p>
+          </p:txBody>
+        </p:sp>
+      </p:grpSp>
     </p:spTree>
     <p:extLst>
       <p:ext uri="{BB962C8B-B14F-4D97-AF65-F5344CB8AC3E}">
@@ -5092,7 +6618,7 @@
 </p:sld>
 </file>
 
-<file path=ppt/slides/slide3.xml><?xml version="1.0" encoding="utf-8"?>
+<file path=ppt/slides/slide4.xml><?xml version="1.0" encoding="utf-8"?>
 <p:sld xmlns:a="http://schemas.openxmlformats.org/drawingml/2006/main" xmlns:r="http://schemas.openxmlformats.org/officeDocument/2006/relationships" xmlns:p="http://schemas.openxmlformats.org/presentationml/2006/main">
   <p:cSld>
     <p:bg>
@@ -5785,89 +7311,6 @@
       </p:grpSp>
       <p:sp>
         <p:nvSpPr>
-          <p:cNvPr id="20" name="TextBox 19">
-            <a:extLst>
-              <a:ext uri="{FF2B5EF4-FFF2-40B4-BE49-F238E27FC236}">
-                <a16:creationId xmlns:a16="http://schemas.microsoft.com/office/drawing/2014/main" id="{46403084-8C94-AC1A-F74E-01EDD65EBEB3}"/>
-              </a:ext>
-            </a:extLst>
-          </p:cNvPr>
-          <p:cNvSpPr txBox="1"/>
-          <p:nvPr/>
-        </p:nvSpPr>
-        <p:spPr>
-          <a:xfrm>
-            <a:off x="1208314" y="5440435"/>
-            <a:ext cx="1600200" cy="646331"/>
-          </a:xfrm>
-          <a:prstGeom prst="rect">
-            <a:avLst/>
-          </a:prstGeom>
-          <a:solidFill>
-            <a:schemeClr val="bg1"/>
-          </a:solidFill>
-          <a:ln w="19050">
-            <a:solidFill>
-              <a:schemeClr val="tx1"/>
-            </a:solidFill>
-          </a:ln>
-        </p:spPr>
-        <p:txBody>
-          <a:bodyPr wrap="square" rtlCol="0">
-            <a:spAutoFit/>
-          </a:bodyPr>
-          <a:lstStyle/>
-          <a:p>
-            <a:r>
-              <a:rPr lang="en-US" dirty="0"/>
-              <a:t>Submit New</a:t>
-            </a:r>
-          </a:p>
-          <a:p>
-            <a:r>
-              <a:rPr lang="en-US" dirty="0"/>
-              <a:t>Resource </a:t>
-            </a:r>
-          </a:p>
-        </p:txBody>
-      </p:sp>
-      <p:sp>
-        <p:nvSpPr>
-          <p:cNvPr id="3" name="TextBox 2">
-            <a:extLst>
-              <a:ext uri="{FF2B5EF4-FFF2-40B4-BE49-F238E27FC236}">
-                <a16:creationId xmlns:a16="http://schemas.microsoft.com/office/drawing/2014/main" id="{AF30728C-1362-F55D-C473-5D3E022A8196}"/>
-              </a:ext>
-            </a:extLst>
-          </p:cNvPr>
-          <p:cNvSpPr txBox="1"/>
-          <p:nvPr/>
-        </p:nvSpPr>
-        <p:spPr>
-          <a:xfrm>
-            <a:off x="5744412" y="5871831"/>
-            <a:ext cx="2373085" cy="369332"/>
-          </a:xfrm>
-          <a:prstGeom prst="rect">
-            <a:avLst/>
-          </a:prstGeom>
-          <a:noFill/>
-        </p:spPr>
-        <p:txBody>
-          <a:bodyPr wrap="square" rtlCol="0">
-            <a:spAutoFit/>
-          </a:bodyPr>
-          <a:lstStyle/>
-          <a:p>
-            <a:r>
-              <a:rPr lang="en-US" dirty="0"/>
-              <a:t>Resources 1-12</a:t>
-            </a:r>
-          </a:p>
-        </p:txBody>
-      </p:sp>
-      <p:sp>
-        <p:nvSpPr>
           <p:cNvPr id="5" name="Rectangle 4">
             <a:extLst>
               <a:ext uri="{FF2B5EF4-FFF2-40B4-BE49-F238E27FC236}">
@@ -5990,6 +7433,242 @@
           </a:prstGeom>
         </p:spPr>
       </p:pic>
+      <p:sp>
+        <p:nvSpPr>
+          <p:cNvPr id="22" name="TextBox 21">
+            <a:extLst>
+              <a:ext uri="{FF2B5EF4-FFF2-40B4-BE49-F238E27FC236}">
+                <a16:creationId xmlns:a16="http://schemas.microsoft.com/office/drawing/2014/main" id="{E441976C-D334-674E-A294-D8DFF585F950}"/>
+              </a:ext>
+            </a:extLst>
+          </p:cNvPr>
+          <p:cNvSpPr txBox="1"/>
+          <p:nvPr/>
+        </p:nvSpPr>
+        <p:spPr>
+          <a:xfrm>
+            <a:off x="9383486" y="2344072"/>
+            <a:ext cx="1600200" cy="646331"/>
+          </a:xfrm>
+          <a:prstGeom prst="rect">
+            <a:avLst/>
+          </a:prstGeom>
+          <a:solidFill>
+            <a:schemeClr val="bg1"/>
+          </a:solidFill>
+          <a:ln w="19050">
+            <a:solidFill>
+              <a:schemeClr val="tx1"/>
+            </a:solidFill>
+          </a:ln>
+        </p:spPr>
+        <p:txBody>
+          <a:bodyPr wrap="square" rtlCol="0">
+            <a:spAutoFit/>
+          </a:bodyPr>
+          <a:lstStyle/>
+          <a:p>
+            <a:r>
+              <a:rPr lang="en-US" dirty="0"/>
+              <a:t>Submit New</a:t>
+            </a:r>
+          </a:p>
+          <a:p>
+            <a:r>
+              <a:rPr lang="en-US" dirty="0"/>
+              <a:t>Resource </a:t>
+            </a:r>
+          </a:p>
+        </p:txBody>
+      </p:sp>
+      <p:sp>
+        <p:nvSpPr>
+          <p:cNvPr id="23" name="Rectangle 22">
+            <a:extLst>
+              <a:ext uri="{FF2B5EF4-FFF2-40B4-BE49-F238E27FC236}">
+                <a16:creationId xmlns:a16="http://schemas.microsoft.com/office/drawing/2014/main" id="{D184DF10-E23B-6BA3-1DF5-AF5E071E0728}"/>
+              </a:ext>
+            </a:extLst>
+          </p:cNvPr>
+          <p:cNvSpPr/>
+          <p:nvPr/>
+        </p:nvSpPr>
+        <p:spPr>
+          <a:xfrm>
+            <a:off x="1208314" y="5443871"/>
+            <a:ext cx="1556657" cy="687572"/>
+          </a:xfrm>
+          <a:prstGeom prst="rect">
+            <a:avLst/>
+          </a:prstGeom>
+          <a:solidFill>
+            <a:schemeClr val="bg1"/>
+          </a:solidFill>
+          <a:effectLst>
+            <a:outerShdw blurRad="50800" dist="38100" dir="13500000" algn="br" rotWithShape="0">
+              <a:prstClr val="black">
+                <a:alpha val="40000"/>
+              </a:prstClr>
+            </a:outerShdw>
+          </a:effectLst>
+        </p:spPr>
+        <p:style>
+          <a:lnRef idx="2">
+            <a:schemeClr val="accent1">
+              <a:shade val="15000"/>
+            </a:schemeClr>
+          </a:lnRef>
+          <a:fillRef idx="1">
+            <a:schemeClr val="accent1"/>
+          </a:fillRef>
+          <a:effectRef idx="0">
+            <a:schemeClr val="accent1"/>
+          </a:effectRef>
+          <a:fontRef idx="minor">
+            <a:schemeClr val="lt1"/>
+          </a:fontRef>
+        </p:style>
+        <p:txBody>
+          <a:bodyPr rtlCol="0" anchor="ctr"/>
+          <a:lstStyle/>
+          <a:p>
+            <a:r>
+              <a:rPr lang="en-US" dirty="0">
+                <a:solidFill>
+                  <a:schemeClr val="tx1"/>
+                </a:solidFill>
+              </a:rPr>
+              <a:t>Help Me Find What I Need!</a:t>
+            </a:r>
+          </a:p>
+        </p:txBody>
+      </p:sp>
+      <p:grpSp>
+        <p:nvGrpSpPr>
+          <p:cNvPr id="27" name="Group 26">
+            <a:extLst>
+              <a:ext uri="{FF2B5EF4-FFF2-40B4-BE49-F238E27FC236}">
+                <a16:creationId xmlns:a16="http://schemas.microsoft.com/office/drawing/2014/main" id="{051F03F5-B94D-DE60-652D-E2D68D5B4EC9}"/>
+              </a:ext>
+            </a:extLst>
+          </p:cNvPr>
+          <p:cNvGrpSpPr/>
+          <p:nvPr/>
+        </p:nvGrpSpPr>
+        <p:grpSpPr>
+          <a:xfrm>
+            <a:off x="4378911" y="5877590"/>
+            <a:ext cx="5004575" cy="369332"/>
+            <a:chOff x="4378911" y="5877590"/>
+            <a:chExt cx="5004575" cy="369332"/>
+          </a:xfrm>
+        </p:grpSpPr>
+        <p:sp>
+          <p:nvSpPr>
+            <p:cNvPr id="28" name="TextBox 27">
+              <a:extLst>
+                <a:ext uri="{FF2B5EF4-FFF2-40B4-BE49-F238E27FC236}">
+                  <a16:creationId xmlns:a16="http://schemas.microsoft.com/office/drawing/2014/main" id="{11472C40-1AE4-C7B8-257B-ACDD2B281720}"/>
+                </a:ext>
+              </a:extLst>
+            </p:cNvPr>
+            <p:cNvSpPr txBox="1"/>
+            <p:nvPr/>
+          </p:nvSpPr>
+          <p:spPr>
+            <a:xfrm>
+              <a:off x="6008914" y="5877590"/>
+              <a:ext cx="2373085" cy="369332"/>
+            </a:xfrm>
+            <a:prstGeom prst="rect">
+              <a:avLst/>
+            </a:prstGeom>
+            <a:noFill/>
+          </p:spPr>
+          <p:txBody>
+            <a:bodyPr wrap="square" rtlCol="0">
+              <a:spAutoFit/>
+            </a:bodyPr>
+            <a:lstStyle/>
+            <a:p>
+              <a:r>
+                <a:rPr lang="en-US" dirty="0"/>
+                <a:t>Resources 1-12</a:t>
+              </a:r>
+            </a:p>
+          </p:txBody>
+        </p:sp>
+        <p:sp>
+          <p:nvSpPr>
+            <p:cNvPr id="29" name="TextBox 28">
+              <a:extLst>
+                <a:ext uri="{FF2B5EF4-FFF2-40B4-BE49-F238E27FC236}">
+                  <a16:creationId xmlns:a16="http://schemas.microsoft.com/office/drawing/2014/main" id="{696F37F3-2806-37E4-18B4-B2E1905E8C49}"/>
+                </a:ext>
+              </a:extLst>
+            </p:cNvPr>
+            <p:cNvSpPr txBox="1"/>
+            <p:nvPr/>
+          </p:nvSpPr>
+          <p:spPr>
+            <a:xfrm>
+              <a:off x="7886321" y="5906377"/>
+              <a:ext cx="1497165" cy="307777"/>
+            </a:xfrm>
+            <a:prstGeom prst="rect">
+              <a:avLst/>
+            </a:prstGeom>
+            <a:noFill/>
+          </p:spPr>
+          <p:txBody>
+            <a:bodyPr wrap="square" rtlCol="0">
+              <a:spAutoFit/>
+            </a:bodyPr>
+            <a:lstStyle/>
+            <a:p>
+              <a:r>
+                <a:rPr lang="en-US" sz="1400" dirty="0"/>
+                <a:t>Next Page</a:t>
+              </a:r>
+            </a:p>
+          </p:txBody>
+        </p:sp>
+        <p:sp>
+          <p:nvSpPr>
+            <p:cNvPr id="30" name="TextBox 29">
+              <a:extLst>
+                <a:ext uri="{FF2B5EF4-FFF2-40B4-BE49-F238E27FC236}">
+                  <a16:creationId xmlns:a16="http://schemas.microsoft.com/office/drawing/2014/main" id="{98263EB9-C1E1-AA75-A7C9-8BB8FC37F359}"/>
+                </a:ext>
+              </a:extLst>
+            </p:cNvPr>
+            <p:cNvSpPr txBox="1"/>
+            <p:nvPr/>
+          </p:nvSpPr>
+          <p:spPr>
+            <a:xfrm>
+              <a:off x="4378911" y="5891514"/>
+              <a:ext cx="1497165" cy="307777"/>
+            </a:xfrm>
+            <a:prstGeom prst="rect">
+              <a:avLst/>
+            </a:prstGeom>
+            <a:noFill/>
+          </p:spPr>
+          <p:txBody>
+            <a:bodyPr wrap="square" rtlCol="0">
+              <a:spAutoFit/>
+            </a:bodyPr>
+            <a:lstStyle/>
+            <a:p>
+              <a:r>
+                <a:rPr lang="en-US" sz="1400" dirty="0"/>
+                <a:t>Previous Page</a:t>
+              </a:r>
+            </a:p>
+          </p:txBody>
+        </p:sp>
+      </p:grpSp>
     </p:spTree>
     <p:extLst>
       <p:ext uri="{BB962C8B-B14F-4D97-AF65-F5344CB8AC3E}">
@@ -6003,7 +7682,7 @@
 </p:sld>
 </file>
 
-<file path=ppt/slides/slide4.xml><?xml version="1.0" encoding="utf-8"?>
+<file path=ppt/slides/slide5.xml><?xml version="1.0" encoding="utf-8"?>
 <p:sld xmlns:a="http://schemas.openxmlformats.org/drawingml/2006/main" xmlns:r="http://schemas.openxmlformats.org/officeDocument/2006/relationships" xmlns:p="http://schemas.openxmlformats.org/presentationml/2006/main">
   <p:cSld>
     <p:bg>
@@ -6696,89 +8375,6 @@
       </p:grpSp>
       <p:sp>
         <p:nvSpPr>
-          <p:cNvPr id="20" name="TextBox 19">
-            <a:extLst>
-              <a:ext uri="{FF2B5EF4-FFF2-40B4-BE49-F238E27FC236}">
-                <a16:creationId xmlns:a16="http://schemas.microsoft.com/office/drawing/2014/main" id="{46403084-8C94-AC1A-F74E-01EDD65EBEB3}"/>
-              </a:ext>
-            </a:extLst>
-          </p:cNvPr>
-          <p:cNvSpPr txBox="1"/>
-          <p:nvPr/>
-        </p:nvSpPr>
-        <p:spPr>
-          <a:xfrm>
-            <a:off x="1208314" y="5440435"/>
-            <a:ext cx="1600200" cy="646331"/>
-          </a:xfrm>
-          <a:prstGeom prst="rect">
-            <a:avLst/>
-          </a:prstGeom>
-          <a:solidFill>
-            <a:schemeClr val="bg1"/>
-          </a:solidFill>
-          <a:ln w="19050">
-            <a:solidFill>
-              <a:schemeClr val="tx1"/>
-            </a:solidFill>
-          </a:ln>
-        </p:spPr>
-        <p:txBody>
-          <a:bodyPr wrap="square" rtlCol="0">
-            <a:spAutoFit/>
-          </a:bodyPr>
-          <a:lstStyle/>
-          <a:p>
-            <a:r>
-              <a:rPr lang="en-US" dirty="0"/>
-              <a:t>Submit New</a:t>
-            </a:r>
-          </a:p>
-          <a:p>
-            <a:r>
-              <a:rPr lang="en-US" dirty="0"/>
-              <a:t>Resource </a:t>
-            </a:r>
-          </a:p>
-        </p:txBody>
-      </p:sp>
-      <p:sp>
-        <p:nvSpPr>
-          <p:cNvPr id="3" name="TextBox 2">
-            <a:extLst>
-              <a:ext uri="{FF2B5EF4-FFF2-40B4-BE49-F238E27FC236}">
-                <a16:creationId xmlns:a16="http://schemas.microsoft.com/office/drawing/2014/main" id="{72B178FD-CC5B-B217-7B4E-9D641AC84E74}"/>
-              </a:ext>
-            </a:extLst>
-          </p:cNvPr>
-          <p:cNvSpPr txBox="1"/>
-          <p:nvPr/>
-        </p:nvSpPr>
-        <p:spPr>
-          <a:xfrm>
-            <a:off x="5744412" y="5871831"/>
-            <a:ext cx="2373085" cy="369332"/>
-          </a:xfrm>
-          <a:prstGeom prst="rect">
-            <a:avLst/>
-          </a:prstGeom>
-          <a:noFill/>
-        </p:spPr>
-        <p:txBody>
-          <a:bodyPr wrap="square" rtlCol="0">
-            <a:spAutoFit/>
-          </a:bodyPr>
-          <a:lstStyle/>
-          <a:p>
-            <a:r>
-              <a:rPr lang="en-US" dirty="0"/>
-              <a:t>Resources 1-12</a:t>
-            </a:r>
-          </a:p>
-        </p:txBody>
-      </p:sp>
-      <p:sp>
-        <p:nvSpPr>
           <p:cNvPr id="5" name="Rectangle 4">
             <a:extLst>
               <a:ext uri="{FF2B5EF4-FFF2-40B4-BE49-F238E27FC236}">
@@ -6901,6 +8497,242 @@
           </a:prstGeom>
         </p:spPr>
       </p:pic>
+      <p:sp>
+        <p:nvSpPr>
+          <p:cNvPr id="22" name="TextBox 21">
+            <a:extLst>
+              <a:ext uri="{FF2B5EF4-FFF2-40B4-BE49-F238E27FC236}">
+                <a16:creationId xmlns:a16="http://schemas.microsoft.com/office/drawing/2014/main" id="{C1AB88E2-7652-567F-9A60-072D429856B2}"/>
+              </a:ext>
+            </a:extLst>
+          </p:cNvPr>
+          <p:cNvSpPr txBox="1"/>
+          <p:nvPr/>
+        </p:nvSpPr>
+        <p:spPr>
+          <a:xfrm>
+            <a:off x="9383486" y="2344072"/>
+            <a:ext cx="1600200" cy="646331"/>
+          </a:xfrm>
+          <a:prstGeom prst="rect">
+            <a:avLst/>
+          </a:prstGeom>
+          <a:solidFill>
+            <a:schemeClr val="bg1"/>
+          </a:solidFill>
+          <a:ln w="19050">
+            <a:solidFill>
+              <a:schemeClr val="tx1"/>
+            </a:solidFill>
+          </a:ln>
+        </p:spPr>
+        <p:txBody>
+          <a:bodyPr wrap="square" rtlCol="0">
+            <a:spAutoFit/>
+          </a:bodyPr>
+          <a:lstStyle/>
+          <a:p>
+            <a:r>
+              <a:rPr lang="en-US" dirty="0"/>
+              <a:t>Submit New</a:t>
+            </a:r>
+          </a:p>
+          <a:p>
+            <a:r>
+              <a:rPr lang="en-US" dirty="0"/>
+              <a:t>Resource </a:t>
+            </a:r>
+          </a:p>
+        </p:txBody>
+      </p:sp>
+      <p:sp>
+        <p:nvSpPr>
+          <p:cNvPr id="23" name="Rectangle 22">
+            <a:extLst>
+              <a:ext uri="{FF2B5EF4-FFF2-40B4-BE49-F238E27FC236}">
+                <a16:creationId xmlns:a16="http://schemas.microsoft.com/office/drawing/2014/main" id="{306AF491-C9CC-8EB1-0E64-49B92EB932DB}"/>
+              </a:ext>
+            </a:extLst>
+          </p:cNvPr>
+          <p:cNvSpPr/>
+          <p:nvPr/>
+        </p:nvSpPr>
+        <p:spPr>
+          <a:xfrm>
+            <a:off x="1208314" y="5443871"/>
+            <a:ext cx="1556657" cy="687572"/>
+          </a:xfrm>
+          <a:prstGeom prst="rect">
+            <a:avLst/>
+          </a:prstGeom>
+          <a:solidFill>
+            <a:schemeClr val="bg1"/>
+          </a:solidFill>
+          <a:effectLst>
+            <a:outerShdw blurRad="50800" dist="38100" dir="13500000" algn="br" rotWithShape="0">
+              <a:prstClr val="black">
+                <a:alpha val="40000"/>
+              </a:prstClr>
+            </a:outerShdw>
+          </a:effectLst>
+        </p:spPr>
+        <p:style>
+          <a:lnRef idx="2">
+            <a:schemeClr val="accent1">
+              <a:shade val="15000"/>
+            </a:schemeClr>
+          </a:lnRef>
+          <a:fillRef idx="1">
+            <a:schemeClr val="accent1"/>
+          </a:fillRef>
+          <a:effectRef idx="0">
+            <a:schemeClr val="accent1"/>
+          </a:effectRef>
+          <a:fontRef idx="minor">
+            <a:schemeClr val="lt1"/>
+          </a:fontRef>
+        </p:style>
+        <p:txBody>
+          <a:bodyPr rtlCol="0" anchor="ctr"/>
+          <a:lstStyle/>
+          <a:p>
+            <a:r>
+              <a:rPr lang="en-US" dirty="0">
+                <a:solidFill>
+                  <a:schemeClr val="tx1"/>
+                </a:solidFill>
+              </a:rPr>
+              <a:t>Help Me Find What I Need!</a:t>
+            </a:r>
+          </a:p>
+        </p:txBody>
+      </p:sp>
+      <p:grpSp>
+        <p:nvGrpSpPr>
+          <p:cNvPr id="20" name="Group 19">
+            <a:extLst>
+              <a:ext uri="{FF2B5EF4-FFF2-40B4-BE49-F238E27FC236}">
+                <a16:creationId xmlns:a16="http://schemas.microsoft.com/office/drawing/2014/main" id="{9FE23132-AE30-B701-D4B0-02BAA0DAF64C}"/>
+              </a:ext>
+            </a:extLst>
+          </p:cNvPr>
+          <p:cNvGrpSpPr/>
+          <p:nvPr/>
+        </p:nvGrpSpPr>
+        <p:grpSpPr>
+          <a:xfrm>
+            <a:off x="4378911" y="5877590"/>
+            <a:ext cx="5004575" cy="369332"/>
+            <a:chOff x="4378911" y="5877590"/>
+            <a:chExt cx="5004575" cy="369332"/>
+          </a:xfrm>
+        </p:grpSpPr>
+        <p:sp>
+          <p:nvSpPr>
+            <p:cNvPr id="24" name="TextBox 23">
+              <a:extLst>
+                <a:ext uri="{FF2B5EF4-FFF2-40B4-BE49-F238E27FC236}">
+                  <a16:creationId xmlns:a16="http://schemas.microsoft.com/office/drawing/2014/main" id="{93402556-7E10-2E8E-D82F-CFA30D7390EF}"/>
+                </a:ext>
+              </a:extLst>
+            </p:cNvPr>
+            <p:cNvSpPr txBox="1"/>
+            <p:nvPr/>
+          </p:nvSpPr>
+          <p:spPr>
+            <a:xfrm>
+              <a:off x="6008914" y="5877590"/>
+              <a:ext cx="2373085" cy="369332"/>
+            </a:xfrm>
+            <a:prstGeom prst="rect">
+              <a:avLst/>
+            </a:prstGeom>
+            <a:noFill/>
+          </p:spPr>
+          <p:txBody>
+            <a:bodyPr wrap="square" rtlCol="0">
+              <a:spAutoFit/>
+            </a:bodyPr>
+            <a:lstStyle/>
+            <a:p>
+              <a:r>
+                <a:rPr lang="en-US" dirty="0"/>
+                <a:t>Resources 1-12</a:t>
+              </a:r>
+            </a:p>
+          </p:txBody>
+        </p:sp>
+        <p:sp>
+          <p:nvSpPr>
+            <p:cNvPr id="25" name="TextBox 24">
+              <a:extLst>
+                <a:ext uri="{FF2B5EF4-FFF2-40B4-BE49-F238E27FC236}">
+                  <a16:creationId xmlns:a16="http://schemas.microsoft.com/office/drawing/2014/main" id="{580C8942-3607-B5B3-5B1C-213A5CC548B4}"/>
+                </a:ext>
+              </a:extLst>
+            </p:cNvPr>
+            <p:cNvSpPr txBox="1"/>
+            <p:nvPr/>
+          </p:nvSpPr>
+          <p:spPr>
+            <a:xfrm>
+              <a:off x="7886321" y="5906377"/>
+              <a:ext cx="1497165" cy="307777"/>
+            </a:xfrm>
+            <a:prstGeom prst="rect">
+              <a:avLst/>
+            </a:prstGeom>
+            <a:noFill/>
+          </p:spPr>
+          <p:txBody>
+            <a:bodyPr wrap="square" rtlCol="0">
+              <a:spAutoFit/>
+            </a:bodyPr>
+            <a:lstStyle/>
+            <a:p>
+              <a:r>
+                <a:rPr lang="en-US" sz="1400" dirty="0"/>
+                <a:t>Next Page</a:t>
+              </a:r>
+            </a:p>
+          </p:txBody>
+        </p:sp>
+        <p:sp>
+          <p:nvSpPr>
+            <p:cNvPr id="26" name="TextBox 25">
+              <a:extLst>
+                <a:ext uri="{FF2B5EF4-FFF2-40B4-BE49-F238E27FC236}">
+                  <a16:creationId xmlns:a16="http://schemas.microsoft.com/office/drawing/2014/main" id="{0BDF9033-DC06-778D-61B1-D70B08BEF1D4}"/>
+                </a:ext>
+              </a:extLst>
+            </p:cNvPr>
+            <p:cNvSpPr txBox="1"/>
+            <p:nvPr/>
+          </p:nvSpPr>
+          <p:spPr>
+            <a:xfrm>
+              <a:off x="4378911" y="5891514"/>
+              <a:ext cx="1497165" cy="307777"/>
+            </a:xfrm>
+            <a:prstGeom prst="rect">
+              <a:avLst/>
+            </a:prstGeom>
+            <a:noFill/>
+          </p:spPr>
+          <p:txBody>
+            <a:bodyPr wrap="square" rtlCol="0">
+              <a:spAutoFit/>
+            </a:bodyPr>
+            <a:lstStyle/>
+            <a:p>
+              <a:r>
+                <a:rPr lang="en-US" sz="1400" dirty="0"/>
+                <a:t>Previous Page</a:t>
+              </a:r>
+            </a:p>
+          </p:txBody>
+        </p:sp>
+      </p:grpSp>
     </p:spTree>
     <p:extLst>
       <p:ext uri="{BB962C8B-B14F-4D97-AF65-F5344CB8AC3E}">
@@ -6914,17 +8746,17 @@
 </p:sld>
 </file>
 
-<file path=ppt/slides/slide5.xml><?xml version="1.0" encoding="utf-8"?>
+<file path=ppt/slides/slide6.xml><?xml version="1.0" encoding="utf-8"?>
 <p:sld xmlns:a="http://schemas.openxmlformats.org/drawingml/2006/main" xmlns:r="http://schemas.openxmlformats.org/officeDocument/2006/relationships" xmlns:p="http://schemas.openxmlformats.org/presentationml/2006/main">
   <p:cSld>
     <p:bg>
       <p:bgPr>
         <a:blipFill dpi="0" rotWithShape="1">
-          <a:blip r:embed="rId2">
+          <a:blip r:embed="rId3">
             <a:lum/>
             <a:extLst>
               <a:ext uri="{837473B0-CC2E-450A-ABE3-18F120FF3D39}">
-                <a1611:picAttrSrcUrl xmlns:a1611="http://schemas.microsoft.com/office/drawing/2016/11/main" r:id="rId3"/>
+                <a1611:picAttrSrcUrl xmlns:a1611="http://schemas.microsoft.com/office/drawing/2016/11/main" r:id="rId4"/>
               </a:ext>
             </a:extLst>
           </a:blip>
@@ -7339,54 +9171,6 @@
       </p:sp>
       <p:sp>
         <p:nvSpPr>
-          <p:cNvPr id="20" name="TextBox 19">
-            <a:extLst>
-              <a:ext uri="{FF2B5EF4-FFF2-40B4-BE49-F238E27FC236}">
-                <a16:creationId xmlns:a16="http://schemas.microsoft.com/office/drawing/2014/main" id="{46403084-8C94-AC1A-F74E-01EDD65EBEB3}"/>
-              </a:ext>
-            </a:extLst>
-          </p:cNvPr>
-          <p:cNvSpPr txBox="1"/>
-          <p:nvPr/>
-        </p:nvSpPr>
-        <p:spPr>
-          <a:xfrm>
-            <a:off x="1208314" y="5440435"/>
-            <a:ext cx="1600200" cy="646331"/>
-          </a:xfrm>
-          <a:prstGeom prst="rect">
-            <a:avLst/>
-          </a:prstGeom>
-          <a:solidFill>
-            <a:schemeClr val="bg1"/>
-          </a:solidFill>
-          <a:ln w="19050">
-            <a:solidFill>
-              <a:schemeClr val="tx1"/>
-            </a:solidFill>
-          </a:ln>
-        </p:spPr>
-        <p:txBody>
-          <a:bodyPr wrap="square" rtlCol="0">
-            <a:spAutoFit/>
-          </a:bodyPr>
-          <a:lstStyle/>
-          <a:p>
-            <a:r>
-              <a:rPr lang="en-US" dirty="0"/>
-              <a:t>Submit New</a:t>
-            </a:r>
-          </a:p>
-          <a:p>
-            <a:r>
-              <a:rPr lang="en-US" dirty="0"/>
-              <a:t>Resource </a:t>
-            </a:r>
-          </a:p>
-        </p:txBody>
-      </p:sp>
-      <p:sp>
-        <p:nvSpPr>
           <p:cNvPr id="5" name="Rectangle 4">
             <a:extLst>
               <a:ext uri="{FF2B5EF4-FFF2-40B4-BE49-F238E27FC236}">
@@ -7485,13 +9269,13 @@
           <p:nvPr/>
         </p:nvPicPr>
         <p:blipFill>
-          <a:blip r:embed="rId4">
+          <a:blip r:embed="rId5">
             <a:extLst>
               <a:ext uri="{28A0092B-C50C-407E-A947-70E740481C1C}">
                 <a14:useLocalDpi xmlns:a14="http://schemas.microsoft.com/office/drawing/2010/main" val="0"/>
               </a:ext>
               <a:ext uri="{837473B0-CC2E-450A-ABE3-18F120FF3D39}">
-                <a1611:picAttrSrcUrl xmlns:a1611="http://schemas.microsoft.com/office/drawing/2016/11/main" r:id="rId5"/>
+                <a1611:picAttrSrcUrl xmlns:a1611="http://schemas.microsoft.com/office/drawing/2016/11/main" r:id="rId6"/>
               </a:ext>
             </a:extLst>
           </a:blip>
@@ -7619,13 +9403,13 @@
           <p:nvPr/>
         </p:nvPicPr>
         <p:blipFill>
-          <a:blip r:embed="rId6">
+          <a:blip r:embed="rId7">
             <a:extLst>
               <a:ext uri="{28A0092B-C50C-407E-A947-70E740481C1C}">
                 <a14:useLocalDpi xmlns:a14="http://schemas.microsoft.com/office/drawing/2010/main" val="0"/>
               </a:ext>
               <a:ext uri="{837473B0-CC2E-450A-ABE3-18F120FF3D39}">
-                <a1611:picAttrSrcUrl xmlns:a1611="http://schemas.microsoft.com/office/drawing/2016/11/main" r:id="rId7"/>
+                <a1611:picAttrSrcUrl xmlns:a1611="http://schemas.microsoft.com/office/drawing/2016/11/main" r:id="rId8"/>
               </a:ext>
             </a:extLst>
           </a:blip>
@@ -7657,7 +9441,7 @@
         </p:nvSpPr>
         <p:spPr>
           <a:xfrm>
-            <a:off x="9293109" y="2530612"/>
+            <a:off x="3370521" y="5515104"/>
             <a:ext cx="1690577" cy="477139"/>
           </a:xfrm>
           <a:prstGeom prst="rect">
@@ -7706,7 +9490,7 @@
         </p:nvSpPr>
         <p:spPr>
           <a:xfrm>
-            <a:off x="9293109" y="2596148"/>
+            <a:off x="3411067" y="5584730"/>
             <a:ext cx="1764260" cy="369332"/>
           </a:xfrm>
           <a:prstGeom prst="rect">
@@ -7742,7 +9526,7 @@
           <p:nvPr/>
         </p:nvPicPr>
         <p:blipFill>
-          <a:blip r:embed="rId8">
+          <a:blip r:embed="rId9">
             <a:extLst>
               <a:ext uri="{28A0092B-C50C-407E-A947-70E740481C1C}">
                 <a14:useLocalDpi xmlns:a14="http://schemas.microsoft.com/office/drawing/2010/main" val="0"/>
@@ -7763,6 +9547,116 @@
           </a:prstGeom>
         </p:spPr>
       </p:pic>
+      <p:sp>
+        <p:nvSpPr>
+          <p:cNvPr id="31" name="Rectangle 30">
+            <a:extLst>
+              <a:ext uri="{FF2B5EF4-FFF2-40B4-BE49-F238E27FC236}">
+                <a16:creationId xmlns:a16="http://schemas.microsoft.com/office/drawing/2014/main" id="{102C2E11-5BE9-7991-3685-8FE6250A1C5B}"/>
+              </a:ext>
+            </a:extLst>
+          </p:cNvPr>
+          <p:cNvSpPr/>
+          <p:nvPr/>
+        </p:nvSpPr>
+        <p:spPr>
+          <a:xfrm>
+            <a:off x="1208314" y="5443871"/>
+            <a:ext cx="1556657" cy="687572"/>
+          </a:xfrm>
+          <a:prstGeom prst="rect">
+            <a:avLst/>
+          </a:prstGeom>
+          <a:solidFill>
+            <a:schemeClr val="bg1"/>
+          </a:solidFill>
+          <a:effectLst>
+            <a:outerShdw blurRad="50800" dist="38100" dir="13500000" algn="br" rotWithShape="0">
+              <a:prstClr val="black">
+                <a:alpha val="40000"/>
+              </a:prstClr>
+            </a:outerShdw>
+          </a:effectLst>
+        </p:spPr>
+        <p:style>
+          <a:lnRef idx="2">
+            <a:schemeClr val="accent1">
+              <a:shade val="15000"/>
+            </a:schemeClr>
+          </a:lnRef>
+          <a:fillRef idx="1">
+            <a:schemeClr val="accent1"/>
+          </a:fillRef>
+          <a:effectRef idx="0">
+            <a:schemeClr val="accent1"/>
+          </a:effectRef>
+          <a:fontRef idx="minor">
+            <a:schemeClr val="lt1"/>
+          </a:fontRef>
+        </p:style>
+        <p:txBody>
+          <a:bodyPr rtlCol="0" anchor="ctr"/>
+          <a:lstStyle/>
+          <a:p>
+            <a:r>
+              <a:rPr lang="en-US" dirty="0">
+                <a:solidFill>
+                  <a:schemeClr val="tx1"/>
+                </a:solidFill>
+              </a:rPr>
+              <a:t>Help Me Find What I Need!</a:t>
+            </a:r>
+          </a:p>
+        </p:txBody>
+      </p:sp>
+      <p:sp>
+        <p:nvSpPr>
+          <p:cNvPr id="32" name="TextBox 31">
+            <a:extLst>
+              <a:ext uri="{FF2B5EF4-FFF2-40B4-BE49-F238E27FC236}">
+                <a16:creationId xmlns:a16="http://schemas.microsoft.com/office/drawing/2014/main" id="{5B95A95E-5C54-C272-20B7-B94CC1AF7245}"/>
+              </a:ext>
+            </a:extLst>
+          </p:cNvPr>
+          <p:cNvSpPr txBox="1"/>
+          <p:nvPr/>
+        </p:nvSpPr>
+        <p:spPr>
+          <a:xfrm>
+            <a:off x="9383486" y="2344072"/>
+            <a:ext cx="1600200" cy="646331"/>
+          </a:xfrm>
+          <a:prstGeom prst="rect">
+            <a:avLst/>
+          </a:prstGeom>
+          <a:solidFill>
+            <a:schemeClr val="bg1"/>
+          </a:solidFill>
+          <a:ln w="19050">
+            <a:solidFill>
+              <a:schemeClr val="tx1"/>
+            </a:solidFill>
+          </a:ln>
+        </p:spPr>
+        <p:txBody>
+          <a:bodyPr wrap="square" rtlCol="0">
+            <a:spAutoFit/>
+          </a:bodyPr>
+          <a:lstStyle/>
+          <a:p>
+            <a:r>
+              <a:rPr lang="en-US" dirty="0"/>
+              <a:t>Submit New</a:t>
+            </a:r>
+          </a:p>
+          <a:p>
+            <a:r>
+              <a:rPr lang="en-US" dirty="0"/>
+              <a:t>Resource </a:t>
+            </a:r>
+          </a:p>
+        </p:txBody>
+      </p:sp>
     </p:spTree>
     <p:extLst>
       <p:ext uri="{BB962C8B-B14F-4D97-AF65-F5344CB8AC3E}">
@@ -7776,7 +9670,7 @@
 </p:sld>
 </file>
 
-<file path=ppt/slides/slide6.xml><?xml version="1.0" encoding="utf-8"?>
+<file path=ppt/slides/slide7.xml><?xml version="1.0" encoding="utf-8"?>
 <p:sld xmlns:a="http://schemas.openxmlformats.org/drawingml/2006/main" xmlns:r="http://schemas.openxmlformats.org/officeDocument/2006/relationships" xmlns:p="http://schemas.openxmlformats.org/presentationml/2006/main">
   <p:cSld>
     <p:bg>
@@ -8037,7 +9931,7 @@
         <p:spPr>
           <a:xfrm>
             <a:off x="1241329" y="3044728"/>
-            <a:ext cx="3298372" cy="446315"/>
+            <a:ext cx="3777238" cy="446315"/>
           </a:xfrm>
           <a:prstGeom prst="rect">
             <a:avLst/>
@@ -8085,8 +9979,8 @@
         </p:nvSpPr>
         <p:spPr>
           <a:xfrm>
-            <a:off x="1306744" y="3091883"/>
-            <a:ext cx="2057402" cy="369332"/>
+            <a:off x="1306743" y="3091883"/>
+            <a:ext cx="2556419" cy="369332"/>
           </a:xfrm>
           <a:prstGeom prst="rect">
             <a:avLst/>
@@ -8103,7 +9997,7 @@
           <a:p>
             <a:r>
               <a:rPr lang="en-US" dirty="0"/>
-              <a:t>Search Resources</a:t>
+              <a:t>Search Resource Types</a:t>
             </a:r>
           </a:p>
         </p:txBody>
@@ -8122,7 +10016,7 @@
         </p:nvSpPr>
         <p:spPr>
           <a:xfrm>
-            <a:off x="3571332" y="3118032"/>
+            <a:off x="4024987" y="3124974"/>
             <a:ext cx="883299" cy="285822"/>
           </a:xfrm>
           <a:prstGeom prst="rect">
@@ -8168,7 +10062,7 @@
         </p:nvSpPr>
         <p:spPr>
           <a:xfrm>
-            <a:off x="3597169" y="3076277"/>
+            <a:off x="4024987" y="3091883"/>
             <a:ext cx="942532" cy="369332"/>
           </a:xfrm>
           <a:prstGeom prst="rect">
@@ -8247,7 +10141,7 @@
         <p:spPr>
           <a:xfrm>
             <a:off x="1241329" y="3577010"/>
-            <a:ext cx="4922190" cy="2499699"/>
+            <a:ext cx="3777238" cy="2499699"/>
           </a:xfrm>
           <a:prstGeom prst="rect">
             <a:avLst/>
@@ -8296,7 +10190,7 @@
         <p:spPr>
           <a:xfrm>
             <a:off x="1377387" y="3704368"/>
-            <a:ext cx="4718613" cy="1200329"/>
+            <a:ext cx="3530899" cy="1477328"/>
           </a:xfrm>
           <a:prstGeom prst="rect">
             <a:avLst/>
@@ -8335,7 +10229,7 @@
             </a:pPr>
             <a:r>
               <a:rPr lang="en-US" dirty="0"/>
-              <a:t>Facility</a:t>
+              <a:t>Inpatient Facility</a:t>
             </a:r>
           </a:p>
           <a:p>
@@ -8345,8 +10239,751 @@
             </a:pPr>
             <a:r>
               <a:rPr lang="en-US" dirty="0"/>
+              <a:t> Outpatient Program</a:t>
+            </a:r>
+          </a:p>
+          <a:p>
+            <a:pPr marL="285750" indent="-285750">
+              <a:buFont typeface="Wingdings" panose="05000000000000000000" pitchFamily="2" charset="2"/>
+              <a:buChar char="q"/>
+            </a:pPr>
+            <a:r>
+              <a:rPr lang="en-US" dirty="0"/>
               <a:t>Student Related Resource</a:t>
             </a:r>
+          </a:p>
+        </p:txBody>
+      </p:sp>
+      <p:sp>
+        <p:nvSpPr>
+          <p:cNvPr id="9" name="Rectangle 8">
+            <a:extLst>
+              <a:ext uri="{FF2B5EF4-FFF2-40B4-BE49-F238E27FC236}">
+                <a16:creationId xmlns:a16="http://schemas.microsoft.com/office/drawing/2014/main" id="{C82BDD37-F49B-11C8-D38B-919F540795A3}"/>
+              </a:ext>
+            </a:extLst>
+          </p:cNvPr>
+          <p:cNvSpPr/>
+          <p:nvPr/>
+        </p:nvSpPr>
+        <p:spPr>
+          <a:xfrm>
+            <a:off x="5365898" y="3044728"/>
+            <a:ext cx="5677659" cy="3031980"/>
+          </a:xfrm>
+          <a:prstGeom prst="rect">
+            <a:avLst/>
+          </a:prstGeom>
+          <a:solidFill>
+            <a:schemeClr val="bg1"/>
+          </a:solidFill>
+        </p:spPr>
+        <p:style>
+          <a:lnRef idx="2">
+            <a:schemeClr val="accent1">
+              <a:shade val="15000"/>
+            </a:schemeClr>
+          </a:lnRef>
+          <a:fillRef idx="1">
+            <a:schemeClr val="accent1"/>
+          </a:fillRef>
+          <a:effectRef idx="0">
+            <a:schemeClr val="accent1"/>
+          </a:effectRef>
+          <a:fontRef idx="minor">
+            <a:schemeClr val="lt1"/>
+          </a:fontRef>
+        </p:style>
+        <p:txBody>
+          <a:bodyPr rtlCol="0" anchor="ctr"/>
+          <a:lstStyle/>
+          <a:p>
+            <a:pPr algn="ctr"/>
+            <a:endParaRPr lang="en-US" dirty="0"/>
+          </a:p>
+        </p:txBody>
+      </p:sp>
+      <p:pic>
+        <p:nvPicPr>
+          <p:cNvPr id="12" name="Picture 11" descr="A black check mark on a white background&#10;&#10;Description automatically generated">
+            <a:extLst>
+              <a:ext uri="{FF2B5EF4-FFF2-40B4-BE49-F238E27FC236}">
+                <a16:creationId xmlns:a16="http://schemas.microsoft.com/office/drawing/2014/main" id="{D0C8ECAE-3CBD-1DD9-79E8-60FFB551B5C6}"/>
+              </a:ext>
+            </a:extLst>
+          </p:cNvPr>
+          <p:cNvPicPr>
+            <a:picLocks noChangeAspect="1"/>
+          </p:cNvPicPr>
+          <p:nvPr/>
+        </p:nvPicPr>
+        <p:blipFill>
+          <a:blip r:embed="rId4">
+            <a:extLst>
+              <a:ext uri="{28A0092B-C50C-407E-A947-70E740481C1C}">
+                <a14:useLocalDpi xmlns:a14="http://schemas.microsoft.com/office/drawing/2010/main" val="0"/>
+              </a:ext>
+              <a:ext uri="{837473B0-CC2E-450A-ABE3-18F120FF3D39}">
+                <a1611:picAttrSrcUrl xmlns:a1611="http://schemas.microsoft.com/office/drawing/2016/11/main" r:id="rId5"/>
+              </a:ext>
+            </a:extLst>
+          </a:blip>
+          <a:stretch>
+            <a:fillRect/>
+          </a:stretch>
+        </p:blipFill>
+        <p:spPr>
+          <a:xfrm>
+            <a:off x="1519076" y="3761676"/>
+            <a:ext cx="162046" cy="162046"/>
+          </a:xfrm>
+          <a:prstGeom prst="rect">
+            <a:avLst/>
+          </a:prstGeom>
+        </p:spPr>
+      </p:pic>
+      <p:sp>
+        <p:nvSpPr>
+          <p:cNvPr id="13" name="TextBox 12">
+            <a:extLst>
+              <a:ext uri="{FF2B5EF4-FFF2-40B4-BE49-F238E27FC236}">
+                <a16:creationId xmlns:a16="http://schemas.microsoft.com/office/drawing/2014/main" id="{E825F658-78DA-9BB5-154C-F203148C0CEA}"/>
+              </a:ext>
+            </a:extLst>
+          </p:cNvPr>
+          <p:cNvSpPr txBox="1"/>
+          <p:nvPr/>
+        </p:nvSpPr>
+        <p:spPr>
+          <a:xfrm>
+            <a:off x="5691963" y="3124974"/>
+            <a:ext cx="5122650" cy="369332"/>
+          </a:xfrm>
+          <a:prstGeom prst="rect">
+            <a:avLst/>
+          </a:prstGeom>
+          <a:noFill/>
+        </p:spPr>
+        <p:txBody>
+          <a:bodyPr wrap="square" rtlCol="0">
+            <a:spAutoFit/>
+          </a:bodyPr>
+          <a:lstStyle/>
+          <a:p>
+            <a:r>
+              <a:rPr lang="en-US" dirty="0"/>
+              <a:t>Submit a Therapist</a:t>
+            </a:r>
+          </a:p>
+        </p:txBody>
+      </p:sp>
+      <p:sp>
+        <p:nvSpPr>
+          <p:cNvPr id="15" name="TextBox 14">
+            <a:extLst>
+              <a:ext uri="{FF2B5EF4-FFF2-40B4-BE49-F238E27FC236}">
+                <a16:creationId xmlns:a16="http://schemas.microsoft.com/office/drawing/2014/main" id="{AD36B782-291C-7175-1CAF-D831E1FC7173}"/>
+              </a:ext>
+            </a:extLst>
+          </p:cNvPr>
+          <p:cNvSpPr txBox="1"/>
+          <p:nvPr/>
+        </p:nvSpPr>
+        <p:spPr>
+          <a:xfrm>
+            <a:off x="5837727" y="3577009"/>
+            <a:ext cx="1853157" cy="369332"/>
+          </a:xfrm>
+          <a:prstGeom prst="rect">
+            <a:avLst/>
+          </a:prstGeom>
+          <a:noFill/>
+        </p:spPr>
+        <p:txBody>
+          <a:bodyPr wrap="square" rtlCol="0">
+            <a:spAutoFit/>
+          </a:bodyPr>
+          <a:lstStyle/>
+          <a:p>
+            <a:endParaRPr lang="en-US" dirty="0"/>
+          </a:p>
+        </p:txBody>
+      </p:sp>
+      <p:sp>
+        <p:nvSpPr>
+          <p:cNvPr id="19" name="Rectangle 18">
+            <a:extLst>
+              <a:ext uri="{FF2B5EF4-FFF2-40B4-BE49-F238E27FC236}">
+                <a16:creationId xmlns:a16="http://schemas.microsoft.com/office/drawing/2014/main" id="{C0AF38CB-0320-935E-01A5-1CD26ED545E5}"/>
+              </a:ext>
+            </a:extLst>
+          </p:cNvPr>
+          <p:cNvSpPr/>
+          <p:nvPr/>
+        </p:nvSpPr>
+        <p:spPr>
+          <a:xfrm>
+            <a:off x="5837727" y="3577009"/>
+            <a:ext cx="1750468" cy="293242"/>
+          </a:xfrm>
+          <a:prstGeom prst="rect">
+            <a:avLst/>
+          </a:prstGeom>
+          <a:solidFill>
+            <a:schemeClr val="bg1"/>
+          </a:solidFill>
+        </p:spPr>
+        <p:style>
+          <a:lnRef idx="2">
+            <a:schemeClr val="accent1">
+              <a:shade val="15000"/>
+            </a:schemeClr>
+          </a:lnRef>
+          <a:fillRef idx="1">
+            <a:schemeClr val="accent1"/>
+          </a:fillRef>
+          <a:effectRef idx="0">
+            <a:schemeClr val="accent1"/>
+          </a:effectRef>
+          <a:fontRef idx="minor">
+            <a:schemeClr val="lt1"/>
+          </a:fontRef>
+        </p:style>
+        <p:txBody>
+          <a:bodyPr rtlCol="0" anchor="ctr"/>
+          <a:lstStyle/>
+          <a:p>
+            <a:pPr algn="ctr"/>
+            <a:r>
+              <a:rPr lang="en-US" dirty="0">
+                <a:solidFill>
+                  <a:schemeClr val="tx1"/>
+                </a:solidFill>
+              </a:rPr>
+              <a:t>First Name</a:t>
+            </a:r>
+          </a:p>
+        </p:txBody>
+      </p:sp>
+      <p:sp>
+        <p:nvSpPr>
+          <p:cNvPr id="20" name="Rectangle 19">
+            <a:extLst>
+              <a:ext uri="{FF2B5EF4-FFF2-40B4-BE49-F238E27FC236}">
+                <a16:creationId xmlns:a16="http://schemas.microsoft.com/office/drawing/2014/main" id="{181EA863-12B1-8BBE-C37E-551FD87CD3B4}"/>
+              </a:ext>
+            </a:extLst>
+          </p:cNvPr>
+          <p:cNvSpPr/>
+          <p:nvPr/>
+        </p:nvSpPr>
+        <p:spPr>
+          <a:xfrm>
+            <a:off x="7935526" y="3574552"/>
+            <a:ext cx="1750468" cy="293242"/>
+          </a:xfrm>
+          <a:prstGeom prst="rect">
+            <a:avLst/>
+          </a:prstGeom>
+          <a:solidFill>
+            <a:schemeClr val="bg1"/>
+          </a:solidFill>
+        </p:spPr>
+        <p:style>
+          <a:lnRef idx="2">
+            <a:schemeClr val="accent1">
+              <a:shade val="15000"/>
+            </a:schemeClr>
+          </a:lnRef>
+          <a:fillRef idx="1">
+            <a:schemeClr val="accent1"/>
+          </a:fillRef>
+          <a:effectRef idx="0">
+            <a:schemeClr val="accent1"/>
+          </a:effectRef>
+          <a:fontRef idx="minor">
+            <a:schemeClr val="lt1"/>
+          </a:fontRef>
+        </p:style>
+        <p:txBody>
+          <a:bodyPr rtlCol="0" anchor="ctr"/>
+          <a:lstStyle/>
+          <a:p>
+            <a:pPr algn="ctr"/>
+            <a:r>
+              <a:rPr lang="en-US" dirty="0">
+                <a:solidFill>
+                  <a:schemeClr val="tx1"/>
+                </a:solidFill>
+              </a:rPr>
+              <a:t>Last Name</a:t>
+            </a:r>
+          </a:p>
+        </p:txBody>
+      </p:sp>
+      <p:sp>
+        <p:nvSpPr>
+          <p:cNvPr id="21" name="Rectangle 20">
+            <a:extLst>
+              <a:ext uri="{FF2B5EF4-FFF2-40B4-BE49-F238E27FC236}">
+                <a16:creationId xmlns:a16="http://schemas.microsoft.com/office/drawing/2014/main" id="{20628A77-C33B-F3D3-D489-10177877AD6B}"/>
+              </a:ext>
+            </a:extLst>
+          </p:cNvPr>
+          <p:cNvSpPr/>
+          <p:nvPr/>
+        </p:nvSpPr>
+        <p:spPr>
+          <a:xfrm>
+            <a:off x="5837727" y="4127639"/>
+            <a:ext cx="3871617" cy="293242"/>
+          </a:xfrm>
+          <a:prstGeom prst="rect">
+            <a:avLst/>
+          </a:prstGeom>
+          <a:solidFill>
+            <a:schemeClr val="bg1"/>
+          </a:solidFill>
+        </p:spPr>
+        <p:style>
+          <a:lnRef idx="2">
+            <a:schemeClr val="accent1">
+              <a:shade val="15000"/>
+            </a:schemeClr>
+          </a:lnRef>
+          <a:fillRef idx="1">
+            <a:schemeClr val="accent1"/>
+          </a:fillRef>
+          <a:effectRef idx="0">
+            <a:schemeClr val="accent1"/>
+          </a:effectRef>
+          <a:fontRef idx="minor">
+            <a:schemeClr val="lt1"/>
+          </a:fontRef>
+        </p:style>
+        <p:txBody>
+          <a:bodyPr rtlCol="0" anchor="ctr"/>
+          <a:lstStyle/>
+          <a:p>
+            <a:pPr algn="ctr"/>
+            <a:r>
+              <a:rPr lang="en-US" dirty="0">
+                <a:solidFill>
+                  <a:schemeClr val="tx1"/>
+                </a:solidFill>
+              </a:rPr>
+              <a:t>Address Line 1</a:t>
+            </a:r>
+          </a:p>
+        </p:txBody>
+      </p:sp>
+      <p:sp>
+        <p:nvSpPr>
+          <p:cNvPr id="22" name="Rectangle 21">
+            <a:extLst>
+              <a:ext uri="{FF2B5EF4-FFF2-40B4-BE49-F238E27FC236}">
+                <a16:creationId xmlns:a16="http://schemas.microsoft.com/office/drawing/2014/main" id="{9214B362-5139-8AF1-455D-38AD533657E0}"/>
+              </a:ext>
+            </a:extLst>
+          </p:cNvPr>
+          <p:cNvSpPr/>
+          <p:nvPr/>
+        </p:nvSpPr>
+        <p:spPr>
+          <a:xfrm>
+            <a:off x="5837727" y="4579030"/>
+            <a:ext cx="3871617" cy="293242"/>
+          </a:xfrm>
+          <a:prstGeom prst="rect">
+            <a:avLst/>
+          </a:prstGeom>
+          <a:solidFill>
+            <a:schemeClr val="bg1"/>
+          </a:solidFill>
+        </p:spPr>
+        <p:style>
+          <a:lnRef idx="2">
+            <a:schemeClr val="accent1">
+              <a:shade val="15000"/>
+            </a:schemeClr>
+          </a:lnRef>
+          <a:fillRef idx="1">
+            <a:schemeClr val="accent1"/>
+          </a:fillRef>
+          <a:effectRef idx="0">
+            <a:schemeClr val="accent1"/>
+          </a:effectRef>
+          <a:fontRef idx="minor">
+            <a:schemeClr val="lt1"/>
+          </a:fontRef>
+        </p:style>
+        <p:txBody>
+          <a:bodyPr rtlCol="0" anchor="ctr"/>
+          <a:lstStyle/>
+          <a:p>
+            <a:pPr algn="ctr"/>
+            <a:r>
+              <a:rPr lang="en-US" dirty="0">
+                <a:solidFill>
+                  <a:schemeClr val="tx1"/>
+                </a:solidFill>
+              </a:rPr>
+              <a:t>Address Line 2</a:t>
+            </a:r>
+          </a:p>
+        </p:txBody>
+      </p:sp>
+      <p:sp>
+        <p:nvSpPr>
+          <p:cNvPr id="23" name="Rectangle 22">
+            <a:extLst>
+              <a:ext uri="{FF2B5EF4-FFF2-40B4-BE49-F238E27FC236}">
+                <a16:creationId xmlns:a16="http://schemas.microsoft.com/office/drawing/2014/main" id="{8426E3FC-90D3-B7AB-4C26-580E166AA25C}"/>
+              </a:ext>
+            </a:extLst>
+          </p:cNvPr>
+          <p:cNvSpPr/>
+          <p:nvPr/>
+        </p:nvSpPr>
+        <p:spPr>
+          <a:xfrm>
+            <a:off x="5839280" y="5116502"/>
+            <a:ext cx="3870064" cy="293242"/>
+          </a:xfrm>
+          <a:prstGeom prst="rect">
+            <a:avLst/>
+          </a:prstGeom>
+          <a:solidFill>
+            <a:schemeClr val="bg1"/>
+          </a:solidFill>
+        </p:spPr>
+        <p:style>
+          <a:lnRef idx="2">
+            <a:schemeClr val="accent1">
+              <a:shade val="15000"/>
+            </a:schemeClr>
+          </a:lnRef>
+          <a:fillRef idx="1">
+            <a:schemeClr val="accent1"/>
+          </a:fillRef>
+          <a:effectRef idx="0">
+            <a:schemeClr val="accent1"/>
+          </a:effectRef>
+          <a:fontRef idx="minor">
+            <a:schemeClr val="lt1"/>
+          </a:fontRef>
+        </p:style>
+        <p:txBody>
+          <a:bodyPr rtlCol="0" anchor="ctr"/>
+          <a:lstStyle/>
+          <a:p>
+            <a:pPr algn="ctr"/>
+            <a:r>
+              <a:rPr lang="en-US" dirty="0">
+                <a:solidFill>
+                  <a:schemeClr val="tx1"/>
+                </a:solidFill>
+              </a:rPr>
+              <a:t>Associated Practice</a:t>
+            </a:r>
+          </a:p>
+        </p:txBody>
+      </p:sp>
+      <p:sp>
+        <p:nvSpPr>
+          <p:cNvPr id="24" name="TextBox 23">
+            <a:extLst>
+              <a:ext uri="{FF2B5EF4-FFF2-40B4-BE49-F238E27FC236}">
+                <a16:creationId xmlns:a16="http://schemas.microsoft.com/office/drawing/2014/main" id="{E483C201-069A-F010-C6AD-0F5B4A1F07E5}"/>
+              </a:ext>
+            </a:extLst>
+          </p:cNvPr>
+          <p:cNvSpPr txBox="1"/>
+          <p:nvPr/>
+        </p:nvSpPr>
+        <p:spPr>
+          <a:xfrm>
+            <a:off x="5897798" y="5504961"/>
+            <a:ext cx="1793086" cy="307777"/>
+          </a:xfrm>
+          <a:prstGeom prst="rect">
+            <a:avLst/>
+          </a:prstGeom>
+          <a:noFill/>
+        </p:spPr>
+        <p:txBody>
+          <a:bodyPr wrap="square" rtlCol="0">
+            <a:spAutoFit/>
+          </a:bodyPr>
+          <a:lstStyle/>
+          <a:p>
+            <a:r>
+              <a:rPr lang="en-US" sz="1400" dirty="0"/>
+              <a:t>Accepts Insurance </a:t>
+            </a:r>
+          </a:p>
+        </p:txBody>
+      </p:sp>
+      <p:sp>
+        <p:nvSpPr>
+          <p:cNvPr id="25" name="Rectangle 24">
+            <a:extLst>
+              <a:ext uri="{FF2B5EF4-FFF2-40B4-BE49-F238E27FC236}">
+                <a16:creationId xmlns:a16="http://schemas.microsoft.com/office/drawing/2014/main" id="{D0617928-D197-877D-62E5-DADF3741167D}"/>
+              </a:ext>
+            </a:extLst>
+          </p:cNvPr>
+          <p:cNvSpPr/>
+          <p:nvPr/>
+        </p:nvSpPr>
+        <p:spPr>
+          <a:xfrm>
+            <a:off x="6084066" y="5812738"/>
+            <a:ext cx="217497" cy="169848"/>
+          </a:xfrm>
+          <a:prstGeom prst="rect">
+            <a:avLst/>
+          </a:prstGeom>
+          <a:solidFill>
+            <a:schemeClr val="bg1"/>
+          </a:solidFill>
+        </p:spPr>
+        <p:style>
+          <a:lnRef idx="2">
+            <a:schemeClr val="accent1">
+              <a:shade val="15000"/>
+            </a:schemeClr>
+          </a:lnRef>
+          <a:fillRef idx="1">
+            <a:schemeClr val="accent1"/>
+          </a:fillRef>
+          <a:effectRef idx="0">
+            <a:schemeClr val="accent1"/>
+          </a:effectRef>
+          <a:fontRef idx="minor">
+            <a:schemeClr val="lt1"/>
+          </a:fontRef>
+        </p:style>
+        <p:txBody>
+          <a:bodyPr rtlCol="0" anchor="ctr"/>
+          <a:lstStyle/>
+          <a:p>
+            <a:pPr algn="ctr"/>
+            <a:endParaRPr lang="en-US"/>
+          </a:p>
+        </p:txBody>
+      </p:sp>
+      <p:sp>
+        <p:nvSpPr>
+          <p:cNvPr id="26" name="Rectangle 25">
+            <a:extLst>
+              <a:ext uri="{FF2B5EF4-FFF2-40B4-BE49-F238E27FC236}">
+                <a16:creationId xmlns:a16="http://schemas.microsoft.com/office/drawing/2014/main" id="{91A66EE5-4A43-C51C-B659-2D7C0FCCC434}"/>
+              </a:ext>
+            </a:extLst>
+          </p:cNvPr>
+          <p:cNvSpPr/>
+          <p:nvPr/>
+        </p:nvSpPr>
+        <p:spPr>
+          <a:xfrm>
+            <a:off x="6954634" y="5816588"/>
+            <a:ext cx="217497" cy="169848"/>
+          </a:xfrm>
+          <a:prstGeom prst="rect">
+            <a:avLst/>
+          </a:prstGeom>
+          <a:solidFill>
+            <a:schemeClr val="bg1"/>
+          </a:solidFill>
+        </p:spPr>
+        <p:style>
+          <a:lnRef idx="2">
+            <a:schemeClr val="accent1">
+              <a:shade val="15000"/>
+            </a:schemeClr>
+          </a:lnRef>
+          <a:fillRef idx="1">
+            <a:schemeClr val="accent1"/>
+          </a:fillRef>
+          <a:effectRef idx="0">
+            <a:schemeClr val="accent1"/>
+          </a:effectRef>
+          <a:fontRef idx="minor">
+            <a:schemeClr val="lt1"/>
+          </a:fontRef>
+        </p:style>
+        <p:txBody>
+          <a:bodyPr rtlCol="0" anchor="ctr"/>
+          <a:lstStyle/>
+          <a:p>
+            <a:pPr algn="ctr"/>
+            <a:endParaRPr lang="en-US"/>
+          </a:p>
+        </p:txBody>
+      </p:sp>
+      <p:sp>
+        <p:nvSpPr>
+          <p:cNvPr id="27" name="TextBox 26">
+            <a:extLst>
+              <a:ext uri="{FF2B5EF4-FFF2-40B4-BE49-F238E27FC236}">
+                <a16:creationId xmlns:a16="http://schemas.microsoft.com/office/drawing/2014/main" id="{55FFA73F-FCB4-6DC8-22D6-83289CA89884}"/>
+              </a:ext>
+            </a:extLst>
+          </p:cNvPr>
+          <p:cNvSpPr txBox="1"/>
+          <p:nvPr/>
+        </p:nvSpPr>
+        <p:spPr>
+          <a:xfrm>
+            <a:off x="6415447" y="5782812"/>
+            <a:ext cx="425302" cy="276999"/>
+          </a:xfrm>
+          <a:prstGeom prst="rect">
+            <a:avLst/>
+          </a:prstGeom>
+          <a:noFill/>
+        </p:spPr>
+        <p:txBody>
+          <a:bodyPr wrap="square" rtlCol="0">
+            <a:spAutoFit/>
+          </a:bodyPr>
+          <a:lstStyle/>
+          <a:p>
+            <a:r>
+              <a:rPr lang="en-US" sz="1200" dirty="0"/>
+              <a:t>Yes</a:t>
+            </a:r>
+          </a:p>
+        </p:txBody>
+      </p:sp>
+      <p:sp>
+        <p:nvSpPr>
+          <p:cNvPr id="28" name="TextBox 27">
+            <a:extLst>
+              <a:ext uri="{FF2B5EF4-FFF2-40B4-BE49-F238E27FC236}">
+                <a16:creationId xmlns:a16="http://schemas.microsoft.com/office/drawing/2014/main" id="{1765729D-361D-99C0-53DF-61383DE36533}"/>
+              </a:ext>
+            </a:extLst>
+          </p:cNvPr>
+          <p:cNvSpPr txBox="1"/>
+          <p:nvPr/>
+        </p:nvSpPr>
+        <p:spPr>
+          <a:xfrm>
+            <a:off x="7251596" y="5796989"/>
+            <a:ext cx="425302" cy="276999"/>
+          </a:xfrm>
+          <a:prstGeom prst="rect">
+            <a:avLst/>
+          </a:prstGeom>
+          <a:noFill/>
+        </p:spPr>
+        <p:txBody>
+          <a:bodyPr wrap="square" rtlCol="0">
+            <a:spAutoFit/>
+          </a:bodyPr>
+          <a:lstStyle/>
+          <a:p>
+            <a:r>
+              <a:rPr lang="en-US" sz="1200" dirty="0"/>
+              <a:t>No</a:t>
+            </a:r>
+          </a:p>
+        </p:txBody>
+      </p:sp>
+      <p:sp>
+        <p:nvSpPr>
+          <p:cNvPr id="30" name="Rectangle 29">
+            <a:extLst>
+              <a:ext uri="{FF2B5EF4-FFF2-40B4-BE49-F238E27FC236}">
+                <a16:creationId xmlns:a16="http://schemas.microsoft.com/office/drawing/2014/main" id="{416E0233-3956-E96A-B4EE-D5F7FB354E49}"/>
+              </a:ext>
+            </a:extLst>
+          </p:cNvPr>
+          <p:cNvSpPr/>
+          <p:nvPr/>
+        </p:nvSpPr>
+        <p:spPr>
+          <a:xfrm>
+            <a:off x="10837963" y="3044728"/>
+            <a:ext cx="205594" cy="3015083"/>
+          </a:xfrm>
+          <a:prstGeom prst="rect">
+            <a:avLst/>
+          </a:prstGeom>
+          <a:solidFill>
+            <a:schemeClr val="bg1"/>
+          </a:solidFill>
+        </p:spPr>
+        <p:style>
+          <a:lnRef idx="2">
+            <a:schemeClr val="accent1">
+              <a:shade val="15000"/>
+            </a:schemeClr>
+          </a:lnRef>
+          <a:fillRef idx="1">
+            <a:schemeClr val="accent1"/>
+          </a:fillRef>
+          <a:effectRef idx="0">
+            <a:schemeClr val="accent1"/>
+          </a:effectRef>
+          <a:fontRef idx="minor">
+            <a:schemeClr val="lt1"/>
+          </a:fontRef>
+        </p:style>
+        <p:txBody>
+          <a:bodyPr rtlCol="0" anchor="ctr"/>
+          <a:lstStyle/>
+          <a:p>
+            <a:pPr algn="ctr"/>
+            <a:endParaRPr lang="en-US"/>
+          </a:p>
+        </p:txBody>
+      </p:sp>
+      <p:sp>
+        <p:nvSpPr>
+          <p:cNvPr id="31" name="Rectangle 30">
+            <a:extLst>
+              <a:ext uri="{FF2B5EF4-FFF2-40B4-BE49-F238E27FC236}">
+                <a16:creationId xmlns:a16="http://schemas.microsoft.com/office/drawing/2014/main" id="{AF2B3340-1A44-B2AD-BE6B-CC044A76430C}"/>
+              </a:ext>
+            </a:extLst>
+          </p:cNvPr>
+          <p:cNvSpPr/>
+          <p:nvPr/>
+        </p:nvSpPr>
+        <p:spPr>
+          <a:xfrm>
+            <a:off x="10857451" y="3059809"/>
+            <a:ext cx="201803" cy="644559"/>
+          </a:xfrm>
+          <a:prstGeom prst="rect">
+            <a:avLst/>
+          </a:prstGeom>
+        </p:spPr>
+        <p:style>
+          <a:lnRef idx="2">
+            <a:schemeClr val="accent1">
+              <a:shade val="15000"/>
+            </a:schemeClr>
+          </a:lnRef>
+          <a:fillRef idx="1">
+            <a:schemeClr val="accent1"/>
+          </a:fillRef>
+          <a:effectRef idx="0">
+            <a:schemeClr val="accent1"/>
+          </a:effectRef>
+          <a:fontRef idx="minor">
+            <a:schemeClr val="lt1"/>
+          </a:fontRef>
+        </p:style>
+        <p:txBody>
+          <a:bodyPr rtlCol="0" anchor="ctr"/>
+          <a:lstStyle/>
+          <a:p>
+            <a:pPr algn="ctr"/>
+            <a:endParaRPr lang="en-US"/>
           </a:p>
         </p:txBody>
       </p:sp>
@@ -8354,6 +10991,1299 @@
     <p:extLst>
       <p:ext uri="{BB962C8B-B14F-4D97-AF65-F5344CB8AC3E}">
         <p14:creationId xmlns:p14="http://schemas.microsoft.com/office/powerpoint/2010/main" val="1626298582"/>
+      </p:ext>
+    </p:extLst>
+  </p:cSld>
+  <p:clrMapOvr>
+    <a:masterClrMapping/>
+  </p:clrMapOvr>
+</p:sld>
+</file>
+
+<file path=ppt/slides/slide8.xml><?xml version="1.0" encoding="utf-8"?>
+<p:sld xmlns:a="http://schemas.openxmlformats.org/drawingml/2006/main" xmlns:r="http://schemas.openxmlformats.org/officeDocument/2006/relationships" xmlns:p="http://schemas.openxmlformats.org/presentationml/2006/main">
+  <p:cSld>
+    <p:bg>
+      <p:bgPr>
+        <a:blipFill dpi="0" rotWithShape="1">
+          <a:blip r:embed="rId2">
+            <a:lum/>
+            <a:extLst>
+              <a:ext uri="{837473B0-CC2E-450A-ABE3-18F120FF3D39}">
+                <a1611:picAttrSrcUrl xmlns:a1611="http://schemas.microsoft.com/office/drawing/2016/11/main" r:id="rId3"/>
+              </a:ext>
+            </a:extLst>
+          </a:blip>
+          <a:srcRect/>
+          <a:stretch>
+            <a:fillRect t="-6000" b="-6000"/>
+          </a:stretch>
+        </a:blipFill>
+        <a:effectLst/>
+      </p:bgPr>
+    </p:bg>
+    <p:spTree>
+      <p:nvGrpSpPr>
+        <p:cNvPr id="1" name=""/>
+        <p:cNvGrpSpPr/>
+        <p:nvPr/>
+      </p:nvGrpSpPr>
+      <p:grpSpPr>
+        <a:xfrm>
+          <a:off x="0" y="0"/>
+          <a:ext cx="0" cy="0"/>
+          <a:chOff x="0" y="0"/>
+          <a:chExt cx="0" cy="0"/>
+        </a:xfrm>
+      </p:grpSpPr>
+      <p:sp>
+        <p:nvSpPr>
+          <p:cNvPr id="2" name="Title 1">
+            <a:extLst>
+              <a:ext uri="{FF2B5EF4-FFF2-40B4-BE49-F238E27FC236}">
+                <a16:creationId xmlns:a16="http://schemas.microsoft.com/office/drawing/2014/main" id="{9F8FC6F8-2B1B-109C-0702-1B540C8E549A}"/>
+              </a:ext>
+            </a:extLst>
+          </p:cNvPr>
+          <p:cNvSpPr>
+            <a:spLocks noGrp="1"/>
+          </p:cNvSpPr>
+          <p:nvPr>
+            <p:ph type="title"/>
+          </p:nvPr>
+        </p:nvSpPr>
+        <p:spPr>
+          <a:xfrm>
+            <a:off x="751114" y="243160"/>
+            <a:ext cx="10515600" cy="1325563"/>
+          </a:xfrm>
+        </p:spPr>
+        <p:txBody>
+          <a:bodyPr/>
+          <a:lstStyle/>
+          <a:p>
+            <a:r>
+              <a:rPr lang="en-US" dirty="0"/>
+              <a:t>East Tennessee Mental Health Resources </a:t>
+            </a:r>
+          </a:p>
+        </p:txBody>
+      </p:sp>
+      <p:sp>
+        <p:nvSpPr>
+          <p:cNvPr id="4" name="Rectangle 3">
+            <a:extLst>
+              <a:ext uri="{FF2B5EF4-FFF2-40B4-BE49-F238E27FC236}">
+                <a16:creationId xmlns:a16="http://schemas.microsoft.com/office/drawing/2014/main" id="{BDD66A68-8711-09F8-190D-10839F9700DE}"/>
+              </a:ext>
+            </a:extLst>
+          </p:cNvPr>
+          <p:cNvSpPr/>
+          <p:nvPr/>
+        </p:nvSpPr>
+        <p:spPr>
+          <a:xfrm>
+            <a:off x="751114" y="2201412"/>
+            <a:ext cx="10929257" cy="4299856"/>
+          </a:xfrm>
+          <a:prstGeom prst="rect">
+            <a:avLst/>
+          </a:prstGeom>
+          <a:solidFill>
+            <a:schemeClr val="bg1">
+              <a:lumMod val="85000"/>
+            </a:schemeClr>
+          </a:solidFill>
+          <a:ln>
+            <a:solidFill>
+              <a:schemeClr val="bg1">
+                <a:lumMod val="85000"/>
+              </a:schemeClr>
+            </a:solidFill>
+          </a:ln>
+        </p:spPr>
+        <p:style>
+          <a:lnRef idx="2">
+            <a:schemeClr val="accent1">
+              <a:shade val="15000"/>
+            </a:schemeClr>
+          </a:lnRef>
+          <a:fillRef idx="1">
+            <a:schemeClr val="accent1"/>
+          </a:fillRef>
+          <a:effectRef idx="0">
+            <a:schemeClr val="accent1"/>
+          </a:effectRef>
+          <a:fontRef idx="minor">
+            <a:schemeClr val="lt1"/>
+          </a:fontRef>
+        </p:style>
+        <p:txBody>
+          <a:bodyPr rtlCol="0" anchor="ctr"/>
+          <a:lstStyle/>
+          <a:p>
+            <a:pPr algn="ctr"/>
+            <a:endParaRPr lang="en-US" dirty="0"/>
+          </a:p>
+        </p:txBody>
+      </p:sp>
+      <p:sp>
+        <p:nvSpPr>
+          <p:cNvPr id="6" name="TextBox 5">
+            <a:extLst>
+              <a:ext uri="{FF2B5EF4-FFF2-40B4-BE49-F238E27FC236}">
+                <a16:creationId xmlns:a16="http://schemas.microsoft.com/office/drawing/2014/main" id="{C08A4A4B-ECA8-DD96-7405-99351A505CB8}"/>
+              </a:ext>
+            </a:extLst>
+          </p:cNvPr>
+          <p:cNvSpPr txBox="1"/>
+          <p:nvPr/>
+        </p:nvSpPr>
+        <p:spPr>
+          <a:xfrm>
+            <a:off x="838201" y="1448256"/>
+            <a:ext cx="9361714" cy="461665"/>
+          </a:xfrm>
+          <a:prstGeom prst="rect">
+            <a:avLst/>
+          </a:prstGeom>
+          <a:noFill/>
+        </p:spPr>
+        <p:txBody>
+          <a:bodyPr wrap="square" rtlCol="0">
+            <a:spAutoFit/>
+          </a:bodyPr>
+          <a:lstStyle/>
+          <a:p>
+            <a:r>
+              <a:rPr lang="en-US" sz="2400" dirty="0"/>
+              <a:t>Submit a New Resource</a:t>
+            </a:r>
+          </a:p>
+        </p:txBody>
+      </p:sp>
+      <p:sp>
+        <p:nvSpPr>
+          <p:cNvPr id="3" name="Rectangle 2">
+            <a:extLst>
+              <a:ext uri="{FF2B5EF4-FFF2-40B4-BE49-F238E27FC236}">
+                <a16:creationId xmlns:a16="http://schemas.microsoft.com/office/drawing/2014/main" id="{10D42734-9C0E-75DF-3C27-71FC3DDF96B5}"/>
+              </a:ext>
+            </a:extLst>
+          </p:cNvPr>
+          <p:cNvSpPr/>
+          <p:nvPr/>
+        </p:nvSpPr>
+        <p:spPr>
+          <a:xfrm>
+            <a:off x="1034143" y="2460171"/>
+            <a:ext cx="10406743" cy="3788229"/>
+          </a:xfrm>
+          <a:prstGeom prst="rect">
+            <a:avLst/>
+          </a:prstGeom>
+          <a:solidFill>
+            <a:schemeClr val="bg1"/>
+          </a:solidFill>
+        </p:spPr>
+        <p:style>
+          <a:lnRef idx="2">
+            <a:schemeClr val="accent1">
+              <a:shade val="15000"/>
+            </a:schemeClr>
+          </a:lnRef>
+          <a:fillRef idx="1">
+            <a:schemeClr val="accent1"/>
+          </a:fillRef>
+          <a:effectRef idx="0">
+            <a:schemeClr val="accent1"/>
+          </a:effectRef>
+          <a:fontRef idx="minor">
+            <a:schemeClr val="lt1"/>
+          </a:fontRef>
+        </p:style>
+        <p:txBody>
+          <a:bodyPr rtlCol="0" anchor="ctr"/>
+          <a:lstStyle/>
+          <a:p>
+            <a:pPr algn="ctr"/>
+            <a:endParaRPr lang="en-US" dirty="0"/>
+          </a:p>
+        </p:txBody>
+      </p:sp>
+      <p:sp>
+        <p:nvSpPr>
+          <p:cNvPr id="5" name="TextBox 4">
+            <a:extLst>
+              <a:ext uri="{FF2B5EF4-FFF2-40B4-BE49-F238E27FC236}">
+                <a16:creationId xmlns:a16="http://schemas.microsoft.com/office/drawing/2014/main" id="{1FB10AA4-B667-CD10-BDFB-974BAA362B07}"/>
+              </a:ext>
+            </a:extLst>
+          </p:cNvPr>
+          <p:cNvSpPr txBox="1"/>
+          <p:nvPr/>
+        </p:nvSpPr>
+        <p:spPr>
+          <a:xfrm>
+            <a:off x="1148443" y="2575324"/>
+            <a:ext cx="9895114" cy="369332"/>
+          </a:xfrm>
+          <a:prstGeom prst="rect">
+            <a:avLst/>
+          </a:prstGeom>
+          <a:noFill/>
+        </p:spPr>
+        <p:txBody>
+          <a:bodyPr wrap="square" rtlCol="0">
+            <a:spAutoFit/>
+          </a:bodyPr>
+          <a:lstStyle/>
+          <a:p>
+            <a:r>
+              <a:rPr lang="en-US" dirty="0"/>
+              <a:t>What type of resource do you want to submit?</a:t>
+            </a:r>
+          </a:p>
+        </p:txBody>
+      </p:sp>
+      <p:sp>
+        <p:nvSpPr>
+          <p:cNvPr id="7" name="Rectangle 6">
+            <a:extLst>
+              <a:ext uri="{FF2B5EF4-FFF2-40B4-BE49-F238E27FC236}">
+                <a16:creationId xmlns:a16="http://schemas.microsoft.com/office/drawing/2014/main" id="{50153D0C-E696-4DE9-486F-D57DC3390C62}"/>
+              </a:ext>
+            </a:extLst>
+          </p:cNvPr>
+          <p:cNvSpPr/>
+          <p:nvPr/>
+        </p:nvSpPr>
+        <p:spPr>
+          <a:xfrm>
+            <a:off x="1241329" y="3044728"/>
+            <a:ext cx="3777238" cy="446315"/>
+          </a:xfrm>
+          <a:prstGeom prst="rect">
+            <a:avLst/>
+          </a:prstGeom>
+          <a:solidFill>
+            <a:schemeClr val="bg1"/>
+          </a:solidFill>
+        </p:spPr>
+        <p:style>
+          <a:lnRef idx="2">
+            <a:schemeClr val="accent1">
+              <a:shade val="15000"/>
+            </a:schemeClr>
+          </a:lnRef>
+          <a:fillRef idx="1">
+            <a:schemeClr val="accent1"/>
+          </a:fillRef>
+          <a:effectRef idx="0">
+            <a:schemeClr val="accent1"/>
+          </a:effectRef>
+          <a:fontRef idx="minor">
+            <a:schemeClr val="lt1"/>
+          </a:fontRef>
+        </p:style>
+        <p:txBody>
+          <a:bodyPr rtlCol="0" anchor="ctr"/>
+          <a:lstStyle/>
+          <a:p>
+            <a:pPr algn="ctr"/>
+            <a:endParaRPr lang="en-US" dirty="0"/>
+          </a:p>
+        </p:txBody>
+      </p:sp>
+      <p:sp>
+        <p:nvSpPr>
+          <p:cNvPr id="8" name="TextBox 7">
+            <a:extLst>
+              <a:ext uri="{FF2B5EF4-FFF2-40B4-BE49-F238E27FC236}">
+                <a16:creationId xmlns:a16="http://schemas.microsoft.com/office/drawing/2014/main" id="{C1B478F8-D918-4974-83B7-494472637168}"/>
+              </a:ext>
+            </a:extLst>
+          </p:cNvPr>
+          <p:cNvSpPr txBox="1"/>
+          <p:nvPr/>
+        </p:nvSpPr>
+        <p:spPr>
+          <a:xfrm>
+            <a:off x="1306743" y="3091883"/>
+            <a:ext cx="2556419" cy="369332"/>
+          </a:xfrm>
+          <a:prstGeom prst="rect">
+            <a:avLst/>
+          </a:prstGeom>
+          <a:solidFill>
+            <a:schemeClr val="bg1"/>
+          </a:solidFill>
+        </p:spPr>
+        <p:txBody>
+          <a:bodyPr wrap="square" rtlCol="0">
+            <a:spAutoFit/>
+          </a:bodyPr>
+          <a:lstStyle/>
+          <a:p>
+            <a:r>
+              <a:rPr lang="en-US" dirty="0"/>
+              <a:t>Search Resource Types</a:t>
+            </a:r>
+          </a:p>
+        </p:txBody>
+      </p:sp>
+      <p:sp>
+        <p:nvSpPr>
+          <p:cNvPr id="11" name="Rectangle 10">
+            <a:extLst>
+              <a:ext uri="{FF2B5EF4-FFF2-40B4-BE49-F238E27FC236}">
+                <a16:creationId xmlns:a16="http://schemas.microsoft.com/office/drawing/2014/main" id="{4A325397-ED75-0FAE-C493-4EFB0726B218}"/>
+              </a:ext>
+            </a:extLst>
+          </p:cNvPr>
+          <p:cNvSpPr/>
+          <p:nvPr/>
+        </p:nvSpPr>
+        <p:spPr>
+          <a:xfrm>
+            <a:off x="4024987" y="3124974"/>
+            <a:ext cx="883299" cy="285822"/>
+          </a:xfrm>
+          <a:prstGeom prst="rect">
+            <a:avLst/>
+          </a:prstGeom>
+        </p:spPr>
+        <p:style>
+          <a:lnRef idx="2">
+            <a:schemeClr val="accent1">
+              <a:shade val="15000"/>
+            </a:schemeClr>
+          </a:lnRef>
+          <a:fillRef idx="1">
+            <a:schemeClr val="accent1"/>
+          </a:fillRef>
+          <a:effectRef idx="0">
+            <a:schemeClr val="accent1"/>
+          </a:effectRef>
+          <a:fontRef idx="minor">
+            <a:schemeClr val="lt1"/>
+          </a:fontRef>
+        </p:style>
+        <p:txBody>
+          <a:bodyPr rtlCol="0" anchor="ctr"/>
+          <a:lstStyle/>
+          <a:p>
+            <a:pPr algn="ctr"/>
+            <a:endParaRPr lang="en-US"/>
+          </a:p>
+        </p:txBody>
+      </p:sp>
+      <p:sp>
+        <p:nvSpPr>
+          <p:cNvPr id="10" name="TextBox 9">
+            <a:extLst>
+              <a:ext uri="{FF2B5EF4-FFF2-40B4-BE49-F238E27FC236}">
+                <a16:creationId xmlns:a16="http://schemas.microsoft.com/office/drawing/2014/main" id="{3285B259-8C35-EFE1-42AD-47FF24C4C84E}"/>
+              </a:ext>
+            </a:extLst>
+          </p:cNvPr>
+          <p:cNvSpPr txBox="1"/>
+          <p:nvPr/>
+        </p:nvSpPr>
+        <p:spPr>
+          <a:xfrm>
+            <a:off x="4024987" y="3091883"/>
+            <a:ext cx="942532" cy="369332"/>
+          </a:xfrm>
+          <a:prstGeom prst="rect">
+            <a:avLst/>
+          </a:prstGeom>
+          <a:noFill/>
+        </p:spPr>
+        <p:txBody>
+          <a:bodyPr wrap="square" rtlCol="0">
+            <a:spAutoFit/>
+          </a:bodyPr>
+          <a:lstStyle/>
+          <a:p>
+            <a:r>
+              <a:rPr lang="en-US" dirty="0">
+                <a:solidFill>
+                  <a:schemeClr val="bg1"/>
+                </a:solidFill>
+              </a:rPr>
+              <a:t>Search</a:t>
+            </a:r>
+          </a:p>
+        </p:txBody>
+      </p:sp>
+      <p:sp>
+        <p:nvSpPr>
+          <p:cNvPr id="14" name="TextBox 13">
+            <a:extLst>
+              <a:ext uri="{FF2B5EF4-FFF2-40B4-BE49-F238E27FC236}">
+                <a16:creationId xmlns:a16="http://schemas.microsoft.com/office/drawing/2014/main" id="{05C40C7D-BCF5-0DD3-E3D1-DCFE195D975F}"/>
+              </a:ext>
+            </a:extLst>
+          </p:cNvPr>
+          <p:cNvSpPr txBox="1"/>
+          <p:nvPr/>
+        </p:nvSpPr>
+        <p:spPr>
+          <a:xfrm>
+            <a:off x="2306828" y="3577010"/>
+            <a:ext cx="961271" cy="369332"/>
+          </a:xfrm>
+          <a:prstGeom prst="rect">
+            <a:avLst/>
+          </a:prstGeom>
+          <a:noFill/>
+        </p:spPr>
+        <p:txBody>
+          <a:bodyPr wrap="square" rtlCol="0">
+            <a:spAutoFit/>
+          </a:bodyPr>
+          <a:lstStyle/>
+          <a:p>
+            <a:r>
+              <a:rPr lang="en-US" dirty="0">
+                <a:solidFill>
+                  <a:schemeClr val="bg1"/>
+                </a:solidFill>
+              </a:rPr>
+              <a:t>Search</a:t>
+            </a:r>
+          </a:p>
+        </p:txBody>
+      </p:sp>
+      <p:sp>
+        <p:nvSpPr>
+          <p:cNvPr id="16" name="Rectangle 15">
+            <a:extLst>
+              <a:ext uri="{FF2B5EF4-FFF2-40B4-BE49-F238E27FC236}">
+                <a16:creationId xmlns:a16="http://schemas.microsoft.com/office/drawing/2014/main" id="{4A5D7CC8-E940-DC9A-A5AF-051BCA4C0A3C}"/>
+              </a:ext>
+            </a:extLst>
+          </p:cNvPr>
+          <p:cNvSpPr/>
+          <p:nvPr/>
+        </p:nvSpPr>
+        <p:spPr>
+          <a:xfrm>
+            <a:off x="1241329" y="3577010"/>
+            <a:ext cx="3777238" cy="2499699"/>
+          </a:xfrm>
+          <a:prstGeom prst="rect">
+            <a:avLst/>
+          </a:prstGeom>
+          <a:solidFill>
+            <a:schemeClr val="bg1"/>
+          </a:solidFill>
+        </p:spPr>
+        <p:style>
+          <a:lnRef idx="2">
+            <a:schemeClr val="accent1">
+              <a:shade val="15000"/>
+            </a:schemeClr>
+          </a:lnRef>
+          <a:fillRef idx="1">
+            <a:schemeClr val="accent1"/>
+          </a:fillRef>
+          <a:effectRef idx="0">
+            <a:schemeClr val="accent1"/>
+          </a:effectRef>
+          <a:fontRef idx="minor">
+            <a:schemeClr val="lt1"/>
+          </a:fontRef>
+        </p:style>
+        <p:txBody>
+          <a:bodyPr rtlCol="0" anchor="ctr"/>
+          <a:lstStyle/>
+          <a:p>
+            <a:pPr algn="ctr"/>
+            <a:endParaRPr lang="en-US"/>
+          </a:p>
+        </p:txBody>
+      </p:sp>
+      <p:sp>
+        <p:nvSpPr>
+          <p:cNvPr id="17" name="TextBox 16">
+            <a:extLst>
+              <a:ext uri="{FF2B5EF4-FFF2-40B4-BE49-F238E27FC236}">
+                <a16:creationId xmlns:a16="http://schemas.microsoft.com/office/drawing/2014/main" id="{74610DF2-1102-D3FC-194F-3D05B1A47ED9}"/>
+              </a:ext>
+            </a:extLst>
+          </p:cNvPr>
+          <p:cNvSpPr txBox="1"/>
+          <p:nvPr/>
+        </p:nvSpPr>
+        <p:spPr>
+          <a:xfrm>
+            <a:off x="1377387" y="3704368"/>
+            <a:ext cx="3530899" cy="1477328"/>
+          </a:xfrm>
+          <a:prstGeom prst="rect">
+            <a:avLst/>
+          </a:prstGeom>
+          <a:noFill/>
+        </p:spPr>
+        <p:txBody>
+          <a:bodyPr wrap="square" rtlCol="0">
+            <a:spAutoFit/>
+          </a:bodyPr>
+          <a:lstStyle/>
+          <a:p>
+            <a:pPr marL="285750" indent="-285750">
+              <a:buFont typeface="Wingdings" panose="05000000000000000000" pitchFamily="2" charset="2"/>
+              <a:buChar char="q"/>
+            </a:pPr>
+            <a:r>
+              <a:rPr lang="en-US" dirty="0"/>
+              <a:t>Therapist</a:t>
+            </a:r>
+          </a:p>
+          <a:p>
+            <a:pPr marL="285750" indent="-285750">
+              <a:buFont typeface="Wingdings" panose="05000000000000000000" pitchFamily="2" charset="2"/>
+              <a:buChar char="q"/>
+            </a:pPr>
+            <a:r>
+              <a:rPr lang="en-US" dirty="0"/>
+              <a:t>Medication Management </a:t>
+            </a:r>
+          </a:p>
+          <a:p>
+            <a:pPr marL="285750" indent="-285750">
+              <a:buFont typeface="Wingdings" panose="05000000000000000000" pitchFamily="2" charset="2"/>
+              <a:buChar char="q"/>
+            </a:pPr>
+            <a:r>
+              <a:rPr lang="en-US" dirty="0"/>
+              <a:t>Inpatient Facility</a:t>
+            </a:r>
+          </a:p>
+          <a:p>
+            <a:pPr marL="285750" indent="-285750">
+              <a:buFont typeface="Wingdings" panose="05000000000000000000" pitchFamily="2" charset="2"/>
+              <a:buChar char="q"/>
+            </a:pPr>
+            <a:r>
+              <a:rPr lang="en-US" dirty="0"/>
+              <a:t> Outpatient Program</a:t>
+            </a:r>
+          </a:p>
+          <a:p>
+            <a:pPr marL="285750" indent="-285750">
+              <a:buFont typeface="Wingdings" panose="05000000000000000000" pitchFamily="2" charset="2"/>
+              <a:buChar char="q"/>
+            </a:pPr>
+            <a:r>
+              <a:rPr lang="en-US" dirty="0"/>
+              <a:t>Student Related Resource</a:t>
+            </a:r>
+          </a:p>
+        </p:txBody>
+      </p:sp>
+      <p:sp>
+        <p:nvSpPr>
+          <p:cNvPr id="9" name="Rectangle 8">
+            <a:extLst>
+              <a:ext uri="{FF2B5EF4-FFF2-40B4-BE49-F238E27FC236}">
+                <a16:creationId xmlns:a16="http://schemas.microsoft.com/office/drawing/2014/main" id="{C82BDD37-F49B-11C8-D38B-919F540795A3}"/>
+              </a:ext>
+            </a:extLst>
+          </p:cNvPr>
+          <p:cNvSpPr/>
+          <p:nvPr/>
+        </p:nvSpPr>
+        <p:spPr>
+          <a:xfrm>
+            <a:off x="5365898" y="3044728"/>
+            <a:ext cx="5677659" cy="3031980"/>
+          </a:xfrm>
+          <a:prstGeom prst="rect">
+            <a:avLst/>
+          </a:prstGeom>
+          <a:solidFill>
+            <a:schemeClr val="bg1"/>
+          </a:solidFill>
+        </p:spPr>
+        <p:style>
+          <a:lnRef idx="2">
+            <a:schemeClr val="accent1">
+              <a:shade val="15000"/>
+            </a:schemeClr>
+          </a:lnRef>
+          <a:fillRef idx="1">
+            <a:schemeClr val="accent1"/>
+          </a:fillRef>
+          <a:effectRef idx="0">
+            <a:schemeClr val="accent1"/>
+          </a:effectRef>
+          <a:fontRef idx="minor">
+            <a:schemeClr val="lt1"/>
+          </a:fontRef>
+        </p:style>
+        <p:txBody>
+          <a:bodyPr rtlCol="0" anchor="ctr"/>
+          <a:lstStyle/>
+          <a:p>
+            <a:pPr algn="ctr"/>
+            <a:endParaRPr lang="en-US" dirty="0"/>
+          </a:p>
+        </p:txBody>
+      </p:sp>
+      <p:pic>
+        <p:nvPicPr>
+          <p:cNvPr id="12" name="Picture 11" descr="A black check mark on a white background&#10;&#10;Description automatically generated">
+            <a:extLst>
+              <a:ext uri="{FF2B5EF4-FFF2-40B4-BE49-F238E27FC236}">
+                <a16:creationId xmlns:a16="http://schemas.microsoft.com/office/drawing/2014/main" id="{D0C8ECAE-3CBD-1DD9-79E8-60FFB551B5C6}"/>
+              </a:ext>
+            </a:extLst>
+          </p:cNvPr>
+          <p:cNvPicPr>
+            <a:picLocks noChangeAspect="1"/>
+          </p:cNvPicPr>
+          <p:nvPr/>
+        </p:nvPicPr>
+        <p:blipFill>
+          <a:blip r:embed="rId4">
+            <a:extLst>
+              <a:ext uri="{28A0092B-C50C-407E-A947-70E740481C1C}">
+                <a14:useLocalDpi xmlns:a14="http://schemas.microsoft.com/office/drawing/2010/main" val="0"/>
+              </a:ext>
+              <a:ext uri="{837473B0-CC2E-450A-ABE3-18F120FF3D39}">
+                <a1611:picAttrSrcUrl xmlns:a1611="http://schemas.microsoft.com/office/drawing/2016/11/main" r:id="rId5"/>
+              </a:ext>
+            </a:extLst>
+          </a:blip>
+          <a:stretch>
+            <a:fillRect/>
+          </a:stretch>
+        </p:blipFill>
+        <p:spPr>
+          <a:xfrm>
+            <a:off x="1519076" y="3761676"/>
+            <a:ext cx="162046" cy="162046"/>
+          </a:xfrm>
+          <a:prstGeom prst="rect">
+            <a:avLst/>
+          </a:prstGeom>
+        </p:spPr>
+      </p:pic>
+      <p:sp>
+        <p:nvSpPr>
+          <p:cNvPr id="13" name="TextBox 12">
+            <a:extLst>
+              <a:ext uri="{FF2B5EF4-FFF2-40B4-BE49-F238E27FC236}">
+                <a16:creationId xmlns:a16="http://schemas.microsoft.com/office/drawing/2014/main" id="{E825F658-78DA-9BB5-154C-F203148C0CEA}"/>
+              </a:ext>
+            </a:extLst>
+          </p:cNvPr>
+          <p:cNvSpPr txBox="1"/>
+          <p:nvPr/>
+        </p:nvSpPr>
+        <p:spPr>
+          <a:xfrm>
+            <a:off x="5691963" y="3124974"/>
+            <a:ext cx="5122650" cy="369332"/>
+          </a:xfrm>
+          <a:prstGeom prst="rect">
+            <a:avLst/>
+          </a:prstGeom>
+          <a:noFill/>
+        </p:spPr>
+        <p:txBody>
+          <a:bodyPr wrap="square" rtlCol="0">
+            <a:spAutoFit/>
+          </a:bodyPr>
+          <a:lstStyle/>
+          <a:p>
+            <a:r>
+              <a:rPr lang="en-US" dirty="0"/>
+              <a:t>Submit a Therapist</a:t>
+            </a:r>
+          </a:p>
+        </p:txBody>
+      </p:sp>
+      <p:sp>
+        <p:nvSpPr>
+          <p:cNvPr id="15" name="TextBox 14">
+            <a:extLst>
+              <a:ext uri="{FF2B5EF4-FFF2-40B4-BE49-F238E27FC236}">
+                <a16:creationId xmlns:a16="http://schemas.microsoft.com/office/drawing/2014/main" id="{AD36B782-291C-7175-1CAF-D831E1FC7173}"/>
+              </a:ext>
+            </a:extLst>
+          </p:cNvPr>
+          <p:cNvSpPr txBox="1"/>
+          <p:nvPr/>
+        </p:nvSpPr>
+        <p:spPr>
+          <a:xfrm>
+            <a:off x="5837727" y="3577009"/>
+            <a:ext cx="1853157" cy="369332"/>
+          </a:xfrm>
+          <a:prstGeom prst="rect">
+            <a:avLst/>
+          </a:prstGeom>
+          <a:noFill/>
+        </p:spPr>
+        <p:txBody>
+          <a:bodyPr wrap="square" rtlCol="0">
+            <a:spAutoFit/>
+          </a:bodyPr>
+          <a:lstStyle/>
+          <a:p>
+            <a:endParaRPr lang="en-US" dirty="0"/>
+          </a:p>
+        </p:txBody>
+      </p:sp>
+      <p:sp>
+        <p:nvSpPr>
+          <p:cNvPr id="23" name="Rectangle 22">
+            <a:extLst>
+              <a:ext uri="{FF2B5EF4-FFF2-40B4-BE49-F238E27FC236}">
+                <a16:creationId xmlns:a16="http://schemas.microsoft.com/office/drawing/2014/main" id="{8426E3FC-90D3-B7AB-4C26-580E166AA25C}"/>
+              </a:ext>
+            </a:extLst>
+          </p:cNvPr>
+          <p:cNvSpPr/>
+          <p:nvPr/>
+        </p:nvSpPr>
+        <p:spPr>
+          <a:xfrm>
+            <a:off x="5794816" y="3577009"/>
+            <a:ext cx="3870064" cy="293242"/>
+          </a:xfrm>
+          <a:prstGeom prst="rect">
+            <a:avLst/>
+          </a:prstGeom>
+          <a:solidFill>
+            <a:schemeClr val="bg1"/>
+          </a:solidFill>
+        </p:spPr>
+        <p:style>
+          <a:lnRef idx="2">
+            <a:schemeClr val="accent1">
+              <a:shade val="15000"/>
+            </a:schemeClr>
+          </a:lnRef>
+          <a:fillRef idx="1">
+            <a:schemeClr val="accent1"/>
+          </a:fillRef>
+          <a:effectRef idx="0">
+            <a:schemeClr val="accent1"/>
+          </a:effectRef>
+          <a:fontRef idx="minor">
+            <a:schemeClr val="lt1"/>
+          </a:fontRef>
+        </p:style>
+        <p:txBody>
+          <a:bodyPr rtlCol="0" anchor="ctr"/>
+          <a:lstStyle/>
+          <a:p>
+            <a:pPr algn="ctr"/>
+            <a:r>
+              <a:rPr lang="en-US" dirty="0">
+                <a:solidFill>
+                  <a:schemeClr val="tx1"/>
+                </a:solidFill>
+              </a:rPr>
+              <a:t>Associated Practice</a:t>
+            </a:r>
+          </a:p>
+        </p:txBody>
+      </p:sp>
+      <p:sp>
+        <p:nvSpPr>
+          <p:cNvPr id="24" name="TextBox 23">
+            <a:extLst>
+              <a:ext uri="{FF2B5EF4-FFF2-40B4-BE49-F238E27FC236}">
+                <a16:creationId xmlns:a16="http://schemas.microsoft.com/office/drawing/2014/main" id="{E483C201-069A-F010-C6AD-0F5B4A1F07E5}"/>
+              </a:ext>
+            </a:extLst>
+          </p:cNvPr>
+          <p:cNvSpPr txBox="1"/>
+          <p:nvPr/>
+        </p:nvSpPr>
+        <p:spPr>
+          <a:xfrm>
+            <a:off x="5728717" y="4134862"/>
+            <a:ext cx="1793086" cy="307777"/>
+          </a:xfrm>
+          <a:prstGeom prst="rect">
+            <a:avLst/>
+          </a:prstGeom>
+          <a:noFill/>
+        </p:spPr>
+        <p:txBody>
+          <a:bodyPr wrap="square" rtlCol="0">
+            <a:spAutoFit/>
+          </a:bodyPr>
+          <a:lstStyle/>
+          <a:p>
+            <a:r>
+              <a:rPr lang="en-US" sz="1400" dirty="0"/>
+              <a:t>Accepts Insurance </a:t>
+            </a:r>
+          </a:p>
+        </p:txBody>
+      </p:sp>
+      <p:grpSp>
+        <p:nvGrpSpPr>
+          <p:cNvPr id="18" name="Group 17">
+            <a:extLst>
+              <a:ext uri="{FF2B5EF4-FFF2-40B4-BE49-F238E27FC236}">
+                <a16:creationId xmlns:a16="http://schemas.microsoft.com/office/drawing/2014/main" id="{0041D33B-E083-CDFD-2F14-42A45A60359B}"/>
+              </a:ext>
+            </a:extLst>
+          </p:cNvPr>
+          <p:cNvGrpSpPr/>
+          <p:nvPr/>
+        </p:nvGrpSpPr>
+        <p:grpSpPr>
+          <a:xfrm>
+            <a:off x="5804550" y="4527981"/>
+            <a:ext cx="1641419" cy="296999"/>
+            <a:chOff x="5728717" y="5613709"/>
+            <a:chExt cx="1641419" cy="296999"/>
+          </a:xfrm>
+        </p:grpSpPr>
+        <p:sp>
+          <p:nvSpPr>
+            <p:cNvPr id="25" name="Rectangle 24">
+              <a:extLst>
+                <a:ext uri="{FF2B5EF4-FFF2-40B4-BE49-F238E27FC236}">
+                  <a16:creationId xmlns:a16="http://schemas.microsoft.com/office/drawing/2014/main" id="{D0617928-D197-877D-62E5-DADF3741167D}"/>
+                </a:ext>
+              </a:extLst>
+            </p:cNvPr>
+            <p:cNvSpPr/>
+            <p:nvPr/>
+          </p:nvSpPr>
+          <p:spPr>
+            <a:xfrm>
+              <a:off x="5728717" y="5633709"/>
+              <a:ext cx="217497" cy="169848"/>
+            </a:xfrm>
+            <a:prstGeom prst="rect">
+              <a:avLst/>
+            </a:prstGeom>
+            <a:solidFill>
+              <a:schemeClr val="bg1"/>
+            </a:solidFill>
+          </p:spPr>
+          <p:style>
+            <a:lnRef idx="2">
+              <a:schemeClr val="accent1">
+                <a:shade val="15000"/>
+              </a:schemeClr>
+            </a:lnRef>
+            <a:fillRef idx="1">
+              <a:schemeClr val="accent1"/>
+            </a:fillRef>
+            <a:effectRef idx="0">
+              <a:schemeClr val="accent1"/>
+            </a:effectRef>
+            <a:fontRef idx="minor">
+              <a:schemeClr val="lt1"/>
+            </a:fontRef>
+          </p:style>
+          <p:txBody>
+            <a:bodyPr rtlCol="0" anchor="ctr"/>
+            <a:lstStyle/>
+            <a:p>
+              <a:pPr algn="ctr"/>
+              <a:endParaRPr lang="en-US"/>
+            </a:p>
+          </p:txBody>
+        </p:sp>
+        <p:sp>
+          <p:nvSpPr>
+            <p:cNvPr id="26" name="Rectangle 25">
+              <a:extLst>
+                <a:ext uri="{FF2B5EF4-FFF2-40B4-BE49-F238E27FC236}">
+                  <a16:creationId xmlns:a16="http://schemas.microsoft.com/office/drawing/2014/main" id="{91A66EE5-4A43-C51C-B659-2D7C0FCCC434}"/>
+                </a:ext>
+              </a:extLst>
+            </p:cNvPr>
+            <p:cNvSpPr/>
+            <p:nvPr/>
+          </p:nvSpPr>
+          <p:spPr>
+            <a:xfrm>
+              <a:off x="6597784" y="5644345"/>
+              <a:ext cx="217497" cy="169848"/>
+            </a:xfrm>
+            <a:prstGeom prst="rect">
+              <a:avLst/>
+            </a:prstGeom>
+            <a:solidFill>
+              <a:schemeClr val="bg1"/>
+            </a:solidFill>
+          </p:spPr>
+          <p:style>
+            <a:lnRef idx="2">
+              <a:schemeClr val="accent1">
+                <a:shade val="15000"/>
+              </a:schemeClr>
+            </a:lnRef>
+            <a:fillRef idx="1">
+              <a:schemeClr val="accent1"/>
+            </a:fillRef>
+            <a:effectRef idx="0">
+              <a:schemeClr val="accent1"/>
+            </a:effectRef>
+            <a:fontRef idx="minor">
+              <a:schemeClr val="lt1"/>
+            </a:fontRef>
+          </p:style>
+          <p:txBody>
+            <a:bodyPr rtlCol="0" anchor="ctr"/>
+            <a:lstStyle/>
+            <a:p>
+              <a:pPr algn="ctr"/>
+              <a:endParaRPr lang="en-US"/>
+            </a:p>
+          </p:txBody>
+        </p:sp>
+        <p:sp>
+          <p:nvSpPr>
+            <p:cNvPr id="27" name="TextBox 26">
+              <a:extLst>
+                <a:ext uri="{FF2B5EF4-FFF2-40B4-BE49-F238E27FC236}">
+                  <a16:creationId xmlns:a16="http://schemas.microsoft.com/office/drawing/2014/main" id="{55FFA73F-FCB4-6DC8-22D6-83289CA89884}"/>
+                </a:ext>
+              </a:extLst>
+            </p:cNvPr>
+            <p:cNvSpPr txBox="1"/>
+            <p:nvPr/>
+          </p:nvSpPr>
+          <p:spPr>
+            <a:xfrm>
+              <a:off x="6102057" y="5633709"/>
+              <a:ext cx="425302" cy="276999"/>
+            </a:xfrm>
+            <a:prstGeom prst="rect">
+              <a:avLst/>
+            </a:prstGeom>
+            <a:noFill/>
+          </p:spPr>
+          <p:txBody>
+            <a:bodyPr wrap="square" rtlCol="0">
+              <a:spAutoFit/>
+            </a:bodyPr>
+            <a:lstStyle/>
+            <a:p>
+              <a:r>
+                <a:rPr lang="en-US" sz="1200" dirty="0"/>
+                <a:t>Yes</a:t>
+              </a:r>
+            </a:p>
+          </p:txBody>
+        </p:sp>
+        <p:sp>
+          <p:nvSpPr>
+            <p:cNvPr id="28" name="TextBox 27">
+              <a:extLst>
+                <a:ext uri="{FF2B5EF4-FFF2-40B4-BE49-F238E27FC236}">
+                  <a16:creationId xmlns:a16="http://schemas.microsoft.com/office/drawing/2014/main" id="{1765729D-361D-99C0-53DF-61383DE36533}"/>
+                </a:ext>
+              </a:extLst>
+            </p:cNvPr>
+            <p:cNvSpPr txBox="1"/>
+            <p:nvPr/>
+          </p:nvSpPr>
+          <p:spPr>
+            <a:xfrm>
+              <a:off x="6944834" y="5613709"/>
+              <a:ext cx="425302" cy="276999"/>
+            </a:xfrm>
+            <a:prstGeom prst="rect">
+              <a:avLst/>
+            </a:prstGeom>
+            <a:noFill/>
+          </p:spPr>
+          <p:txBody>
+            <a:bodyPr wrap="square" rtlCol="0">
+              <a:spAutoFit/>
+            </a:bodyPr>
+            <a:lstStyle/>
+            <a:p>
+              <a:r>
+                <a:rPr lang="en-US" sz="1200" dirty="0"/>
+                <a:t>No</a:t>
+              </a:r>
+            </a:p>
+          </p:txBody>
+        </p:sp>
+      </p:grpSp>
+      <p:sp>
+        <p:nvSpPr>
+          <p:cNvPr id="30" name="Rectangle 29">
+            <a:extLst>
+              <a:ext uri="{FF2B5EF4-FFF2-40B4-BE49-F238E27FC236}">
+                <a16:creationId xmlns:a16="http://schemas.microsoft.com/office/drawing/2014/main" id="{416E0233-3956-E96A-B4EE-D5F7FB354E49}"/>
+              </a:ext>
+            </a:extLst>
+          </p:cNvPr>
+          <p:cNvSpPr/>
+          <p:nvPr/>
+        </p:nvSpPr>
+        <p:spPr>
+          <a:xfrm>
+            <a:off x="10837963" y="3044728"/>
+            <a:ext cx="205594" cy="3015083"/>
+          </a:xfrm>
+          <a:prstGeom prst="rect">
+            <a:avLst/>
+          </a:prstGeom>
+          <a:solidFill>
+            <a:schemeClr val="bg1"/>
+          </a:solidFill>
+        </p:spPr>
+        <p:style>
+          <a:lnRef idx="2">
+            <a:schemeClr val="accent1">
+              <a:shade val="15000"/>
+            </a:schemeClr>
+          </a:lnRef>
+          <a:fillRef idx="1">
+            <a:schemeClr val="accent1"/>
+          </a:fillRef>
+          <a:effectRef idx="0">
+            <a:schemeClr val="accent1"/>
+          </a:effectRef>
+          <a:fontRef idx="minor">
+            <a:schemeClr val="lt1"/>
+          </a:fontRef>
+        </p:style>
+        <p:txBody>
+          <a:bodyPr rtlCol="0" anchor="ctr"/>
+          <a:lstStyle/>
+          <a:p>
+            <a:pPr algn="ctr"/>
+            <a:endParaRPr lang="en-US"/>
+          </a:p>
+        </p:txBody>
+      </p:sp>
+      <p:sp>
+        <p:nvSpPr>
+          <p:cNvPr id="31" name="Rectangle 30">
+            <a:extLst>
+              <a:ext uri="{FF2B5EF4-FFF2-40B4-BE49-F238E27FC236}">
+                <a16:creationId xmlns:a16="http://schemas.microsoft.com/office/drawing/2014/main" id="{AF2B3340-1A44-B2AD-BE6B-CC044A76430C}"/>
+              </a:ext>
+            </a:extLst>
+          </p:cNvPr>
+          <p:cNvSpPr/>
+          <p:nvPr/>
+        </p:nvSpPr>
+        <p:spPr>
+          <a:xfrm>
+            <a:off x="10841754" y="3382088"/>
+            <a:ext cx="201803" cy="644559"/>
+          </a:xfrm>
+          <a:prstGeom prst="rect">
+            <a:avLst/>
+          </a:prstGeom>
+        </p:spPr>
+        <p:style>
+          <a:lnRef idx="2">
+            <a:schemeClr val="accent1">
+              <a:shade val="15000"/>
+            </a:schemeClr>
+          </a:lnRef>
+          <a:fillRef idx="1">
+            <a:schemeClr val="accent1"/>
+          </a:fillRef>
+          <a:effectRef idx="0">
+            <a:schemeClr val="accent1"/>
+          </a:effectRef>
+          <a:fontRef idx="minor">
+            <a:schemeClr val="lt1"/>
+          </a:fontRef>
+        </p:style>
+        <p:txBody>
+          <a:bodyPr rtlCol="0" anchor="ctr"/>
+          <a:lstStyle/>
+          <a:p>
+            <a:pPr algn="ctr"/>
+            <a:endParaRPr lang="en-US"/>
+          </a:p>
+        </p:txBody>
+      </p:sp>
+      <p:sp>
+        <p:nvSpPr>
+          <p:cNvPr id="29" name="TextBox 28">
+            <a:extLst>
+              <a:ext uri="{FF2B5EF4-FFF2-40B4-BE49-F238E27FC236}">
+                <a16:creationId xmlns:a16="http://schemas.microsoft.com/office/drawing/2014/main" id="{4220DB73-1F1B-806C-F96B-8A42E5835650}"/>
+              </a:ext>
+            </a:extLst>
+          </p:cNvPr>
+          <p:cNvSpPr txBox="1"/>
+          <p:nvPr/>
+        </p:nvSpPr>
+        <p:spPr>
+          <a:xfrm>
+            <a:off x="7797209" y="4134862"/>
+            <a:ext cx="2587256" cy="369332"/>
+          </a:xfrm>
+          <a:prstGeom prst="rect">
+            <a:avLst/>
+          </a:prstGeom>
+          <a:noFill/>
+        </p:spPr>
+        <p:txBody>
+          <a:bodyPr wrap="square" rtlCol="0">
+            <a:spAutoFit/>
+          </a:bodyPr>
+          <a:lstStyle/>
+          <a:p>
+            <a:r>
+              <a:rPr lang="en-US" dirty="0"/>
+              <a:t>Select Specialties</a:t>
+            </a:r>
+          </a:p>
+        </p:txBody>
+      </p:sp>
+      <p:sp>
+        <p:nvSpPr>
+          <p:cNvPr id="32" name="Rectangle 31">
+            <a:extLst>
+              <a:ext uri="{FF2B5EF4-FFF2-40B4-BE49-F238E27FC236}">
+                <a16:creationId xmlns:a16="http://schemas.microsoft.com/office/drawing/2014/main" id="{E7263CE6-5151-34B3-B260-98A9D194D296}"/>
+              </a:ext>
+            </a:extLst>
+          </p:cNvPr>
+          <p:cNvSpPr/>
+          <p:nvPr/>
+        </p:nvSpPr>
+        <p:spPr>
+          <a:xfrm>
+            <a:off x="7931888" y="4527981"/>
+            <a:ext cx="2508746" cy="1548727"/>
+          </a:xfrm>
+          <a:prstGeom prst="rect">
+            <a:avLst/>
+          </a:prstGeom>
+          <a:solidFill>
+            <a:schemeClr val="bg1"/>
+          </a:solidFill>
+        </p:spPr>
+        <p:style>
+          <a:lnRef idx="2">
+            <a:schemeClr val="accent1">
+              <a:shade val="15000"/>
+            </a:schemeClr>
+          </a:lnRef>
+          <a:fillRef idx="1">
+            <a:schemeClr val="accent1"/>
+          </a:fillRef>
+          <a:effectRef idx="0">
+            <a:schemeClr val="accent1"/>
+          </a:effectRef>
+          <a:fontRef idx="minor">
+            <a:schemeClr val="lt1"/>
+          </a:fontRef>
+        </p:style>
+        <p:txBody>
+          <a:bodyPr rtlCol="0" anchor="ctr"/>
+          <a:lstStyle/>
+          <a:p>
+            <a:endParaRPr lang="en-US" dirty="0">
+              <a:solidFill>
+                <a:schemeClr val="tx1"/>
+              </a:solidFill>
+            </a:endParaRPr>
+          </a:p>
+        </p:txBody>
+      </p:sp>
+      <p:sp>
+        <p:nvSpPr>
+          <p:cNvPr id="33" name="TextBox 32">
+            <a:extLst>
+              <a:ext uri="{FF2B5EF4-FFF2-40B4-BE49-F238E27FC236}">
+                <a16:creationId xmlns:a16="http://schemas.microsoft.com/office/drawing/2014/main" id="{CDEB486D-5273-7809-9C94-A8CBB8C29D9F}"/>
+              </a:ext>
+            </a:extLst>
+          </p:cNvPr>
+          <p:cNvSpPr txBox="1"/>
+          <p:nvPr/>
+        </p:nvSpPr>
+        <p:spPr>
+          <a:xfrm>
+            <a:off x="8064197" y="4717829"/>
+            <a:ext cx="2316154" cy="1477328"/>
+          </a:xfrm>
+          <a:prstGeom prst="rect">
+            <a:avLst/>
+          </a:prstGeom>
+          <a:noFill/>
+        </p:spPr>
+        <p:txBody>
+          <a:bodyPr wrap="square" rtlCol="0">
+            <a:spAutoFit/>
+          </a:bodyPr>
+          <a:lstStyle/>
+          <a:p>
+            <a:pPr marL="285750" indent="-285750">
+              <a:buFont typeface="Wingdings" panose="05000000000000000000" pitchFamily="2" charset="2"/>
+              <a:buChar char="q"/>
+            </a:pPr>
+            <a:r>
+              <a:rPr lang="en-US" dirty="0"/>
+              <a:t>Athletes </a:t>
+            </a:r>
+          </a:p>
+          <a:p>
+            <a:pPr marL="285750" indent="-285750">
+              <a:buFont typeface="Wingdings" panose="05000000000000000000" pitchFamily="2" charset="2"/>
+              <a:buChar char="q"/>
+            </a:pPr>
+            <a:r>
+              <a:rPr lang="en-US" dirty="0"/>
+              <a:t>Marriage</a:t>
+            </a:r>
+          </a:p>
+          <a:p>
+            <a:pPr marL="285750" indent="-285750">
+              <a:buFont typeface="Wingdings" panose="05000000000000000000" pitchFamily="2" charset="2"/>
+              <a:buChar char="q"/>
+            </a:pPr>
+            <a:r>
+              <a:rPr lang="en-US" dirty="0"/>
+              <a:t>Students</a:t>
+            </a:r>
+          </a:p>
+          <a:p>
+            <a:pPr marL="285750" indent="-285750">
+              <a:buFont typeface="Wingdings" panose="05000000000000000000" pitchFamily="2" charset="2"/>
+              <a:buChar char="q"/>
+            </a:pPr>
+            <a:r>
+              <a:rPr lang="en-US" dirty="0"/>
+              <a:t>OCD</a:t>
+            </a:r>
+          </a:p>
+          <a:p>
+            <a:pPr marL="285750" indent="-285750">
+              <a:buFont typeface="Wingdings" panose="05000000000000000000" pitchFamily="2" charset="2"/>
+              <a:buChar char="q"/>
+            </a:pPr>
+            <a:r>
+              <a:rPr lang="en-US" dirty="0"/>
+              <a:t>GAD</a:t>
+            </a:r>
+          </a:p>
+        </p:txBody>
+      </p:sp>
+    </p:spTree>
+    <p:extLst>
+      <p:ext uri="{BB962C8B-B14F-4D97-AF65-F5344CB8AC3E}">
+        <p14:creationId xmlns:p14="http://schemas.microsoft.com/office/powerpoint/2010/main" val="1914375487"/>
       </p:ext>
     </p:extLst>
   </p:cSld>
@@ -8676,4 +12606,319 @@
     </a:ext>
   </a:extLst>
 </a:theme>
+</file>
+
+<file path=ppt/theme/theme2.xml><?xml version="1.0" encoding="utf-8"?>
+<a:theme xmlns:a="http://schemas.openxmlformats.org/drawingml/2006/main" name="Office Theme">
+  <a:themeElements>
+    <a:clrScheme name="Office">
+      <a:dk1>
+        <a:sysClr val="windowText" lastClr="000000"/>
+      </a:dk1>
+      <a:lt1>
+        <a:sysClr val="window" lastClr="FFFFFF"/>
+      </a:lt1>
+      <a:dk2>
+        <a:srgbClr val="0E2841"/>
+      </a:dk2>
+      <a:lt2>
+        <a:srgbClr val="E8E8E8"/>
+      </a:lt2>
+      <a:accent1>
+        <a:srgbClr val="156082"/>
+      </a:accent1>
+      <a:accent2>
+        <a:srgbClr val="E97132"/>
+      </a:accent2>
+      <a:accent3>
+        <a:srgbClr val="196B24"/>
+      </a:accent3>
+      <a:accent4>
+        <a:srgbClr val="0F9ED5"/>
+      </a:accent4>
+      <a:accent5>
+        <a:srgbClr val="A02B93"/>
+      </a:accent5>
+      <a:accent6>
+        <a:srgbClr val="4EA72E"/>
+      </a:accent6>
+      <a:hlink>
+        <a:srgbClr val="467886"/>
+      </a:hlink>
+      <a:folHlink>
+        <a:srgbClr val="96607D"/>
+      </a:folHlink>
+    </a:clrScheme>
+    <a:fontScheme name="Office">
+      <a:majorFont>
+        <a:latin typeface="Aptos Display" panose="02110004020202020204"/>
+        <a:ea typeface=""/>
+        <a:cs typeface=""/>
+        <a:font script="Jpan" typeface="游ゴシック Light"/>
+        <a:font script="Hang" typeface="맑은 고딕"/>
+        <a:font script="Hans" typeface="等线 Light"/>
+        <a:font script="Hant" typeface="新細明體"/>
+        <a:font script="Arab" typeface="Times New Roman"/>
+        <a:font script="Hebr" typeface="Times New Roman"/>
+        <a:font script="Thai" typeface="Angsana New"/>
+        <a:font script="Ethi" typeface="Nyala"/>
+        <a:font script="Beng" typeface="Vrinda"/>
+        <a:font script="Gujr" typeface="Shruti"/>
+        <a:font script="Khmr" typeface="MoolBoran"/>
+        <a:font script="Knda" typeface="Tunga"/>
+        <a:font script="Guru" typeface="Raavi"/>
+        <a:font script="Cans" typeface="Euphemia"/>
+        <a:font script="Cher" typeface="Plantagenet Cherokee"/>
+        <a:font script="Yiii" typeface="Microsoft Yi Baiti"/>
+        <a:font script="Tibt" typeface="Microsoft Himalaya"/>
+        <a:font script="Thaa" typeface="MV Boli"/>
+        <a:font script="Deva" typeface="Mangal"/>
+        <a:font script="Telu" typeface="Gautami"/>
+        <a:font script="Taml" typeface="Latha"/>
+        <a:font script="Syrc" typeface="Estrangelo Edessa"/>
+        <a:font script="Orya" typeface="Kalinga"/>
+        <a:font script="Mlym" typeface="Kartika"/>
+        <a:font script="Laoo" typeface="DokChampa"/>
+        <a:font script="Sinh" typeface="Iskoola Pota"/>
+        <a:font script="Mong" typeface="Mongolian Baiti"/>
+        <a:font script="Viet" typeface="Times New Roman"/>
+        <a:font script="Uigh" typeface="Microsoft Uighur"/>
+        <a:font script="Geor" typeface="Sylfaen"/>
+        <a:font script="Armn" typeface="Arial"/>
+        <a:font script="Bugi" typeface="Leelawadee UI"/>
+        <a:font script="Bopo" typeface="Microsoft JhengHei"/>
+        <a:font script="Java" typeface="Javanese Text"/>
+        <a:font script="Lisu" typeface="Segoe UI"/>
+        <a:font script="Mymr" typeface="Myanmar Text"/>
+        <a:font script="Nkoo" typeface="Ebrima"/>
+        <a:font script="Olck" typeface="Nirmala UI"/>
+        <a:font script="Osma" typeface="Ebrima"/>
+        <a:font script="Phag" typeface="Phagspa"/>
+        <a:font script="Syrn" typeface="Estrangelo Edessa"/>
+        <a:font script="Syrj" typeface="Estrangelo Edessa"/>
+        <a:font script="Syre" typeface="Estrangelo Edessa"/>
+        <a:font script="Sora" typeface="Nirmala UI"/>
+        <a:font script="Tale" typeface="Microsoft Tai Le"/>
+        <a:font script="Talu" typeface="Microsoft New Tai Lue"/>
+        <a:font script="Tfng" typeface="Ebrima"/>
+      </a:majorFont>
+      <a:minorFont>
+        <a:latin typeface="Aptos" panose="02110004020202020204"/>
+        <a:ea typeface=""/>
+        <a:cs typeface=""/>
+        <a:font script="Jpan" typeface="游ゴシック"/>
+        <a:font script="Hang" typeface="맑은 고딕"/>
+        <a:font script="Hans" typeface="等线"/>
+        <a:font script="Hant" typeface="新細明體"/>
+        <a:font script="Arab" typeface="Arial"/>
+        <a:font script="Hebr" typeface="Arial"/>
+        <a:font script="Thai" typeface="Cordia New"/>
+        <a:font script="Ethi" typeface="Nyala"/>
+        <a:font script="Beng" typeface="Vrinda"/>
+        <a:font script="Gujr" typeface="Shruti"/>
+        <a:font script="Khmr" typeface="DaunPenh"/>
+        <a:font script="Knda" typeface="Tunga"/>
+        <a:font script="Guru" typeface="Raavi"/>
+        <a:font script="Cans" typeface="Euphemia"/>
+        <a:font script="Cher" typeface="Plantagenet Cherokee"/>
+        <a:font script="Yiii" typeface="Microsoft Yi Baiti"/>
+        <a:font script="Tibt" typeface="Microsoft Himalaya"/>
+        <a:font script="Thaa" typeface="MV Boli"/>
+        <a:font script="Deva" typeface="Mangal"/>
+        <a:font script="Telu" typeface="Gautami"/>
+        <a:font script="Taml" typeface="Latha"/>
+        <a:font script="Syrc" typeface="Estrangelo Edessa"/>
+        <a:font script="Orya" typeface="Kalinga"/>
+        <a:font script="Mlym" typeface="Kartika"/>
+        <a:font script="Laoo" typeface="DokChampa"/>
+        <a:font script="Sinh" typeface="Iskoola Pota"/>
+        <a:font script="Mong" typeface="Mongolian Baiti"/>
+        <a:font script="Viet" typeface="Arial"/>
+        <a:font script="Uigh" typeface="Microsoft Uighur"/>
+        <a:font script="Geor" typeface="Sylfaen"/>
+        <a:font script="Armn" typeface="Arial"/>
+        <a:font script="Bugi" typeface="Leelawadee UI"/>
+        <a:font script="Bopo" typeface="Microsoft JhengHei"/>
+        <a:font script="Java" typeface="Javanese Text"/>
+        <a:font script="Lisu" typeface="Segoe UI"/>
+        <a:font script="Mymr" typeface="Myanmar Text"/>
+        <a:font script="Nkoo" typeface="Ebrima"/>
+        <a:font script="Olck" typeface="Nirmala UI"/>
+        <a:font script="Osma" typeface="Ebrima"/>
+        <a:font script="Phag" typeface="Phagspa"/>
+        <a:font script="Syrn" typeface="Estrangelo Edessa"/>
+        <a:font script="Syrj" typeface="Estrangelo Edessa"/>
+        <a:font script="Syre" typeface="Estrangelo Edessa"/>
+        <a:font script="Sora" typeface="Nirmala UI"/>
+        <a:font script="Tale" typeface="Microsoft Tai Le"/>
+        <a:font script="Talu" typeface="Microsoft New Tai Lue"/>
+        <a:font script="Tfng" typeface="Ebrima"/>
+      </a:minorFont>
+    </a:fontScheme>
+    <a:fmtScheme name="Office">
+      <a:fillStyleLst>
+        <a:solidFill>
+          <a:schemeClr val="phClr"/>
+        </a:solidFill>
+        <a:gradFill rotWithShape="1">
+          <a:gsLst>
+            <a:gs pos="0">
+              <a:schemeClr val="phClr">
+                <a:lumMod val="110000"/>
+                <a:satMod val="105000"/>
+                <a:tint val="67000"/>
+              </a:schemeClr>
+            </a:gs>
+            <a:gs pos="50000">
+              <a:schemeClr val="phClr">
+                <a:lumMod val="105000"/>
+                <a:satMod val="103000"/>
+                <a:tint val="73000"/>
+              </a:schemeClr>
+            </a:gs>
+            <a:gs pos="100000">
+              <a:schemeClr val="phClr">
+                <a:lumMod val="105000"/>
+                <a:satMod val="109000"/>
+                <a:tint val="81000"/>
+              </a:schemeClr>
+            </a:gs>
+          </a:gsLst>
+          <a:lin ang="5400000" scaled="0"/>
+        </a:gradFill>
+        <a:gradFill rotWithShape="1">
+          <a:gsLst>
+            <a:gs pos="0">
+              <a:schemeClr val="phClr">
+                <a:satMod val="103000"/>
+                <a:lumMod val="102000"/>
+                <a:tint val="94000"/>
+              </a:schemeClr>
+            </a:gs>
+            <a:gs pos="50000">
+              <a:schemeClr val="phClr">
+                <a:satMod val="110000"/>
+                <a:lumMod val="100000"/>
+                <a:shade val="100000"/>
+              </a:schemeClr>
+            </a:gs>
+            <a:gs pos="100000">
+              <a:schemeClr val="phClr">
+                <a:lumMod val="99000"/>
+                <a:satMod val="120000"/>
+                <a:shade val="78000"/>
+              </a:schemeClr>
+            </a:gs>
+          </a:gsLst>
+          <a:lin ang="5400000" scaled="0"/>
+        </a:gradFill>
+      </a:fillStyleLst>
+      <a:lnStyleLst>
+        <a:ln w="12700" cap="flat" cmpd="sng" algn="ctr">
+          <a:solidFill>
+            <a:schemeClr val="phClr"/>
+          </a:solidFill>
+          <a:prstDash val="solid"/>
+          <a:miter lim="800000"/>
+        </a:ln>
+        <a:ln w="19050" cap="flat" cmpd="sng" algn="ctr">
+          <a:solidFill>
+            <a:schemeClr val="phClr"/>
+          </a:solidFill>
+          <a:prstDash val="solid"/>
+          <a:miter lim="800000"/>
+        </a:ln>
+        <a:ln w="25400" cap="flat" cmpd="sng" algn="ctr">
+          <a:solidFill>
+            <a:schemeClr val="phClr"/>
+          </a:solidFill>
+          <a:prstDash val="solid"/>
+          <a:miter lim="800000"/>
+        </a:ln>
+      </a:lnStyleLst>
+      <a:effectStyleLst>
+        <a:effectStyle>
+          <a:effectLst/>
+        </a:effectStyle>
+        <a:effectStyle>
+          <a:effectLst/>
+        </a:effectStyle>
+        <a:effectStyle>
+          <a:effectLst>
+            <a:outerShdw blurRad="57150" dist="19050" dir="5400000" algn="ctr" rotWithShape="0">
+              <a:srgbClr val="000000">
+                <a:alpha val="63000"/>
+              </a:srgbClr>
+            </a:outerShdw>
+          </a:effectLst>
+        </a:effectStyle>
+      </a:effectStyleLst>
+      <a:bgFillStyleLst>
+        <a:solidFill>
+          <a:schemeClr val="phClr"/>
+        </a:solidFill>
+        <a:solidFill>
+          <a:schemeClr val="phClr">
+            <a:tint val="95000"/>
+            <a:satMod val="170000"/>
+          </a:schemeClr>
+        </a:solidFill>
+        <a:gradFill rotWithShape="1">
+          <a:gsLst>
+            <a:gs pos="0">
+              <a:schemeClr val="phClr">
+                <a:tint val="93000"/>
+                <a:satMod val="150000"/>
+                <a:shade val="98000"/>
+                <a:lumMod val="102000"/>
+              </a:schemeClr>
+            </a:gs>
+            <a:gs pos="50000">
+              <a:schemeClr val="phClr">
+                <a:tint val="98000"/>
+                <a:satMod val="130000"/>
+                <a:shade val="90000"/>
+                <a:lumMod val="103000"/>
+              </a:schemeClr>
+            </a:gs>
+            <a:gs pos="100000">
+              <a:schemeClr val="phClr">
+                <a:shade val="63000"/>
+                <a:satMod val="120000"/>
+              </a:schemeClr>
+            </a:gs>
+          </a:gsLst>
+          <a:lin ang="5400000" scaled="0"/>
+        </a:gradFill>
+      </a:bgFillStyleLst>
+    </a:fmtScheme>
+  </a:themeElements>
+  <a:objectDefaults>
+    <a:lnDef>
+      <a:spPr/>
+      <a:bodyPr/>
+      <a:lstStyle/>
+      <a:style>
+        <a:lnRef idx="2">
+          <a:schemeClr val="accent1"/>
+        </a:lnRef>
+        <a:fillRef idx="0">
+          <a:schemeClr val="accent1"/>
+        </a:fillRef>
+        <a:effectRef idx="1">
+          <a:schemeClr val="accent1"/>
+        </a:effectRef>
+        <a:fontRef idx="minor">
+          <a:schemeClr val="tx1"/>
+        </a:fontRef>
+      </a:style>
+    </a:lnDef>
+  </a:objectDefaults>
+  <a:extraClrSchemeLst/>
+  <a:extLst>
+    <a:ext uri="{05A4C25C-085E-4340-85A3-A5531E510DB2}">
+      <thm15:themeFamily xmlns:thm15="http://schemas.microsoft.com/office/thememl/2012/main" name="Office Theme" id="{2E142A2C-CD16-42D6-873A-C26D2A0506FA}" vid="{1BDDFF52-6CD6-40A5-AB3C-68EB2F1E4D0A}"/>
+    </a:ext>
+  </a:extLst>
+</a:theme>
 </file>
--- a/Mock Slides.pptx
+++ b/Mock Slides.pptx
@@ -5,7 +5,7 @@
     <p:sldMasterId id="2147483648" r:id="rId1"/>
   </p:sldMasterIdLst>
   <p:notesMasterIdLst>
-    <p:notesMasterId r:id="rId10"/>
+    <p:notesMasterId r:id="rId12"/>
   </p:notesMasterIdLst>
   <p:sldIdLst>
     <p:sldId id="257" r:id="rId2"/>
@@ -16,6 +16,8 @@
     <p:sldId id="262" r:id="rId7"/>
     <p:sldId id="261" r:id="rId8"/>
     <p:sldId id="264" r:id="rId9"/>
+    <p:sldId id="265" r:id="rId10"/>
+    <p:sldId id="266" r:id="rId11"/>
   </p:sldIdLst>
   <p:sldSz cx="12192000" cy="6858000"/>
   <p:notesSz cx="6858000" cy="9144000"/>
@@ -204,7 +206,7 @@
           <a:p>
             <a:fld id="{8DB74BF5-19F2-4C6C-BAD6-1ECCD90E6A50}" type="datetimeFigureOut">
               <a:rPr lang="en-US" smtClean="0"/>
-              <a:t>3/30/2024</a:t>
+              <a:t>4/22/2024</a:t>
             </a:fld>
             <a:endParaRPr lang="en-US"/>
           </a:p>
@@ -702,7 +704,7 @@
           <a:p>
             <a:fld id="{F30025CF-58C4-46C0-A704-FC20BC618B8C}" type="datetimeFigureOut">
               <a:rPr lang="en-US" smtClean="0"/>
-              <a:t>3/30/2024</a:t>
+              <a:t>4/22/2024</a:t>
             </a:fld>
             <a:endParaRPr lang="en-US"/>
           </a:p>
@@ -900,7 +902,7 @@
           <a:p>
             <a:fld id="{F30025CF-58C4-46C0-A704-FC20BC618B8C}" type="datetimeFigureOut">
               <a:rPr lang="en-US" smtClean="0"/>
-              <a:t>3/30/2024</a:t>
+              <a:t>4/22/2024</a:t>
             </a:fld>
             <a:endParaRPr lang="en-US"/>
           </a:p>
@@ -1108,7 +1110,7 @@
           <a:p>
             <a:fld id="{F30025CF-58C4-46C0-A704-FC20BC618B8C}" type="datetimeFigureOut">
               <a:rPr lang="en-US" smtClean="0"/>
-              <a:t>3/30/2024</a:t>
+              <a:t>4/22/2024</a:t>
             </a:fld>
             <a:endParaRPr lang="en-US"/>
           </a:p>
@@ -1306,7 +1308,7 @@
           <a:p>
             <a:fld id="{F30025CF-58C4-46C0-A704-FC20BC618B8C}" type="datetimeFigureOut">
               <a:rPr lang="en-US" smtClean="0"/>
-              <a:t>3/30/2024</a:t>
+              <a:t>4/22/2024</a:t>
             </a:fld>
             <a:endParaRPr lang="en-US"/>
           </a:p>
@@ -1581,7 +1583,7 @@
           <a:p>
             <a:fld id="{F30025CF-58C4-46C0-A704-FC20BC618B8C}" type="datetimeFigureOut">
               <a:rPr lang="en-US" smtClean="0"/>
-              <a:t>3/30/2024</a:t>
+              <a:t>4/22/2024</a:t>
             </a:fld>
             <a:endParaRPr lang="en-US"/>
           </a:p>
@@ -1846,7 +1848,7 @@
           <a:p>
             <a:fld id="{F30025CF-58C4-46C0-A704-FC20BC618B8C}" type="datetimeFigureOut">
               <a:rPr lang="en-US" smtClean="0"/>
-              <a:t>3/30/2024</a:t>
+              <a:t>4/22/2024</a:t>
             </a:fld>
             <a:endParaRPr lang="en-US"/>
           </a:p>
@@ -2258,7 +2260,7 @@
           <a:p>
             <a:fld id="{F30025CF-58C4-46C0-A704-FC20BC618B8C}" type="datetimeFigureOut">
               <a:rPr lang="en-US" smtClean="0"/>
-              <a:t>3/30/2024</a:t>
+              <a:t>4/22/2024</a:t>
             </a:fld>
             <a:endParaRPr lang="en-US"/>
           </a:p>
@@ -2399,7 +2401,7 @@
           <a:p>
             <a:fld id="{F30025CF-58C4-46C0-A704-FC20BC618B8C}" type="datetimeFigureOut">
               <a:rPr lang="en-US" smtClean="0"/>
-              <a:t>3/30/2024</a:t>
+              <a:t>4/22/2024</a:t>
             </a:fld>
             <a:endParaRPr lang="en-US"/>
           </a:p>
@@ -2512,7 +2514,7 @@
           <a:p>
             <a:fld id="{F30025CF-58C4-46C0-A704-FC20BC618B8C}" type="datetimeFigureOut">
               <a:rPr lang="en-US" smtClean="0"/>
-              <a:t>3/30/2024</a:t>
+              <a:t>4/22/2024</a:t>
             </a:fld>
             <a:endParaRPr lang="en-US"/>
           </a:p>
@@ -2823,7 +2825,7 @@
           <a:p>
             <a:fld id="{F30025CF-58C4-46C0-A704-FC20BC618B8C}" type="datetimeFigureOut">
               <a:rPr lang="en-US" smtClean="0"/>
-              <a:t>3/30/2024</a:t>
+              <a:t>4/22/2024</a:t>
             </a:fld>
             <a:endParaRPr lang="en-US"/>
           </a:p>
@@ -3111,7 +3113,7 @@
           <a:p>
             <a:fld id="{F30025CF-58C4-46C0-A704-FC20BC618B8C}" type="datetimeFigureOut">
               <a:rPr lang="en-US" smtClean="0"/>
-              <a:t>3/30/2024</a:t>
+              <a:t>4/22/2024</a:t>
             </a:fld>
             <a:endParaRPr lang="en-US"/>
           </a:p>
@@ -3352,7 +3354,7 @@
           <a:p>
             <a:fld id="{F30025CF-58C4-46C0-A704-FC20BC618B8C}" type="datetimeFigureOut">
               <a:rPr lang="en-US" smtClean="0"/>
-              <a:t>3/30/2024</a:t>
+              <a:t>4/22/2024</a:t>
             </a:fld>
             <a:endParaRPr lang="en-US"/>
           </a:p>
@@ -4620,8 +4622,8 @@
         </p:nvSpPr>
         <p:spPr>
           <a:xfrm>
-            <a:off x="1208314" y="5443871"/>
-            <a:ext cx="1556657" cy="687572"/>
+            <a:off x="10080171" y="1317810"/>
+            <a:ext cx="1600200" cy="668657"/>
           </a:xfrm>
           <a:prstGeom prst="rect">
             <a:avLst/>
@@ -4668,10 +4670,356 @@
           </a:p>
         </p:txBody>
       </p:sp>
+      <p:sp>
+        <p:nvSpPr>
+          <p:cNvPr id="23" name="Rectangle 22">
+            <a:extLst>
+              <a:ext uri="{FF2B5EF4-FFF2-40B4-BE49-F238E27FC236}">
+                <a16:creationId xmlns:a16="http://schemas.microsoft.com/office/drawing/2014/main" id="{F31AFB34-1703-3B4F-F351-34060D26843B}"/>
+              </a:ext>
+            </a:extLst>
+          </p:cNvPr>
+          <p:cNvSpPr/>
+          <p:nvPr/>
+        </p:nvSpPr>
+        <p:spPr>
+          <a:xfrm>
+            <a:off x="1208314" y="5443871"/>
+            <a:ext cx="1556657" cy="687572"/>
+          </a:xfrm>
+          <a:prstGeom prst="rect">
+            <a:avLst/>
+          </a:prstGeom>
+          <a:solidFill>
+            <a:schemeClr val="bg1"/>
+          </a:solidFill>
+          <a:effectLst>
+            <a:outerShdw blurRad="50800" dist="38100" dir="13500000" algn="br" rotWithShape="0">
+              <a:prstClr val="black">
+                <a:alpha val="40000"/>
+              </a:prstClr>
+            </a:outerShdw>
+          </a:effectLst>
+        </p:spPr>
+        <p:style>
+          <a:lnRef idx="2">
+            <a:schemeClr val="accent1">
+              <a:shade val="15000"/>
+            </a:schemeClr>
+          </a:lnRef>
+          <a:fillRef idx="1">
+            <a:schemeClr val="accent1"/>
+          </a:fillRef>
+          <a:effectRef idx="0">
+            <a:schemeClr val="accent1"/>
+          </a:effectRef>
+          <a:fontRef idx="minor">
+            <a:schemeClr val="lt1"/>
+          </a:fontRef>
+        </p:style>
+        <p:txBody>
+          <a:bodyPr rtlCol="0" anchor="ctr"/>
+          <a:lstStyle/>
+          <a:p>
+            <a:r>
+              <a:rPr lang="en-US" dirty="0">
+                <a:solidFill>
+                  <a:schemeClr val="tx1"/>
+                </a:solidFill>
+              </a:rPr>
+              <a:t>Admin Login</a:t>
+            </a:r>
+          </a:p>
+        </p:txBody>
+      </p:sp>
     </p:spTree>
     <p:extLst>
       <p:ext uri="{BB962C8B-B14F-4D97-AF65-F5344CB8AC3E}">
         <p14:creationId xmlns:p14="http://schemas.microsoft.com/office/powerpoint/2010/main" val="3307659980"/>
+      </p:ext>
+    </p:extLst>
+  </p:cSld>
+  <p:clrMapOvr>
+    <a:masterClrMapping/>
+  </p:clrMapOvr>
+</p:sld>
+</file>
+
+<file path=ppt/slides/slide10.xml><?xml version="1.0" encoding="utf-8"?>
+<p:sld xmlns:a="http://schemas.openxmlformats.org/drawingml/2006/main" xmlns:r="http://schemas.openxmlformats.org/officeDocument/2006/relationships" xmlns:p="http://schemas.openxmlformats.org/presentationml/2006/main">
+  <p:cSld>
+    <p:bg>
+      <p:bgPr>
+        <a:blipFill dpi="0" rotWithShape="1">
+          <a:blip r:embed="rId2">
+            <a:lum/>
+            <a:extLst>
+              <a:ext uri="{837473B0-CC2E-450A-ABE3-18F120FF3D39}">
+                <a1611:picAttrSrcUrl xmlns:a1611="http://schemas.microsoft.com/office/drawing/2016/11/main" r:id="rId3"/>
+              </a:ext>
+            </a:extLst>
+          </a:blip>
+          <a:srcRect/>
+          <a:stretch>
+            <a:fillRect t="-6000" b="-6000"/>
+          </a:stretch>
+        </a:blipFill>
+        <a:effectLst/>
+      </p:bgPr>
+    </p:bg>
+    <p:spTree>
+      <p:nvGrpSpPr>
+        <p:cNvPr id="1" name=""/>
+        <p:cNvGrpSpPr/>
+        <p:nvPr/>
+      </p:nvGrpSpPr>
+      <p:grpSpPr>
+        <a:xfrm>
+          <a:off x="0" y="0"/>
+          <a:ext cx="0" cy="0"/>
+          <a:chOff x="0" y="0"/>
+          <a:chExt cx="0" cy="0"/>
+        </a:xfrm>
+      </p:grpSpPr>
+      <p:sp>
+        <p:nvSpPr>
+          <p:cNvPr id="2" name="Title 1">
+            <a:extLst>
+              <a:ext uri="{FF2B5EF4-FFF2-40B4-BE49-F238E27FC236}">
+                <a16:creationId xmlns:a16="http://schemas.microsoft.com/office/drawing/2014/main" id="{9F8FC6F8-2B1B-109C-0702-1B540C8E549A}"/>
+              </a:ext>
+            </a:extLst>
+          </p:cNvPr>
+          <p:cNvSpPr>
+            <a:spLocks noGrp="1"/>
+          </p:cNvSpPr>
+          <p:nvPr>
+            <p:ph type="title"/>
+          </p:nvPr>
+        </p:nvSpPr>
+        <p:spPr/>
+        <p:txBody>
+          <a:bodyPr/>
+          <a:lstStyle/>
+          <a:p>
+            <a:r>
+              <a:rPr lang="en-US" dirty="0"/>
+              <a:t>East Tennessee Mental Health Resources </a:t>
+            </a:r>
+          </a:p>
+        </p:txBody>
+      </p:sp>
+      <p:sp>
+        <p:nvSpPr>
+          <p:cNvPr id="4" name="Rectangle 3">
+            <a:extLst>
+              <a:ext uri="{FF2B5EF4-FFF2-40B4-BE49-F238E27FC236}">
+                <a16:creationId xmlns:a16="http://schemas.microsoft.com/office/drawing/2014/main" id="{BDD66A68-8711-09F8-190D-10839F9700DE}"/>
+              </a:ext>
+            </a:extLst>
+          </p:cNvPr>
+          <p:cNvSpPr/>
+          <p:nvPr/>
+        </p:nvSpPr>
+        <p:spPr>
+          <a:xfrm>
+            <a:off x="751114" y="2201412"/>
+            <a:ext cx="10929257" cy="4299856"/>
+          </a:xfrm>
+          <a:prstGeom prst="rect">
+            <a:avLst/>
+          </a:prstGeom>
+          <a:solidFill>
+            <a:schemeClr val="bg1">
+              <a:lumMod val="85000"/>
+            </a:schemeClr>
+          </a:solidFill>
+          <a:ln>
+            <a:solidFill>
+              <a:schemeClr val="bg1">
+                <a:lumMod val="85000"/>
+              </a:schemeClr>
+            </a:solidFill>
+          </a:ln>
+        </p:spPr>
+        <p:style>
+          <a:lnRef idx="2">
+            <a:schemeClr val="accent1">
+              <a:shade val="15000"/>
+            </a:schemeClr>
+          </a:lnRef>
+          <a:fillRef idx="1">
+            <a:schemeClr val="accent1"/>
+          </a:fillRef>
+          <a:effectRef idx="0">
+            <a:schemeClr val="accent1"/>
+          </a:effectRef>
+          <a:fontRef idx="minor">
+            <a:schemeClr val="lt1"/>
+          </a:fontRef>
+        </p:style>
+        <p:txBody>
+          <a:bodyPr rtlCol="0" anchor="ctr"/>
+          <a:lstStyle/>
+          <a:p>
+            <a:pPr algn="ctr"/>
+            <a:endParaRPr lang="en-US" dirty="0"/>
+          </a:p>
+        </p:txBody>
+      </p:sp>
+      <p:sp>
+        <p:nvSpPr>
+          <p:cNvPr id="6" name="TextBox 5">
+            <a:extLst>
+              <a:ext uri="{FF2B5EF4-FFF2-40B4-BE49-F238E27FC236}">
+                <a16:creationId xmlns:a16="http://schemas.microsoft.com/office/drawing/2014/main" id="{C08A4A4B-ECA8-DD96-7405-99351A505CB8}"/>
+              </a:ext>
+            </a:extLst>
+          </p:cNvPr>
+          <p:cNvSpPr txBox="1"/>
+          <p:nvPr/>
+        </p:nvSpPr>
+        <p:spPr>
+          <a:xfrm>
+            <a:off x="925287" y="1570221"/>
+            <a:ext cx="9361714" cy="461665"/>
+          </a:xfrm>
+          <a:prstGeom prst="rect">
+            <a:avLst/>
+          </a:prstGeom>
+          <a:noFill/>
+        </p:spPr>
+        <p:txBody>
+          <a:bodyPr wrap="square" rtlCol="0">
+            <a:spAutoFit/>
+          </a:bodyPr>
+          <a:lstStyle/>
+          <a:p>
+            <a:r>
+              <a:rPr lang="en-US" sz="2400" dirty="0"/>
+              <a:t>Administrative</a:t>
+            </a:r>
+          </a:p>
+        </p:txBody>
+      </p:sp>
+      <p:sp>
+        <p:nvSpPr>
+          <p:cNvPr id="12" name="Rectangle 11">
+            <a:extLst>
+              <a:ext uri="{FF2B5EF4-FFF2-40B4-BE49-F238E27FC236}">
+                <a16:creationId xmlns:a16="http://schemas.microsoft.com/office/drawing/2014/main" id="{485F5B08-8432-2BE9-36DF-C87FB4CFA3EF}"/>
+              </a:ext>
+            </a:extLst>
+          </p:cNvPr>
+          <p:cNvSpPr/>
+          <p:nvPr/>
+        </p:nvSpPr>
+        <p:spPr>
+          <a:xfrm>
+            <a:off x="1257299" y="2542610"/>
+            <a:ext cx="9916886" cy="3668885"/>
+          </a:xfrm>
+          <a:prstGeom prst="rect">
+            <a:avLst/>
+          </a:prstGeom>
+          <a:solidFill>
+            <a:schemeClr val="bg1"/>
+          </a:solidFill>
+        </p:spPr>
+        <p:style>
+          <a:lnRef idx="2">
+            <a:schemeClr val="accent1">
+              <a:shade val="15000"/>
+            </a:schemeClr>
+          </a:lnRef>
+          <a:fillRef idx="1">
+            <a:schemeClr val="accent1"/>
+          </a:fillRef>
+          <a:effectRef idx="0">
+            <a:schemeClr val="accent1"/>
+          </a:effectRef>
+          <a:fontRef idx="minor">
+            <a:schemeClr val="lt1"/>
+          </a:fontRef>
+        </p:style>
+        <p:txBody>
+          <a:bodyPr rtlCol="0" anchor="ctr"/>
+          <a:lstStyle/>
+          <a:p>
+            <a:pPr algn="ctr"/>
+            <a:endParaRPr lang="en-US" dirty="0"/>
+          </a:p>
+        </p:txBody>
+      </p:sp>
+      <p:pic>
+        <p:nvPicPr>
+          <p:cNvPr id="7" name="Picture 6">
+            <a:extLst>
+              <a:ext uri="{FF2B5EF4-FFF2-40B4-BE49-F238E27FC236}">
+                <a16:creationId xmlns:a16="http://schemas.microsoft.com/office/drawing/2014/main" id="{634EADAF-168E-CD63-303F-4A8AAEA9E75B}"/>
+              </a:ext>
+            </a:extLst>
+          </p:cNvPr>
+          <p:cNvPicPr>
+            <a:picLocks noChangeAspect="1"/>
+          </p:cNvPicPr>
+          <p:nvPr/>
+        </p:nvPicPr>
+        <p:blipFill>
+          <a:blip r:embed="rId4"/>
+          <a:stretch>
+            <a:fillRect/>
+          </a:stretch>
+        </p:blipFill>
+        <p:spPr>
+          <a:xfrm>
+            <a:off x="10927823" y="1504475"/>
+            <a:ext cx="677779" cy="565980"/>
+          </a:xfrm>
+          <a:prstGeom prst="rect">
+            <a:avLst/>
+          </a:prstGeom>
+        </p:spPr>
+      </p:pic>
+      <p:sp>
+        <p:nvSpPr>
+          <p:cNvPr id="9" name="TextBox 8">
+            <a:extLst>
+              <a:ext uri="{FF2B5EF4-FFF2-40B4-BE49-F238E27FC236}">
+                <a16:creationId xmlns:a16="http://schemas.microsoft.com/office/drawing/2014/main" id="{108F9247-07B3-8F8D-836D-3252748C258C}"/>
+              </a:ext>
+            </a:extLst>
+          </p:cNvPr>
+          <p:cNvSpPr txBox="1"/>
+          <p:nvPr/>
+        </p:nvSpPr>
+        <p:spPr>
+          <a:xfrm>
+            <a:off x="2244903" y="2168040"/>
+            <a:ext cx="8929282" cy="369332"/>
+          </a:xfrm>
+          <a:prstGeom prst="rect">
+            <a:avLst/>
+          </a:prstGeom>
+          <a:noFill/>
+        </p:spPr>
+        <p:txBody>
+          <a:bodyPr wrap="square" rtlCol="0">
+            <a:spAutoFit/>
+          </a:bodyPr>
+          <a:lstStyle/>
+          <a:p>
+            <a:r>
+              <a:rPr lang="en-US" dirty="0"/>
+              <a:t>			Submission Requests			</a:t>
+            </a:r>
+          </a:p>
+        </p:txBody>
+      </p:sp>
+    </p:spTree>
+    <p:extLst>
+      <p:ext uri="{BB962C8B-B14F-4D97-AF65-F5344CB8AC3E}">
+        <p14:creationId xmlns:p14="http://schemas.microsoft.com/office/powerpoint/2010/main" val="3601264182"/>
       </p:ext>
     </p:extLst>
   </p:cSld>
@@ -6474,7 +6822,7 @@
                   <a:schemeClr val="tx1"/>
                 </a:solidFill>
               </a:rPr>
-              <a:t>Help Me Find What I Need!</a:t>
+              <a:t>Admin Login</a:t>
             </a:r>
           </a:p>
         </p:txBody>
@@ -6605,6 +6953,68 @@
           </p:txBody>
         </p:sp>
       </p:grpSp>
+      <p:sp>
+        <p:nvSpPr>
+          <p:cNvPr id="26" name="Rectangle 25">
+            <a:extLst>
+              <a:ext uri="{FF2B5EF4-FFF2-40B4-BE49-F238E27FC236}">
+                <a16:creationId xmlns:a16="http://schemas.microsoft.com/office/drawing/2014/main" id="{E1E68E4A-B2D8-34A3-6F61-3BDED5D3652C}"/>
+              </a:ext>
+            </a:extLst>
+          </p:cNvPr>
+          <p:cNvSpPr/>
+          <p:nvPr/>
+        </p:nvSpPr>
+        <p:spPr>
+          <a:xfrm>
+            <a:off x="10080171" y="1317810"/>
+            <a:ext cx="1600200" cy="668657"/>
+          </a:xfrm>
+          <a:prstGeom prst="rect">
+            <a:avLst/>
+          </a:prstGeom>
+          <a:solidFill>
+            <a:schemeClr val="bg1"/>
+          </a:solidFill>
+          <a:effectLst>
+            <a:outerShdw blurRad="50800" dist="38100" dir="13500000" algn="br" rotWithShape="0">
+              <a:prstClr val="black">
+                <a:alpha val="40000"/>
+              </a:prstClr>
+            </a:outerShdw>
+          </a:effectLst>
+        </p:spPr>
+        <p:style>
+          <a:lnRef idx="2">
+            <a:schemeClr val="accent1">
+              <a:shade val="15000"/>
+            </a:schemeClr>
+          </a:lnRef>
+          <a:fillRef idx="1">
+            <a:schemeClr val="accent1"/>
+          </a:fillRef>
+          <a:effectRef idx="0">
+            <a:schemeClr val="accent1"/>
+          </a:effectRef>
+          <a:fontRef idx="minor">
+            <a:schemeClr val="lt1"/>
+          </a:fontRef>
+        </p:style>
+        <p:txBody>
+          <a:bodyPr rtlCol="0" anchor="ctr"/>
+          <a:lstStyle/>
+          <a:p>
+            <a:r>
+              <a:rPr lang="en-US" dirty="0">
+                <a:solidFill>
+                  <a:schemeClr val="tx1"/>
+                </a:solidFill>
+              </a:rPr>
+              <a:t>Help Me Find What I Need!</a:t>
+            </a:r>
+          </a:p>
+        </p:txBody>
+      </p:sp>
     </p:spTree>
     <p:extLst>
       <p:ext uri="{BB962C8B-B14F-4D97-AF65-F5344CB8AC3E}">
@@ -7538,7 +7948,7 @@
                   <a:schemeClr val="tx1"/>
                 </a:solidFill>
               </a:rPr>
-              <a:t>Help Me Find What I Need!</a:t>
+              <a:t>Admin Login</a:t>
             </a:r>
           </a:p>
         </p:txBody>
@@ -7669,6 +8079,68 @@
           </p:txBody>
         </p:sp>
       </p:grpSp>
+      <p:sp>
+        <p:nvSpPr>
+          <p:cNvPr id="3" name="Rectangle 2">
+            <a:extLst>
+              <a:ext uri="{FF2B5EF4-FFF2-40B4-BE49-F238E27FC236}">
+                <a16:creationId xmlns:a16="http://schemas.microsoft.com/office/drawing/2014/main" id="{99C37371-1463-656F-F25D-C79FDFF9BD71}"/>
+              </a:ext>
+            </a:extLst>
+          </p:cNvPr>
+          <p:cNvSpPr/>
+          <p:nvPr/>
+        </p:nvSpPr>
+        <p:spPr>
+          <a:xfrm>
+            <a:off x="10080171" y="1317810"/>
+            <a:ext cx="1600200" cy="668657"/>
+          </a:xfrm>
+          <a:prstGeom prst="rect">
+            <a:avLst/>
+          </a:prstGeom>
+          <a:solidFill>
+            <a:schemeClr val="bg1"/>
+          </a:solidFill>
+          <a:effectLst>
+            <a:outerShdw blurRad="50800" dist="38100" dir="13500000" algn="br" rotWithShape="0">
+              <a:prstClr val="black">
+                <a:alpha val="40000"/>
+              </a:prstClr>
+            </a:outerShdw>
+          </a:effectLst>
+        </p:spPr>
+        <p:style>
+          <a:lnRef idx="2">
+            <a:schemeClr val="accent1">
+              <a:shade val="15000"/>
+            </a:schemeClr>
+          </a:lnRef>
+          <a:fillRef idx="1">
+            <a:schemeClr val="accent1"/>
+          </a:fillRef>
+          <a:effectRef idx="0">
+            <a:schemeClr val="accent1"/>
+          </a:effectRef>
+          <a:fontRef idx="minor">
+            <a:schemeClr val="lt1"/>
+          </a:fontRef>
+        </p:style>
+        <p:txBody>
+          <a:bodyPr rtlCol="0" anchor="ctr"/>
+          <a:lstStyle/>
+          <a:p>
+            <a:r>
+              <a:rPr lang="en-US" dirty="0">
+                <a:solidFill>
+                  <a:schemeClr val="tx1"/>
+                </a:solidFill>
+              </a:rPr>
+              <a:t>Help Me Find What I Need!</a:t>
+            </a:r>
+          </a:p>
+        </p:txBody>
+      </p:sp>
     </p:spTree>
     <p:extLst>
       <p:ext uri="{BB962C8B-B14F-4D97-AF65-F5344CB8AC3E}">
@@ -8602,7 +9074,7 @@
                   <a:schemeClr val="tx1"/>
                 </a:solidFill>
               </a:rPr>
-              <a:t>Help Me Find What I Need!</a:t>
+              <a:t>Admin Login</a:t>
             </a:r>
           </a:p>
         </p:txBody>
@@ -8733,6 +9205,68 @@
           </p:txBody>
         </p:sp>
       </p:grpSp>
+      <p:sp>
+        <p:nvSpPr>
+          <p:cNvPr id="3" name="Rectangle 2">
+            <a:extLst>
+              <a:ext uri="{FF2B5EF4-FFF2-40B4-BE49-F238E27FC236}">
+                <a16:creationId xmlns:a16="http://schemas.microsoft.com/office/drawing/2014/main" id="{9700A241-A29D-2F2A-D7EF-0913C7BDA7D0}"/>
+              </a:ext>
+            </a:extLst>
+          </p:cNvPr>
+          <p:cNvSpPr/>
+          <p:nvPr/>
+        </p:nvSpPr>
+        <p:spPr>
+          <a:xfrm>
+            <a:off x="10080171" y="1317810"/>
+            <a:ext cx="1600200" cy="668657"/>
+          </a:xfrm>
+          <a:prstGeom prst="rect">
+            <a:avLst/>
+          </a:prstGeom>
+          <a:solidFill>
+            <a:schemeClr val="bg1"/>
+          </a:solidFill>
+          <a:effectLst>
+            <a:outerShdw blurRad="50800" dist="38100" dir="13500000" algn="br" rotWithShape="0">
+              <a:prstClr val="black">
+                <a:alpha val="40000"/>
+              </a:prstClr>
+            </a:outerShdw>
+          </a:effectLst>
+        </p:spPr>
+        <p:style>
+          <a:lnRef idx="2">
+            <a:schemeClr val="accent1">
+              <a:shade val="15000"/>
+            </a:schemeClr>
+          </a:lnRef>
+          <a:fillRef idx="1">
+            <a:schemeClr val="accent1"/>
+          </a:fillRef>
+          <a:effectRef idx="0">
+            <a:schemeClr val="accent1"/>
+          </a:effectRef>
+          <a:fontRef idx="minor">
+            <a:schemeClr val="lt1"/>
+          </a:fontRef>
+        </p:style>
+        <p:txBody>
+          <a:bodyPr rtlCol="0" anchor="ctr"/>
+          <a:lstStyle/>
+          <a:p>
+            <a:r>
+              <a:rPr lang="en-US" dirty="0">
+                <a:solidFill>
+                  <a:schemeClr val="tx1"/>
+                </a:solidFill>
+              </a:rPr>
+              <a:t>Help Me Find What I Need!</a:t>
+            </a:r>
+          </a:p>
+        </p:txBody>
+      </p:sp>
     </p:spTree>
     <p:extLst>
       <p:ext uri="{BB962C8B-B14F-4D97-AF65-F5344CB8AC3E}">
@@ -9604,7 +10138,7 @@
                   <a:schemeClr val="tx1"/>
                 </a:solidFill>
               </a:rPr>
-              <a:t>Help Me Find What I Need!</a:t>
+              <a:t>Admin Login</a:t>
             </a:r>
           </a:p>
         </p:txBody>
@@ -9653,6 +10187,68 @@
             <a:r>
               <a:rPr lang="en-US" dirty="0"/>
               <a:t>Resource </a:t>
+            </a:r>
+          </a:p>
+        </p:txBody>
+      </p:sp>
+      <p:sp>
+        <p:nvSpPr>
+          <p:cNvPr id="3" name="Rectangle 2">
+            <a:extLst>
+              <a:ext uri="{FF2B5EF4-FFF2-40B4-BE49-F238E27FC236}">
+                <a16:creationId xmlns:a16="http://schemas.microsoft.com/office/drawing/2014/main" id="{CFB41A84-24A1-C6C5-D0BE-F03C0A3895A1}"/>
+              </a:ext>
+            </a:extLst>
+          </p:cNvPr>
+          <p:cNvSpPr/>
+          <p:nvPr/>
+        </p:nvSpPr>
+        <p:spPr>
+          <a:xfrm>
+            <a:off x="10080171" y="1317810"/>
+            <a:ext cx="1600200" cy="668657"/>
+          </a:xfrm>
+          <a:prstGeom prst="rect">
+            <a:avLst/>
+          </a:prstGeom>
+          <a:solidFill>
+            <a:schemeClr val="bg1"/>
+          </a:solidFill>
+          <a:effectLst>
+            <a:outerShdw blurRad="50800" dist="38100" dir="13500000" algn="br" rotWithShape="0">
+              <a:prstClr val="black">
+                <a:alpha val="40000"/>
+              </a:prstClr>
+            </a:outerShdw>
+          </a:effectLst>
+        </p:spPr>
+        <p:style>
+          <a:lnRef idx="2">
+            <a:schemeClr val="accent1">
+              <a:shade val="15000"/>
+            </a:schemeClr>
+          </a:lnRef>
+          <a:fillRef idx="1">
+            <a:schemeClr val="accent1"/>
+          </a:fillRef>
+          <a:effectRef idx="0">
+            <a:schemeClr val="accent1"/>
+          </a:effectRef>
+          <a:fontRef idx="minor">
+            <a:schemeClr val="lt1"/>
+          </a:fontRef>
+        </p:style>
+        <p:txBody>
+          <a:bodyPr rtlCol="0" anchor="ctr"/>
+          <a:lstStyle/>
+          <a:p>
+            <a:r>
+              <a:rPr lang="en-US" dirty="0">
+                <a:solidFill>
+                  <a:schemeClr val="tx1"/>
+                </a:solidFill>
+              </a:rPr>
+              <a:t>Help Me Find What I Need!</a:t>
             </a:r>
           </a:p>
         </p:txBody>
@@ -10984,6 +11580,62 @@
           <a:p>
             <a:pPr algn="ctr"/>
             <a:endParaRPr lang="en-US"/>
+          </a:p>
+        </p:txBody>
+      </p:sp>
+      <p:sp>
+        <p:nvSpPr>
+          <p:cNvPr id="18" name="Rectangle 17">
+            <a:extLst>
+              <a:ext uri="{FF2B5EF4-FFF2-40B4-BE49-F238E27FC236}">
+                <a16:creationId xmlns:a16="http://schemas.microsoft.com/office/drawing/2014/main" id="{41F611AD-9727-39BE-1166-29121A1D3D50}"/>
+              </a:ext>
+            </a:extLst>
+          </p:cNvPr>
+          <p:cNvSpPr/>
+          <p:nvPr/>
+        </p:nvSpPr>
+        <p:spPr>
+          <a:xfrm>
+            <a:off x="10689771" y="1448256"/>
+            <a:ext cx="990600" cy="581464"/>
+          </a:xfrm>
+          <a:prstGeom prst="rect">
+            <a:avLst/>
+          </a:prstGeom>
+          <a:solidFill>
+            <a:schemeClr val="bg1"/>
+          </a:solidFill>
+        </p:spPr>
+        <p:style>
+          <a:lnRef idx="2">
+            <a:schemeClr val="accent1">
+              <a:shade val="15000"/>
+            </a:schemeClr>
+          </a:lnRef>
+          <a:fillRef idx="1">
+            <a:schemeClr val="accent1"/>
+          </a:fillRef>
+          <a:effectRef idx="0">
+            <a:schemeClr val="accent1"/>
+          </a:effectRef>
+          <a:fontRef idx="minor">
+            <a:schemeClr val="lt1"/>
+          </a:fontRef>
+        </p:style>
+        <p:txBody>
+          <a:bodyPr rtlCol="0" anchor="ctr"/>
+          <a:lstStyle/>
+          <a:p>
+            <a:pPr algn="ctr"/>
+            <a:r>
+              <a:rPr lang="en-US" dirty="0">
+                <a:solidFill>
+                  <a:schemeClr val="tx1"/>
+                </a:solidFill>
+              </a:rPr>
+              <a:t>Back</a:t>
+            </a:r>
           </a:p>
         </p:txBody>
       </p:sp>
@@ -12280,10 +12932,533 @@
           </a:p>
         </p:txBody>
       </p:sp>
+      <p:sp>
+        <p:nvSpPr>
+          <p:cNvPr id="19" name="Rectangle 18">
+            <a:extLst>
+              <a:ext uri="{FF2B5EF4-FFF2-40B4-BE49-F238E27FC236}">
+                <a16:creationId xmlns:a16="http://schemas.microsoft.com/office/drawing/2014/main" id="{F394166E-ED24-454B-BCD3-40E8EB3787B6}"/>
+              </a:ext>
+            </a:extLst>
+          </p:cNvPr>
+          <p:cNvSpPr/>
+          <p:nvPr/>
+        </p:nvSpPr>
+        <p:spPr>
+          <a:xfrm>
+            <a:off x="10689771" y="1448256"/>
+            <a:ext cx="990600" cy="581464"/>
+          </a:xfrm>
+          <a:prstGeom prst="rect">
+            <a:avLst/>
+          </a:prstGeom>
+          <a:solidFill>
+            <a:schemeClr val="bg1"/>
+          </a:solidFill>
+        </p:spPr>
+        <p:style>
+          <a:lnRef idx="2">
+            <a:schemeClr val="accent1">
+              <a:shade val="15000"/>
+            </a:schemeClr>
+          </a:lnRef>
+          <a:fillRef idx="1">
+            <a:schemeClr val="accent1"/>
+          </a:fillRef>
+          <a:effectRef idx="0">
+            <a:schemeClr val="accent1"/>
+          </a:effectRef>
+          <a:fontRef idx="minor">
+            <a:schemeClr val="lt1"/>
+          </a:fontRef>
+        </p:style>
+        <p:txBody>
+          <a:bodyPr rtlCol="0" anchor="ctr"/>
+          <a:lstStyle/>
+          <a:p>
+            <a:pPr algn="ctr"/>
+            <a:r>
+              <a:rPr lang="en-US" dirty="0">
+                <a:solidFill>
+                  <a:schemeClr val="tx1"/>
+                </a:solidFill>
+              </a:rPr>
+              <a:t>Back</a:t>
+            </a:r>
+          </a:p>
+        </p:txBody>
+      </p:sp>
     </p:spTree>
     <p:extLst>
       <p:ext uri="{BB962C8B-B14F-4D97-AF65-F5344CB8AC3E}">
         <p14:creationId xmlns:p14="http://schemas.microsoft.com/office/powerpoint/2010/main" val="1914375487"/>
+      </p:ext>
+    </p:extLst>
+  </p:cSld>
+  <p:clrMapOvr>
+    <a:masterClrMapping/>
+  </p:clrMapOvr>
+</p:sld>
+</file>
+
+<file path=ppt/slides/slide9.xml><?xml version="1.0" encoding="utf-8"?>
+<p:sld xmlns:a="http://schemas.openxmlformats.org/drawingml/2006/main" xmlns:r="http://schemas.openxmlformats.org/officeDocument/2006/relationships" xmlns:p="http://schemas.openxmlformats.org/presentationml/2006/main">
+  <p:cSld>
+    <p:bg>
+      <p:bgPr>
+        <a:blipFill dpi="0" rotWithShape="1">
+          <a:blip r:embed="rId2">
+            <a:lum/>
+            <a:extLst>
+              <a:ext uri="{837473B0-CC2E-450A-ABE3-18F120FF3D39}">
+                <a1611:picAttrSrcUrl xmlns:a1611="http://schemas.microsoft.com/office/drawing/2016/11/main" r:id="rId3"/>
+              </a:ext>
+            </a:extLst>
+          </a:blip>
+          <a:srcRect/>
+          <a:stretch>
+            <a:fillRect t="-6000" b="-6000"/>
+          </a:stretch>
+        </a:blipFill>
+        <a:effectLst/>
+      </p:bgPr>
+    </p:bg>
+    <p:spTree>
+      <p:nvGrpSpPr>
+        <p:cNvPr id="1" name=""/>
+        <p:cNvGrpSpPr/>
+        <p:nvPr/>
+      </p:nvGrpSpPr>
+      <p:grpSpPr>
+        <a:xfrm>
+          <a:off x="0" y="0"/>
+          <a:ext cx="0" cy="0"/>
+          <a:chOff x="0" y="0"/>
+          <a:chExt cx="0" cy="0"/>
+        </a:xfrm>
+      </p:grpSpPr>
+      <p:sp>
+        <p:nvSpPr>
+          <p:cNvPr id="2" name="Title 1">
+            <a:extLst>
+              <a:ext uri="{FF2B5EF4-FFF2-40B4-BE49-F238E27FC236}">
+                <a16:creationId xmlns:a16="http://schemas.microsoft.com/office/drawing/2014/main" id="{9F8FC6F8-2B1B-109C-0702-1B540C8E549A}"/>
+              </a:ext>
+            </a:extLst>
+          </p:cNvPr>
+          <p:cNvSpPr>
+            <a:spLocks noGrp="1"/>
+          </p:cNvSpPr>
+          <p:nvPr>
+            <p:ph type="title"/>
+          </p:nvPr>
+        </p:nvSpPr>
+        <p:spPr/>
+        <p:txBody>
+          <a:bodyPr/>
+          <a:lstStyle/>
+          <a:p>
+            <a:r>
+              <a:rPr lang="en-US" dirty="0"/>
+              <a:t>East Tennessee Mental Health Resources </a:t>
+            </a:r>
+          </a:p>
+        </p:txBody>
+      </p:sp>
+      <p:sp>
+        <p:nvSpPr>
+          <p:cNvPr id="4" name="Rectangle 3">
+            <a:extLst>
+              <a:ext uri="{FF2B5EF4-FFF2-40B4-BE49-F238E27FC236}">
+                <a16:creationId xmlns:a16="http://schemas.microsoft.com/office/drawing/2014/main" id="{BDD66A68-8711-09F8-190D-10839F9700DE}"/>
+              </a:ext>
+            </a:extLst>
+          </p:cNvPr>
+          <p:cNvSpPr/>
+          <p:nvPr/>
+        </p:nvSpPr>
+        <p:spPr>
+          <a:xfrm>
+            <a:off x="751114" y="2201412"/>
+            <a:ext cx="10929257" cy="4299856"/>
+          </a:xfrm>
+          <a:prstGeom prst="rect">
+            <a:avLst/>
+          </a:prstGeom>
+          <a:solidFill>
+            <a:schemeClr val="bg1">
+              <a:lumMod val="85000"/>
+            </a:schemeClr>
+          </a:solidFill>
+          <a:ln>
+            <a:solidFill>
+              <a:schemeClr val="bg1">
+                <a:lumMod val="85000"/>
+              </a:schemeClr>
+            </a:solidFill>
+          </a:ln>
+        </p:spPr>
+        <p:style>
+          <a:lnRef idx="2">
+            <a:schemeClr val="accent1">
+              <a:shade val="15000"/>
+            </a:schemeClr>
+          </a:lnRef>
+          <a:fillRef idx="1">
+            <a:schemeClr val="accent1"/>
+          </a:fillRef>
+          <a:effectRef idx="0">
+            <a:schemeClr val="accent1"/>
+          </a:effectRef>
+          <a:fontRef idx="minor">
+            <a:schemeClr val="lt1"/>
+          </a:fontRef>
+        </p:style>
+        <p:txBody>
+          <a:bodyPr rtlCol="0" anchor="ctr"/>
+          <a:lstStyle/>
+          <a:p>
+            <a:pPr algn="ctr"/>
+            <a:endParaRPr lang="en-US" dirty="0"/>
+          </a:p>
+        </p:txBody>
+      </p:sp>
+      <p:sp>
+        <p:nvSpPr>
+          <p:cNvPr id="6" name="TextBox 5">
+            <a:extLst>
+              <a:ext uri="{FF2B5EF4-FFF2-40B4-BE49-F238E27FC236}">
+                <a16:creationId xmlns:a16="http://schemas.microsoft.com/office/drawing/2014/main" id="{C08A4A4B-ECA8-DD96-7405-99351A505CB8}"/>
+              </a:ext>
+            </a:extLst>
+          </p:cNvPr>
+          <p:cNvSpPr txBox="1"/>
+          <p:nvPr/>
+        </p:nvSpPr>
+        <p:spPr>
+          <a:xfrm>
+            <a:off x="925287" y="1570221"/>
+            <a:ext cx="9361714" cy="461665"/>
+          </a:xfrm>
+          <a:prstGeom prst="rect">
+            <a:avLst/>
+          </a:prstGeom>
+          <a:noFill/>
+        </p:spPr>
+        <p:txBody>
+          <a:bodyPr wrap="square" rtlCol="0">
+            <a:spAutoFit/>
+          </a:bodyPr>
+          <a:lstStyle/>
+          <a:p>
+            <a:r>
+              <a:rPr lang="en-US" sz="2400" dirty="0"/>
+              <a:t>Administrative Login</a:t>
+            </a:r>
+          </a:p>
+        </p:txBody>
+      </p:sp>
+      <p:sp>
+        <p:nvSpPr>
+          <p:cNvPr id="12" name="Rectangle 11">
+            <a:extLst>
+              <a:ext uri="{FF2B5EF4-FFF2-40B4-BE49-F238E27FC236}">
+                <a16:creationId xmlns:a16="http://schemas.microsoft.com/office/drawing/2014/main" id="{485F5B08-8432-2BE9-36DF-C87FB4CFA3EF}"/>
+              </a:ext>
+            </a:extLst>
+          </p:cNvPr>
+          <p:cNvSpPr/>
+          <p:nvPr/>
+        </p:nvSpPr>
+        <p:spPr>
+          <a:xfrm>
+            <a:off x="1257299" y="2542610"/>
+            <a:ext cx="9916886" cy="3668885"/>
+          </a:xfrm>
+          <a:prstGeom prst="rect">
+            <a:avLst/>
+          </a:prstGeom>
+          <a:solidFill>
+            <a:schemeClr val="bg1"/>
+          </a:solidFill>
+        </p:spPr>
+        <p:style>
+          <a:lnRef idx="2">
+            <a:schemeClr val="accent1">
+              <a:shade val="15000"/>
+            </a:schemeClr>
+          </a:lnRef>
+          <a:fillRef idx="1">
+            <a:schemeClr val="accent1"/>
+          </a:fillRef>
+          <a:effectRef idx="0">
+            <a:schemeClr val="accent1"/>
+          </a:effectRef>
+          <a:fontRef idx="minor">
+            <a:schemeClr val="lt1"/>
+          </a:fontRef>
+        </p:style>
+        <p:txBody>
+          <a:bodyPr rtlCol="0" anchor="ctr"/>
+          <a:lstStyle/>
+          <a:p>
+            <a:pPr algn="ctr"/>
+            <a:endParaRPr lang="en-US" dirty="0"/>
+          </a:p>
+        </p:txBody>
+      </p:sp>
+      <p:sp>
+        <p:nvSpPr>
+          <p:cNvPr id="22" name="TextBox 21">
+            <a:extLst>
+              <a:ext uri="{FF2B5EF4-FFF2-40B4-BE49-F238E27FC236}">
+                <a16:creationId xmlns:a16="http://schemas.microsoft.com/office/drawing/2014/main" id="{480232D9-8D27-B3CE-9F11-80C7C9651E8F}"/>
+              </a:ext>
+            </a:extLst>
+          </p:cNvPr>
+          <p:cNvSpPr txBox="1"/>
+          <p:nvPr/>
+        </p:nvSpPr>
+        <p:spPr>
+          <a:xfrm>
+            <a:off x="2650671" y="2670393"/>
+            <a:ext cx="7347857" cy="461665"/>
+          </a:xfrm>
+          <a:prstGeom prst="rect">
+            <a:avLst/>
+          </a:prstGeom>
+          <a:noFill/>
+        </p:spPr>
+        <p:txBody>
+          <a:bodyPr wrap="square" rtlCol="0">
+            <a:spAutoFit/>
+          </a:bodyPr>
+          <a:lstStyle/>
+          <a:p>
+            <a:pPr algn="ctr"/>
+            <a:r>
+              <a:rPr lang="en-US" sz="2400" dirty="0"/>
+              <a:t>Log In</a:t>
+            </a:r>
+          </a:p>
+        </p:txBody>
+      </p:sp>
+      <p:sp>
+        <p:nvSpPr>
+          <p:cNvPr id="23" name="Rectangle 22">
+            <a:extLst>
+              <a:ext uri="{FF2B5EF4-FFF2-40B4-BE49-F238E27FC236}">
+                <a16:creationId xmlns:a16="http://schemas.microsoft.com/office/drawing/2014/main" id="{0EC0CB24-2A1F-2D36-5D04-67A3A61B205A}"/>
+              </a:ext>
+            </a:extLst>
+          </p:cNvPr>
+          <p:cNvSpPr/>
+          <p:nvPr/>
+        </p:nvSpPr>
+        <p:spPr>
+          <a:xfrm>
+            <a:off x="3826328" y="3301584"/>
+            <a:ext cx="5268686" cy="751115"/>
+          </a:xfrm>
+          <a:prstGeom prst="rect">
+            <a:avLst/>
+          </a:prstGeom>
+          <a:solidFill>
+            <a:schemeClr val="bg1"/>
+          </a:solidFill>
+        </p:spPr>
+        <p:style>
+          <a:lnRef idx="2">
+            <a:schemeClr val="accent1">
+              <a:shade val="15000"/>
+            </a:schemeClr>
+          </a:lnRef>
+          <a:fillRef idx="1">
+            <a:schemeClr val="accent1"/>
+          </a:fillRef>
+          <a:effectRef idx="0">
+            <a:schemeClr val="accent1"/>
+          </a:effectRef>
+          <a:fontRef idx="minor">
+            <a:schemeClr val="lt1"/>
+          </a:fontRef>
+        </p:style>
+        <p:txBody>
+          <a:bodyPr rtlCol="0" anchor="ctr"/>
+          <a:lstStyle/>
+          <a:p>
+            <a:r>
+              <a:rPr lang="en-US" dirty="0">
+                <a:solidFill>
+                  <a:schemeClr val="bg2">
+                    <a:lumMod val="50000"/>
+                  </a:schemeClr>
+                </a:solidFill>
+              </a:rPr>
+              <a:t>Email Address or Username</a:t>
+            </a:r>
+          </a:p>
+        </p:txBody>
+      </p:sp>
+      <p:sp>
+        <p:nvSpPr>
+          <p:cNvPr id="24" name="Rectangle 23">
+            <a:extLst>
+              <a:ext uri="{FF2B5EF4-FFF2-40B4-BE49-F238E27FC236}">
+                <a16:creationId xmlns:a16="http://schemas.microsoft.com/office/drawing/2014/main" id="{ED7140FD-28C9-BD3E-DE6C-D4E87916C503}"/>
+              </a:ext>
+            </a:extLst>
+          </p:cNvPr>
+          <p:cNvSpPr/>
+          <p:nvPr/>
+        </p:nvSpPr>
+        <p:spPr>
+          <a:xfrm>
+            <a:off x="3826328" y="4385259"/>
+            <a:ext cx="5268686" cy="751115"/>
+          </a:xfrm>
+          <a:prstGeom prst="rect">
+            <a:avLst/>
+          </a:prstGeom>
+          <a:solidFill>
+            <a:schemeClr val="bg1"/>
+          </a:solidFill>
+        </p:spPr>
+        <p:style>
+          <a:lnRef idx="2">
+            <a:schemeClr val="accent1">
+              <a:shade val="15000"/>
+            </a:schemeClr>
+          </a:lnRef>
+          <a:fillRef idx="1">
+            <a:schemeClr val="accent1"/>
+          </a:fillRef>
+          <a:effectRef idx="0">
+            <a:schemeClr val="accent1"/>
+          </a:effectRef>
+          <a:fontRef idx="minor">
+            <a:schemeClr val="lt1"/>
+          </a:fontRef>
+        </p:style>
+        <p:txBody>
+          <a:bodyPr rtlCol="0" anchor="ctr"/>
+          <a:lstStyle/>
+          <a:p>
+            <a:r>
+              <a:rPr lang="en-US" dirty="0">
+                <a:solidFill>
+                  <a:schemeClr val="bg2">
+                    <a:lumMod val="50000"/>
+                  </a:schemeClr>
+                </a:solidFill>
+              </a:rPr>
+              <a:t>Password</a:t>
+            </a:r>
+          </a:p>
+        </p:txBody>
+      </p:sp>
+      <p:sp>
+        <p:nvSpPr>
+          <p:cNvPr id="25" name="Oval 24">
+            <a:extLst>
+              <a:ext uri="{FF2B5EF4-FFF2-40B4-BE49-F238E27FC236}">
+                <a16:creationId xmlns:a16="http://schemas.microsoft.com/office/drawing/2014/main" id="{E3069268-781B-7862-FCAD-4C752881AC5C}"/>
+              </a:ext>
+            </a:extLst>
+          </p:cNvPr>
+          <p:cNvSpPr/>
+          <p:nvPr/>
+        </p:nvSpPr>
+        <p:spPr>
+          <a:xfrm>
+            <a:off x="5148942" y="5355771"/>
+            <a:ext cx="2405744" cy="629314"/>
+          </a:xfrm>
+          <a:prstGeom prst="ellipse">
+            <a:avLst/>
+          </a:prstGeom>
+          <a:solidFill>
+            <a:schemeClr val="tx2">
+              <a:lumMod val="10000"/>
+              <a:lumOff val="90000"/>
+            </a:schemeClr>
+          </a:solidFill>
+        </p:spPr>
+        <p:style>
+          <a:lnRef idx="2">
+            <a:schemeClr val="accent1">
+              <a:shade val="15000"/>
+            </a:schemeClr>
+          </a:lnRef>
+          <a:fillRef idx="1">
+            <a:schemeClr val="accent1"/>
+          </a:fillRef>
+          <a:effectRef idx="0">
+            <a:schemeClr val="accent1"/>
+          </a:effectRef>
+          <a:fontRef idx="minor">
+            <a:schemeClr val="lt1"/>
+          </a:fontRef>
+        </p:style>
+        <p:txBody>
+          <a:bodyPr rtlCol="0" anchor="ctr"/>
+          <a:lstStyle/>
+          <a:p>
+            <a:pPr algn="ctr"/>
+            <a:r>
+              <a:rPr lang="en-US" dirty="0">
+                <a:solidFill>
+                  <a:schemeClr val="tx1"/>
+                </a:solidFill>
+              </a:rPr>
+              <a:t>Log In</a:t>
+            </a:r>
+          </a:p>
+        </p:txBody>
+      </p:sp>
+      <p:pic>
+        <p:nvPicPr>
+          <p:cNvPr id="30" name="Picture 29" descr="A grey padlock with a keyhole&#10;&#10;Description automatically generated">
+            <a:extLst>
+              <a:ext uri="{FF2B5EF4-FFF2-40B4-BE49-F238E27FC236}">
+                <a16:creationId xmlns:a16="http://schemas.microsoft.com/office/drawing/2014/main" id="{FA3083F0-EF8B-9DAD-6598-C513BF8B344C}"/>
+              </a:ext>
+            </a:extLst>
+          </p:cNvPr>
+          <p:cNvPicPr>
+            <a:picLocks noChangeAspect="1"/>
+          </p:cNvPicPr>
+          <p:nvPr/>
+        </p:nvPicPr>
+        <p:blipFill>
+          <a:blip r:embed="rId4">
+            <a:extLst>
+              <a:ext uri="{28A0092B-C50C-407E-A947-70E740481C1C}">
+                <a14:useLocalDpi xmlns:a14="http://schemas.microsoft.com/office/drawing/2010/main" val="0"/>
+              </a:ext>
+              <a:ext uri="{837473B0-CC2E-450A-ABE3-18F120FF3D39}">
+                <a1611:picAttrSrcUrl xmlns:a1611="http://schemas.microsoft.com/office/drawing/2016/11/main" r:id="rId5"/>
+              </a:ext>
+            </a:extLst>
+          </a:blip>
+          <a:stretch>
+            <a:fillRect/>
+          </a:stretch>
+        </p:blipFill>
+        <p:spPr>
+          <a:xfrm>
+            <a:off x="5271783" y="5504670"/>
+            <a:ext cx="668722" cy="331516"/>
+          </a:xfrm>
+          <a:prstGeom prst="rect">
+            <a:avLst/>
+          </a:prstGeom>
+        </p:spPr>
+      </p:pic>
+    </p:spTree>
+    <p:extLst>
+      <p:ext uri="{BB962C8B-B14F-4D97-AF65-F5344CB8AC3E}">
+        <p14:creationId xmlns:p14="http://schemas.microsoft.com/office/powerpoint/2010/main" val="2599565820"/>
       </p:ext>
     </p:extLst>
   </p:cSld>
